--- a/Git & Git Flow.pptx
+++ b/Git & Git Flow.pptx
@@ -229,7 +229,7 @@
           <a:p>
             <a:fld id="{F5F79331-E025-459A-A3C0-2D73C52475A2}" type="datetimeFigureOut">
               <a:rPr lang="en-US" smtClean="0"/>
-              <a:t>7/29/2017</a:t>
+              <a:t>12/5/2019</a:t>
             </a:fld>
             <a:endParaRPr lang="en-US"/>
           </a:p>
@@ -293,38 +293,37 @@
           <a:p>
             <a:pPr lvl="0"/>
             <a:r>
-              <a:rPr lang="en-US" smtClean="0"/>
+              <a:rPr lang="en-US"/>
               <a:t>Click to edit Master text styles</a:t>
             </a:r>
           </a:p>
           <a:p>
             <a:pPr lvl="1"/>
             <a:r>
-              <a:rPr lang="en-US" smtClean="0"/>
+              <a:rPr lang="en-US"/>
               <a:t>Second level</a:t>
             </a:r>
           </a:p>
           <a:p>
             <a:pPr lvl="2"/>
             <a:r>
-              <a:rPr lang="en-US" smtClean="0"/>
+              <a:rPr lang="en-US"/>
               <a:t>Third level</a:t>
             </a:r>
           </a:p>
           <a:p>
             <a:pPr lvl="3"/>
             <a:r>
-              <a:rPr lang="en-US" smtClean="0"/>
+              <a:rPr lang="en-US"/>
               <a:t>Fourth level</a:t>
             </a:r>
           </a:p>
           <a:p>
             <a:pPr lvl="4"/>
             <a:r>
-              <a:rPr lang="en-US" smtClean="0"/>
+              <a:rPr lang="en-US"/>
               <a:t>Fifth level</a:t>
             </a:r>
-            <a:endParaRPr lang="en-US"/>
           </a:p>
         </p:txBody>
       </p:sp>
@@ -542,7 +541,7 @@
           <a:lstStyle/>
           <a:p>
             <a:r>
-              <a:rPr lang="vi-VN" sz="1200" b="0" i="0" kern="1200" dirty="0" smtClean="0">
+              <a:rPr lang="vi-VN" sz="1200" b="0" i="0" kern="1200" dirty="0">
                 <a:solidFill>
                   <a:schemeClr val="tx1"/>
                 </a:solidFill>
@@ -553,7 +552,7 @@
               </a:rPr>
               <a:t>Committed có nghĩa là dữ liệu đã được lưu trữ một cách an toàn trong cơ sở dữ liệu.</a:t>
             </a:r>
-            <a:endParaRPr lang="en-US" sz="1200" b="0" i="0" kern="1200" dirty="0" smtClean="0">
+            <a:endParaRPr lang="en-US" sz="1200" b="0" i="0" kern="1200" dirty="0">
               <a:solidFill>
                 <a:schemeClr val="tx1"/>
               </a:solidFill>
@@ -565,7 +564,7 @@
           </a:p>
           <a:p>
             <a:r>
-              <a:rPr lang="vi-VN" sz="1200" b="0" i="0" kern="1200" dirty="0" smtClean="0">
+              <a:rPr lang="vi-VN" sz="1200" b="0" i="0" kern="1200" dirty="0">
                 <a:solidFill>
                   <a:schemeClr val="tx1"/>
                 </a:solidFill>
@@ -576,7 +575,7 @@
               </a:rPr>
               <a:t>Modified có nghĩa là bạn đã thay đổi tập tin nhưng chưa commit vào cơ sở dữ liệu. </a:t>
             </a:r>
-            <a:endParaRPr lang="en-US" sz="1200" b="0" i="0" kern="1200" dirty="0" smtClean="0">
+            <a:endParaRPr lang="en-US" sz="1200" b="0" i="0" kern="1200" dirty="0">
               <a:solidFill>
                 <a:schemeClr val="tx1"/>
               </a:solidFill>
@@ -588,7 +587,7 @@
           </a:p>
           <a:p>
             <a:r>
-              <a:rPr lang="vi-VN" sz="1200" b="0" i="0" kern="1200" dirty="0" smtClean="0">
+              <a:rPr lang="vi-VN" sz="1200" b="0" i="0" kern="1200" dirty="0">
                 <a:solidFill>
                   <a:schemeClr val="tx1"/>
                 </a:solidFill>
@@ -684,7 +683,7 @@
           <a:lstStyle/>
           <a:p>
             <a:r>
-              <a:rPr lang="vi-VN" sz="1200" b="0" i="0" kern="1200" dirty="0" smtClean="0">
+              <a:rPr lang="vi-VN" sz="1200" b="0" i="0" kern="1200" dirty="0">
                 <a:solidFill>
                   <a:schemeClr val="tx1"/>
                 </a:solidFill>
@@ -695,7 +694,7 @@
               </a:rPr>
               <a:t>Git thực hiện một tích hợp 3-chiều, sử dụng hai snapshot được trỏ tới bởi các đầu mút của nhánh và "cha chung" của cả hai. </a:t>
             </a:r>
-            <a:endParaRPr lang="en-US" sz="1200" b="0" i="0" kern="1200" dirty="0" smtClean="0">
+            <a:endParaRPr lang="en-US" sz="1200" b="0" i="0" kern="1200" dirty="0">
               <a:solidFill>
                 <a:schemeClr val="tx1"/>
               </a:solidFill>
@@ -791,7 +790,7 @@
           <a:lstStyle/>
           <a:p>
             <a:r>
-              <a:rPr lang="vi-VN" sz="1200" b="0" i="0" kern="1200" dirty="0" smtClean="0">
+              <a:rPr lang="vi-VN" sz="1200" b="0" i="0" kern="1200" dirty="0">
                 <a:solidFill>
                   <a:schemeClr val="tx1"/>
                 </a:solidFill>
@@ -887,7 +886,7 @@
           <a:lstStyle/>
           <a:p>
             <a:r>
-              <a:rPr lang="en-US" sz="1200" b="0" i="0" kern="1200" dirty="0" err="1" smtClean="0">
+              <a:rPr lang="en-US" sz="1200" b="0" i="0" kern="1200" dirty="0" err="1">
                 <a:solidFill>
                   <a:schemeClr val="tx1"/>
                 </a:solidFill>
@@ -899,19 +898,19 @@
               <a:t>Giả</a:t>
             </a:r>
             <a:r>
-              <a:rPr lang="en-US" sz="1200" b="0" i="0" kern="1200" dirty="0" smtClean="0">
-                <a:solidFill>
-                  <a:schemeClr val="tx1"/>
-                </a:solidFill>
-                <a:effectLst/>
-                <a:latin typeface="+mn-lt"/>
-                <a:ea typeface="+mn-ea"/>
-                <a:cs typeface="+mn-cs"/>
-              </a:rPr>
-              <a:t> </a:t>
-            </a:r>
-            <a:r>
-              <a:rPr lang="en-US" sz="1200" b="0" i="0" kern="1200" dirty="0" err="1" smtClean="0">
+              <a:rPr lang="en-US" sz="1200" b="0" i="0" kern="1200" dirty="0">
+                <a:solidFill>
+                  <a:schemeClr val="tx1"/>
+                </a:solidFill>
+                <a:effectLst/>
+                <a:latin typeface="+mn-lt"/>
+                <a:ea typeface="+mn-ea"/>
+                <a:cs typeface="+mn-cs"/>
+              </a:rPr>
+              <a:t> </a:t>
+            </a:r>
+            <a:r>
+              <a:rPr lang="en-US" sz="1200" b="0" i="0" kern="1200" dirty="0" err="1">
                 <a:solidFill>
                   <a:schemeClr val="tx1"/>
                 </a:solidFill>
@@ -923,19 +922,19 @@
               <a:t>sử</a:t>
             </a:r>
             <a:r>
-              <a:rPr lang="en-US" sz="1200" b="0" i="0" kern="1200" dirty="0" smtClean="0">
-                <a:solidFill>
-                  <a:schemeClr val="tx1"/>
-                </a:solidFill>
-                <a:effectLst/>
-                <a:latin typeface="+mn-lt"/>
-                <a:ea typeface="+mn-ea"/>
-                <a:cs typeface="+mn-cs"/>
-              </a:rPr>
-              <a:t> </a:t>
-            </a:r>
-            <a:r>
-              <a:rPr lang="en-US" sz="1200" b="0" i="0" kern="1200" dirty="0" err="1" smtClean="0">
+              <a:rPr lang="en-US" sz="1200" b="0" i="0" kern="1200" dirty="0">
+                <a:solidFill>
+                  <a:schemeClr val="tx1"/>
+                </a:solidFill>
+                <a:effectLst/>
+                <a:latin typeface="+mn-lt"/>
+                <a:ea typeface="+mn-ea"/>
+                <a:cs typeface="+mn-cs"/>
+              </a:rPr>
+              <a:t> </a:t>
+            </a:r>
+            <a:r>
+              <a:rPr lang="en-US" sz="1200" b="0" i="0" kern="1200" dirty="0" err="1">
                 <a:solidFill>
                   <a:schemeClr val="tx1"/>
                 </a:solidFill>
@@ -947,19 +946,19 @@
               <a:t>bạn</a:t>
             </a:r>
             <a:r>
-              <a:rPr lang="en-US" sz="1200" b="0" i="0" kern="1200" dirty="0" smtClean="0">
-                <a:solidFill>
-                  <a:schemeClr val="tx1"/>
-                </a:solidFill>
-                <a:effectLst/>
-                <a:latin typeface="+mn-lt"/>
-                <a:ea typeface="+mn-ea"/>
-                <a:cs typeface="+mn-cs"/>
-              </a:rPr>
-              <a:t> </a:t>
-            </a:r>
-            <a:r>
-              <a:rPr lang="en-US" sz="1200" b="0" i="0" kern="1200" dirty="0" err="1" smtClean="0">
+              <a:rPr lang="en-US" sz="1200" b="0" i="0" kern="1200" dirty="0">
+                <a:solidFill>
+                  <a:schemeClr val="tx1"/>
+                </a:solidFill>
+                <a:effectLst/>
+                <a:latin typeface="+mn-lt"/>
+                <a:ea typeface="+mn-ea"/>
+                <a:cs typeface="+mn-cs"/>
+              </a:rPr>
+              <a:t> </a:t>
+            </a:r>
+            <a:r>
+              <a:rPr lang="en-US" sz="1200" b="0" i="0" kern="1200" dirty="0" err="1">
                 <a:solidFill>
                   <a:schemeClr val="tx1"/>
                 </a:solidFill>
@@ -971,19 +970,19 @@
               <a:t>tạo</a:t>
             </a:r>
             <a:r>
-              <a:rPr lang="en-US" sz="1200" b="0" i="0" kern="1200" dirty="0" smtClean="0">
-                <a:solidFill>
-                  <a:schemeClr val="tx1"/>
-                </a:solidFill>
-                <a:effectLst/>
-                <a:latin typeface="+mn-lt"/>
-                <a:ea typeface="+mn-ea"/>
-                <a:cs typeface="+mn-cs"/>
-              </a:rPr>
-              <a:t> </a:t>
-            </a:r>
-            <a:r>
-              <a:rPr lang="en-US" sz="1200" b="0" i="0" kern="1200" dirty="0" err="1" smtClean="0">
+              <a:rPr lang="en-US" sz="1200" b="0" i="0" kern="1200" dirty="0">
+                <a:solidFill>
+                  <a:schemeClr val="tx1"/>
+                </a:solidFill>
+                <a:effectLst/>
+                <a:latin typeface="+mn-lt"/>
+                <a:ea typeface="+mn-ea"/>
+                <a:cs typeface="+mn-cs"/>
+              </a:rPr>
+              <a:t> </a:t>
+            </a:r>
+            <a:r>
+              <a:rPr lang="en-US" sz="1200" b="0" i="0" kern="1200" dirty="0" err="1">
                 <a:solidFill>
                   <a:schemeClr val="tx1"/>
                 </a:solidFill>
@@ -995,19 +994,19 @@
               <a:t>bản</a:t>
             </a:r>
             <a:r>
-              <a:rPr lang="en-US" sz="1200" b="0" i="0" kern="1200" dirty="0" smtClean="0">
-                <a:solidFill>
-                  <a:schemeClr val="tx1"/>
-                </a:solidFill>
-                <a:effectLst/>
-                <a:latin typeface="+mn-lt"/>
-                <a:ea typeface="+mn-ea"/>
-                <a:cs typeface="+mn-cs"/>
-              </a:rPr>
-              <a:t> </a:t>
-            </a:r>
-            <a:r>
-              <a:rPr lang="en-US" sz="1200" b="0" i="0" kern="1200" dirty="0" err="1" smtClean="0">
+              <a:rPr lang="en-US" sz="1200" b="0" i="0" kern="1200" dirty="0">
+                <a:solidFill>
+                  <a:schemeClr val="tx1"/>
+                </a:solidFill>
+                <a:effectLst/>
+                <a:latin typeface="+mn-lt"/>
+                <a:ea typeface="+mn-ea"/>
+                <a:cs typeface="+mn-cs"/>
+              </a:rPr>
+              <a:t> </a:t>
+            </a:r>
+            <a:r>
+              <a:rPr lang="en-US" sz="1200" b="0" i="0" kern="1200" dirty="0" err="1">
                 <a:solidFill>
                   <a:schemeClr val="tx1"/>
                 </a:solidFill>
@@ -1019,19 +1018,19 @@
               <a:t>sao</a:t>
             </a:r>
             <a:r>
-              <a:rPr lang="en-US" sz="1200" b="0" i="0" kern="1200" dirty="0" smtClean="0">
-                <a:solidFill>
-                  <a:schemeClr val="tx1"/>
-                </a:solidFill>
-                <a:effectLst/>
-                <a:latin typeface="+mn-lt"/>
-                <a:ea typeface="+mn-ea"/>
-                <a:cs typeface="+mn-cs"/>
-              </a:rPr>
-              <a:t> </a:t>
-            </a:r>
-            <a:r>
-              <a:rPr lang="en-US" sz="1200" b="0" i="0" kern="1200" dirty="0" err="1" smtClean="0">
+              <a:rPr lang="en-US" sz="1200" b="0" i="0" kern="1200" dirty="0">
+                <a:solidFill>
+                  <a:schemeClr val="tx1"/>
+                </a:solidFill>
+                <a:effectLst/>
+                <a:latin typeface="+mn-lt"/>
+                <a:ea typeface="+mn-ea"/>
+                <a:cs typeface="+mn-cs"/>
+              </a:rPr>
+              <a:t> </a:t>
+            </a:r>
+            <a:r>
+              <a:rPr lang="en-US" sz="1200" b="0" i="0" kern="1200" dirty="0" err="1">
                 <a:solidFill>
                   <a:schemeClr val="tx1"/>
                 </a:solidFill>
@@ -1043,19 +1042,19 @@
               <a:t>từ</a:t>
             </a:r>
             <a:r>
-              <a:rPr lang="en-US" sz="1200" b="0" i="0" kern="1200" dirty="0" smtClean="0">
-                <a:solidFill>
-                  <a:schemeClr val="tx1"/>
-                </a:solidFill>
-                <a:effectLst/>
-                <a:latin typeface="+mn-lt"/>
-                <a:ea typeface="+mn-ea"/>
-                <a:cs typeface="+mn-cs"/>
-              </a:rPr>
-              <a:t> </a:t>
-            </a:r>
-            <a:r>
-              <a:rPr lang="en-US" sz="1200" b="0" i="0" kern="1200" dirty="0" err="1" smtClean="0">
+              <a:rPr lang="en-US" sz="1200" b="0" i="0" kern="1200" dirty="0">
+                <a:solidFill>
+                  <a:schemeClr val="tx1"/>
+                </a:solidFill>
+                <a:effectLst/>
+                <a:latin typeface="+mn-lt"/>
+                <a:ea typeface="+mn-ea"/>
+                <a:cs typeface="+mn-cs"/>
+              </a:rPr>
+              <a:t> </a:t>
+            </a:r>
+            <a:r>
+              <a:rPr lang="en-US" sz="1200" b="0" i="0" kern="1200" dirty="0" err="1">
                 <a:solidFill>
                   <a:schemeClr val="tx1"/>
                 </a:solidFill>
@@ -1067,19 +1066,19 @@
               <a:t>một</a:t>
             </a:r>
             <a:r>
-              <a:rPr lang="en-US" sz="1200" b="0" i="0" kern="1200" dirty="0" smtClean="0">
-                <a:solidFill>
-                  <a:schemeClr val="tx1"/>
-                </a:solidFill>
-                <a:effectLst/>
-                <a:latin typeface="+mn-lt"/>
-                <a:ea typeface="+mn-ea"/>
-                <a:cs typeface="+mn-cs"/>
-              </a:rPr>
-              <a:t> </a:t>
-            </a:r>
-            <a:r>
-              <a:rPr lang="en-US" sz="1200" b="0" i="0" kern="1200" dirty="0" err="1" smtClean="0">
+              <a:rPr lang="en-US" sz="1200" b="0" i="0" kern="1200" dirty="0">
+                <a:solidFill>
+                  <a:schemeClr val="tx1"/>
+                </a:solidFill>
+                <a:effectLst/>
+                <a:latin typeface="+mn-lt"/>
+                <a:ea typeface="+mn-ea"/>
+                <a:cs typeface="+mn-cs"/>
+              </a:rPr>
+              <a:t> </a:t>
+            </a:r>
+            <a:r>
+              <a:rPr lang="en-US" sz="1200" b="0" i="0" kern="1200" dirty="0" err="1">
                 <a:solidFill>
                   <a:schemeClr val="tx1"/>
                 </a:solidFill>
@@ -1091,19 +1090,19 @@
               <a:t>máy</a:t>
             </a:r>
             <a:r>
-              <a:rPr lang="en-US" sz="1200" b="0" i="0" kern="1200" dirty="0" smtClean="0">
-                <a:solidFill>
-                  <a:schemeClr val="tx1"/>
-                </a:solidFill>
-                <a:effectLst/>
-                <a:latin typeface="+mn-lt"/>
-                <a:ea typeface="+mn-ea"/>
-                <a:cs typeface="+mn-cs"/>
-              </a:rPr>
-              <a:t> </a:t>
-            </a:r>
-            <a:r>
-              <a:rPr lang="en-US" sz="1200" b="0" i="0" kern="1200" dirty="0" err="1" smtClean="0">
+              <a:rPr lang="en-US" sz="1200" b="0" i="0" kern="1200" dirty="0">
+                <a:solidFill>
+                  <a:schemeClr val="tx1"/>
+                </a:solidFill>
+                <a:effectLst/>
+                <a:latin typeface="+mn-lt"/>
+                <a:ea typeface="+mn-ea"/>
+                <a:cs typeface="+mn-cs"/>
+              </a:rPr>
+              <a:t> </a:t>
+            </a:r>
+            <a:r>
+              <a:rPr lang="en-US" sz="1200" b="0" i="0" kern="1200" dirty="0" err="1">
                 <a:solidFill>
                   <a:schemeClr val="tx1"/>
                 </a:solidFill>
@@ -1115,19 +1114,19 @@
               <a:t>chủ</a:t>
             </a:r>
             <a:r>
-              <a:rPr lang="en-US" sz="1200" b="0" i="0" kern="1200" dirty="0" smtClean="0">
-                <a:solidFill>
-                  <a:schemeClr val="tx1"/>
-                </a:solidFill>
-                <a:effectLst/>
-                <a:latin typeface="+mn-lt"/>
-                <a:ea typeface="+mn-ea"/>
-                <a:cs typeface="+mn-cs"/>
-              </a:rPr>
-              <a:t> </a:t>
-            </a:r>
-            <a:r>
-              <a:rPr lang="en-US" sz="1200" b="0" i="0" kern="1200" dirty="0" err="1" smtClean="0">
+              <a:rPr lang="en-US" sz="1200" b="0" i="0" kern="1200" dirty="0">
+                <a:solidFill>
+                  <a:schemeClr val="tx1"/>
+                </a:solidFill>
+                <a:effectLst/>
+                <a:latin typeface="+mn-lt"/>
+                <a:ea typeface="+mn-ea"/>
+                <a:cs typeface="+mn-cs"/>
+              </a:rPr>
+              <a:t> </a:t>
+            </a:r>
+            <a:r>
+              <a:rPr lang="en-US" sz="1200" b="0" i="0" kern="1200" dirty="0" err="1">
                 <a:solidFill>
                   <a:schemeClr val="tx1"/>
                 </a:solidFill>
@@ -1139,19 +1138,19 @@
               <a:t>trung</a:t>
             </a:r>
             <a:r>
-              <a:rPr lang="en-US" sz="1200" b="0" i="0" kern="1200" dirty="0" smtClean="0">
-                <a:solidFill>
-                  <a:schemeClr val="tx1"/>
-                </a:solidFill>
-                <a:effectLst/>
-                <a:latin typeface="+mn-lt"/>
-                <a:ea typeface="+mn-ea"/>
-                <a:cs typeface="+mn-cs"/>
-              </a:rPr>
-              <a:t> </a:t>
-            </a:r>
-            <a:r>
-              <a:rPr lang="en-US" sz="1200" b="0" i="0" kern="1200" dirty="0" err="1" smtClean="0">
+              <a:rPr lang="en-US" sz="1200" b="0" i="0" kern="1200" dirty="0">
+                <a:solidFill>
+                  <a:schemeClr val="tx1"/>
+                </a:solidFill>
+                <a:effectLst/>
+                <a:latin typeface="+mn-lt"/>
+                <a:ea typeface="+mn-ea"/>
+                <a:cs typeface="+mn-cs"/>
+              </a:rPr>
+              <a:t> </a:t>
+            </a:r>
+            <a:r>
+              <a:rPr lang="en-US" sz="1200" b="0" i="0" kern="1200" dirty="0" err="1">
                 <a:solidFill>
                   <a:schemeClr val="tx1"/>
                 </a:solidFill>
@@ -1163,19 +1162,19 @@
               <a:t>tâm</a:t>
             </a:r>
             <a:r>
-              <a:rPr lang="en-US" sz="1200" b="0" i="0" kern="1200" dirty="0" smtClean="0">
-                <a:solidFill>
-                  <a:schemeClr val="tx1"/>
-                </a:solidFill>
-                <a:effectLst/>
-                <a:latin typeface="+mn-lt"/>
-                <a:ea typeface="+mn-ea"/>
-                <a:cs typeface="+mn-cs"/>
-              </a:rPr>
-              <a:t> </a:t>
-            </a:r>
-            <a:r>
-              <a:rPr lang="en-US" sz="1200" b="0" i="0" kern="1200" dirty="0" err="1" smtClean="0">
+              <a:rPr lang="en-US" sz="1200" b="0" i="0" kern="1200" dirty="0">
+                <a:solidFill>
+                  <a:schemeClr val="tx1"/>
+                </a:solidFill>
+                <a:effectLst/>
+                <a:latin typeface="+mn-lt"/>
+                <a:ea typeface="+mn-ea"/>
+                <a:cs typeface="+mn-cs"/>
+              </a:rPr>
+              <a:t> </a:t>
+            </a:r>
+            <a:r>
+              <a:rPr lang="en-US" sz="1200" b="0" i="0" kern="1200" dirty="0" err="1">
                 <a:solidFill>
                   <a:schemeClr val="tx1"/>
                 </a:solidFill>
@@ -1187,19 +1186,19 @@
               <a:t>và</a:t>
             </a:r>
             <a:r>
-              <a:rPr lang="en-US" sz="1200" b="0" i="0" kern="1200" dirty="0" smtClean="0">
-                <a:solidFill>
-                  <a:schemeClr val="tx1"/>
-                </a:solidFill>
-                <a:effectLst/>
-                <a:latin typeface="+mn-lt"/>
-                <a:ea typeface="+mn-ea"/>
-                <a:cs typeface="+mn-cs"/>
-              </a:rPr>
-              <a:t> </a:t>
-            </a:r>
-            <a:r>
-              <a:rPr lang="en-US" sz="1200" b="0" i="0" kern="1200" dirty="0" err="1" smtClean="0">
+              <a:rPr lang="en-US" sz="1200" b="0" i="0" kern="1200" dirty="0">
+                <a:solidFill>
+                  <a:schemeClr val="tx1"/>
+                </a:solidFill>
+                <a:effectLst/>
+                <a:latin typeface="+mn-lt"/>
+                <a:ea typeface="+mn-ea"/>
+                <a:cs typeface="+mn-cs"/>
+              </a:rPr>
+              <a:t> </a:t>
+            </a:r>
+            <a:r>
+              <a:rPr lang="en-US" sz="1200" b="0" i="0" kern="1200" dirty="0" err="1">
                 <a:solidFill>
                   <a:schemeClr val="tx1"/>
                 </a:solidFill>
@@ -1211,19 +1210,19 @@
               <a:t>thực</a:t>
             </a:r>
             <a:r>
-              <a:rPr lang="en-US" sz="1200" b="0" i="0" kern="1200" dirty="0" smtClean="0">
-                <a:solidFill>
-                  <a:schemeClr val="tx1"/>
-                </a:solidFill>
-                <a:effectLst/>
-                <a:latin typeface="+mn-lt"/>
-                <a:ea typeface="+mn-ea"/>
-                <a:cs typeface="+mn-cs"/>
-              </a:rPr>
-              <a:t> </a:t>
-            </a:r>
-            <a:r>
-              <a:rPr lang="en-US" sz="1200" b="0" i="0" kern="1200" dirty="0" err="1" smtClean="0">
+              <a:rPr lang="en-US" sz="1200" b="0" i="0" kern="1200" dirty="0">
+                <a:solidFill>
+                  <a:schemeClr val="tx1"/>
+                </a:solidFill>
+                <a:effectLst/>
+                <a:latin typeface="+mn-lt"/>
+                <a:ea typeface="+mn-ea"/>
+                <a:cs typeface="+mn-cs"/>
+              </a:rPr>
+              <a:t> </a:t>
+            </a:r>
+            <a:r>
+              <a:rPr lang="en-US" sz="1200" b="0" i="0" kern="1200" dirty="0" err="1">
                 <a:solidFill>
                   <a:schemeClr val="tx1"/>
                 </a:solidFill>
@@ -1235,19 +1234,19 @@
               <a:t>hiện</a:t>
             </a:r>
             <a:r>
-              <a:rPr lang="en-US" sz="1200" b="0" i="0" kern="1200" dirty="0" smtClean="0">
-                <a:solidFill>
-                  <a:schemeClr val="tx1"/>
-                </a:solidFill>
-                <a:effectLst/>
-                <a:latin typeface="+mn-lt"/>
-                <a:ea typeface="+mn-ea"/>
-                <a:cs typeface="+mn-cs"/>
-              </a:rPr>
-              <a:t> </a:t>
-            </a:r>
-            <a:r>
-              <a:rPr lang="en-US" sz="1200" b="0" i="0" kern="1200" dirty="0" err="1" smtClean="0">
+              <a:rPr lang="en-US" sz="1200" b="0" i="0" kern="1200" dirty="0">
+                <a:solidFill>
+                  <a:schemeClr val="tx1"/>
+                </a:solidFill>
+                <a:effectLst/>
+                <a:latin typeface="+mn-lt"/>
+                <a:ea typeface="+mn-ea"/>
+                <a:cs typeface="+mn-cs"/>
+              </a:rPr>
+              <a:t> </a:t>
+            </a:r>
+            <a:r>
+              <a:rPr lang="en-US" sz="1200" b="0" i="0" kern="1200" dirty="0" err="1">
                 <a:solidFill>
                   <a:schemeClr val="tx1"/>
                 </a:solidFill>
@@ -1259,19 +1258,19 @@
               <a:t>một</a:t>
             </a:r>
             <a:r>
-              <a:rPr lang="en-US" sz="1200" b="0" i="0" kern="1200" dirty="0" smtClean="0">
-                <a:solidFill>
-                  <a:schemeClr val="tx1"/>
-                </a:solidFill>
-                <a:effectLst/>
-                <a:latin typeface="+mn-lt"/>
-                <a:ea typeface="+mn-ea"/>
-                <a:cs typeface="+mn-cs"/>
-              </a:rPr>
-              <a:t> </a:t>
-            </a:r>
-            <a:r>
-              <a:rPr lang="en-US" sz="1200" b="0" i="0" kern="1200" dirty="0" err="1" smtClean="0">
+              <a:rPr lang="en-US" sz="1200" b="0" i="0" kern="1200" dirty="0">
+                <a:solidFill>
+                  <a:schemeClr val="tx1"/>
+                </a:solidFill>
+                <a:effectLst/>
+                <a:latin typeface="+mn-lt"/>
+                <a:ea typeface="+mn-ea"/>
+                <a:cs typeface="+mn-cs"/>
+              </a:rPr>
+              <a:t> </a:t>
+            </a:r>
+            <a:r>
+              <a:rPr lang="en-US" sz="1200" b="0" i="0" kern="1200" dirty="0" err="1">
                 <a:solidFill>
                   <a:schemeClr val="tx1"/>
                 </a:solidFill>
@@ -1283,19 +1282,19 @@
               <a:t>số</a:t>
             </a:r>
             <a:r>
-              <a:rPr lang="en-US" sz="1200" b="0" i="0" kern="1200" dirty="0" smtClean="0">
-                <a:solidFill>
-                  <a:schemeClr val="tx1"/>
-                </a:solidFill>
-                <a:effectLst/>
-                <a:latin typeface="+mn-lt"/>
-                <a:ea typeface="+mn-ea"/>
-                <a:cs typeface="+mn-cs"/>
-              </a:rPr>
-              <a:t> </a:t>
-            </a:r>
-            <a:r>
-              <a:rPr lang="en-US" sz="1200" b="0" i="0" kern="1200" dirty="0" err="1" smtClean="0">
+              <a:rPr lang="en-US" sz="1200" b="0" i="0" kern="1200" dirty="0">
+                <a:solidFill>
+                  <a:schemeClr val="tx1"/>
+                </a:solidFill>
+                <a:effectLst/>
+                <a:latin typeface="+mn-lt"/>
+                <a:ea typeface="+mn-ea"/>
+                <a:cs typeface="+mn-cs"/>
+              </a:rPr>
+              <a:t> </a:t>
+            </a:r>
+            <a:r>
+              <a:rPr lang="en-US" sz="1200" b="0" i="0" kern="1200" dirty="0" err="1">
                 <a:solidFill>
                   <a:schemeClr val="tx1"/>
                 </a:solidFill>
@@ -1307,19 +1306,19 @@
               <a:t>thay</a:t>
             </a:r>
             <a:r>
-              <a:rPr lang="en-US" sz="1200" b="0" i="0" kern="1200" dirty="0" smtClean="0">
-                <a:solidFill>
-                  <a:schemeClr val="tx1"/>
-                </a:solidFill>
-                <a:effectLst/>
-                <a:latin typeface="+mn-lt"/>
-                <a:ea typeface="+mn-ea"/>
-                <a:cs typeface="+mn-cs"/>
-              </a:rPr>
-              <a:t> </a:t>
-            </a:r>
-            <a:r>
-              <a:rPr lang="en-US" sz="1200" b="0" i="0" kern="1200" dirty="0" err="1" smtClean="0">
+              <a:rPr lang="en-US" sz="1200" b="0" i="0" kern="1200" dirty="0">
+                <a:solidFill>
+                  <a:schemeClr val="tx1"/>
+                </a:solidFill>
+                <a:effectLst/>
+                <a:latin typeface="+mn-lt"/>
+                <a:ea typeface="+mn-ea"/>
+                <a:cs typeface="+mn-cs"/>
+              </a:rPr>
+              <a:t> </a:t>
+            </a:r>
+            <a:r>
+              <a:rPr lang="en-US" sz="1200" b="0" i="0" kern="1200" dirty="0" err="1">
                 <a:solidFill>
                   <a:schemeClr val="tx1"/>
                 </a:solidFill>
@@ -1331,19 +1330,19 @@
               <a:t>đổi</a:t>
             </a:r>
             <a:r>
-              <a:rPr lang="en-US" sz="1200" b="0" i="0" kern="1200" dirty="0" smtClean="0">
-                <a:solidFill>
-                  <a:schemeClr val="tx1"/>
-                </a:solidFill>
-                <a:effectLst/>
-                <a:latin typeface="+mn-lt"/>
-                <a:ea typeface="+mn-ea"/>
-                <a:cs typeface="+mn-cs"/>
-              </a:rPr>
-              <a:t> </a:t>
-            </a:r>
-            <a:r>
-              <a:rPr lang="en-US" sz="1200" b="0" i="0" kern="1200" dirty="0" err="1" smtClean="0">
+              <a:rPr lang="en-US" sz="1200" b="0" i="0" kern="1200" dirty="0">
+                <a:solidFill>
+                  <a:schemeClr val="tx1"/>
+                </a:solidFill>
+                <a:effectLst/>
+                <a:latin typeface="+mn-lt"/>
+                <a:ea typeface="+mn-ea"/>
+                <a:cs typeface="+mn-cs"/>
+              </a:rPr>
+              <a:t> </a:t>
+            </a:r>
+            <a:r>
+              <a:rPr lang="en-US" sz="1200" b="0" i="0" kern="1200" dirty="0" err="1">
                 <a:solidFill>
                   <a:schemeClr val="tx1"/>
                 </a:solidFill>
@@ -1355,19 +1354,19 @@
               <a:t>từ</a:t>
             </a:r>
             <a:r>
-              <a:rPr lang="en-US" sz="1200" b="0" i="0" kern="1200" dirty="0" smtClean="0">
-                <a:solidFill>
-                  <a:schemeClr val="tx1"/>
-                </a:solidFill>
-                <a:effectLst/>
-                <a:latin typeface="+mn-lt"/>
-                <a:ea typeface="+mn-ea"/>
-                <a:cs typeface="+mn-cs"/>
-              </a:rPr>
-              <a:t> </a:t>
-            </a:r>
-            <a:r>
-              <a:rPr lang="en-US" sz="1200" b="0" i="0" kern="1200" dirty="0" err="1" smtClean="0">
+              <a:rPr lang="en-US" sz="1200" b="0" i="0" kern="1200" dirty="0">
+                <a:solidFill>
+                  <a:schemeClr val="tx1"/>
+                </a:solidFill>
+                <a:effectLst/>
+                <a:latin typeface="+mn-lt"/>
+                <a:ea typeface="+mn-ea"/>
+                <a:cs typeface="+mn-cs"/>
+              </a:rPr>
+              <a:t> </a:t>
+            </a:r>
+            <a:r>
+              <a:rPr lang="en-US" sz="1200" b="0" i="0" kern="1200" dirty="0" err="1">
                 <a:solidFill>
                   <a:schemeClr val="tx1"/>
                 </a:solidFill>
@@ -1379,7 +1378,7 @@
               <a:t>đó</a:t>
             </a:r>
             <a:r>
-              <a:rPr lang="en-US" sz="1200" b="0" i="0" kern="1200" dirty="0" smtClean="0">
+              <a:rPr lang="en-US" sz="1200" b="0" i="0" kern="1200" dirty="0">
                 <a:solidFill>
                   <a:schemeClr val="tx1"/>
                 </a:solidFill>
@@ -1475,7 +1474,7 @@
           <a:lstStyle/>
           <a:p>
             <a:r>
-              <a:rPr lang="en-US" sz="1200" b="0" i="0" kern="1200" dirty="0" smtClean="0">
+              <a:rPr lang="en-US" sz="1200" b="0" i="0" kern="1200" dirty="0">
                 <a:solidFill>
                   <a:schemeClr val="tx1"/>
                 </a:solidFill>
@@ -1487,7 +1486,7 @@
               <a:t>M</a:t>
             </a:r>
             <a:r>
-              <a:rPr lang="vi-VN" sz="1200" b="0" i="0" kern="1200" dirty="0" smtClean="0">
+              <a:rPr lang="vi-VN" sz="1200" b="0" i="0" kern="1200" dirty="0">
                 <a:solidFill>
                   <a:schemeClr val="tx1"/>
                 </a:solidFill>
@@ -1498,7 +1497,7 @@
               </a:rPr>
               <a:t>ột người khác thực hiện một số thay đổi khác có kèm theo một lần tích hợp (merge), và đẩy lên máy chủ trung tâm. </a:t>
             </a:r>
-            <a:endParaRPr lang="en-US" sz="1200" b="0" i="0" kern="1200" dirty="0" smtClean="0">
+            <a:endParaRPr lang="en-US" sz="1200" b="0" i="0" kern="1200" dirty="0">
               <a:solidFill>
                 <a:schemeClr val="tx1"/>
               </a:solidFill>
@@ -1510,7 +1509,7 @@
           </a:p>
           <a:p>
             <a:r>
-              <a:rPr lang="vi-VN" sz="1200" b="0" i="0" kern="1200" dirty="0" smtClean="0">
+              <a:rPr lang="vi-VN" sz="1200" b="0" i="0" kern="1200" dirty="0">
                 <a:solidFill>
                   <a:schemeClr val="tx1"/>
                 </a:solidFill>
@@ -1606,7 +1605,7 @@
           <a:lstStyle/>
           <a:p>
             <a:r>
-              <a:rPr lang="en-US" sz="1200" b="0" i="0" kern="1200" dirty="0" smtClean="0">
+              <a:rPr lang="en-US" sz="1200" b="0" i="0" kern="1200" dirty="0">
                 <a:solidFill>
                   <a:schemeClr val="tx1"/>
                 </a:solidFill>
@@ -1618,7 +1617,7 @@
               <a:t>N</a:t>
             </a:r>
             <a:r>
-              <a:rPr lang="vi-VN" sz="1200" b="0" i="0" kern="1200" dirty="0" smtClean="0">
+              <a:rPr lang="vi-VN" sz="1200" b="0" i="0" kern="1200" dirty="0">
                 <a:solidFill>
                   <a:schemeClr val="tx1"/>
                 </a:solidFill>
@@ -1629,7 +1628,7 @@
               </a:rPr>
               <a:t>gười đã đẩy tích hợp đó quyết định lại và rebase lại những thay đổi của họ; </a:t>
             </a:r>
-            <a:endParaRPr lang="en-US" sz="1200" b="0" i="0" kern="1200" dirty="0" smtClean="0">
+            <a:endParaRPr lang="en-US" sz="1200" b="0" i="0" kern="1200" dirty="0">
               <a:solidFill>
                 <a:schemeClr val="tx1"/>
               </a:solidFill>
@@ -1641,7 +1640,7 @@
           </a:p>
           <a:p>
             <a:r>
-              <a:rPr lang="en-US" sz="1200" b="0" i="0" kern="1200" dirty="0" smtClean="0">
+              <a:rPr lang="en-US" sz="1200" b="0" i="0" kern="1200" dirty="0">
                 <a:solidFill>
                   <a:schemeClr val="tx1"/>
                 </a:solidFill>
@@ -1653,7 +1652,7 @@
               <a:t>H</a:t>
             </a:r>
             <a:r>
-              <a:rPr lang="vi-VN" sz="1200" b="0" i="0" kern="1200" dirty="0" smtClean="0">
+              <a:rPr lang="vi-VN" sz="1200" b="0" i="0" kern="1200" dirty="0">
                 <a:solidFill>
                   <a:schemeClr val="tx1"/>
                 </a:solidFill>
@@ -1665,11 +1664,11 @@
               <a:t>ọ thực hiện </a:t>
             </a:r>
             <a:r>
-              <a:rPr lang="vi-VN" dirty="0" smtClean="0"/>
+              <a:rPr lang="vi-VN" dirty="0"/>
               <a:t>git push --force</a:t>
             </a:r>
             <a:r>
-              <a:rPr lang="vi-VN" sz="1200" b="0" i="0" kern="1200" dirty="0" smtClean="0">
+              <a:rPr lang="vi-VN" sz="1200" b="0" i="0" kern="1200" dirty="0">
                 <a:solidFill>
                   <a:schemeClr val="tx1"/>
                 </a:solidFill>
@@ -1680,7 +1679,7 @@
               </a:rPr>
               <a:t> để ghi đè lịch sử trên máy chủ. </a:t>
             </a:r>
-            <a:endParaRPr lang="en-US" sz="1200" b="0" i="0" kern="1200" dirty="0" smtClean="0">
+            <a:endParaRPr lang="en-US" sz="1200" b="0" i="0" kern="1200" dirty="0">
               <a:solidFill>
                 <a:schemeClr val="tx1"/>
               </a:solidFill>
@@ -1692,7 +1691,7 @@
           </a:p>
           <a:p>
             <a:r>
-              <a:rPr lang="vi-VN" sz="1200" b="0" i="0" kern="1200" dirty="0" smtClean="0">
+              <a:rPr lang="vi-VN" sz="1200" b="0" i="0" kern="1200" dirty="0">
                 <a:solidFill>
                   <a:schemeClr val="tx1"/>
                 </a:solidFill>
@@ -1788,7 +1787,7 @@
           <a:lstStyle/>
           <a:p>
             <a:r>
-              <a:rPr lang="vi-VN" sz="1200" b="0" i="0" kern="1200" dirty="0" smtClean="0">
+              <a:rPr lang="vi-VN" sz="1200" b="0" i="0" kern="1200" dirty="0">
                 <a:solidFill>
                   <a:schemeClr val="tx1"/>
                 </a:solidFill>
@@ -1799,7 +1798,7 @@
               </a:rPr>
               <a:t>Lúc này, bạn phải tích hợp lại một lần nữa các thay đổi này, mặc dù trước đó bạn đã làm rồi. </a:t>
             </a:r>
-            <a:endParaRPr lang="en-US" sz="1200" b="0" i="0" kern="1200" dirty="0" smtClean="0">
+            <a:endParaRPr lang="en-US" sz="1200" b="0" i="0" kern="1200" dirty="0">
               <a:solidFill>
                 <a:schemeClr val="tx1"/>
               </a:solidFill>
@@ -1811,7 +1810,7 @@
           </a:p>
           <a:p>
             <a:r>
-              <a:rPr lang="vi-VN" sz="1200" b="0" i="0" kern="1200" dirty="0" smtClean="0">
+              <a:rPr lang="vi-VN" sz="1200" b="0" i="0" kern="1200" dirty="0">
                 <a:solidFill>
                   <a:schemeClr val="tx1"/>
                 </a:solidFill>
@@ -1822,7 +1821,7 @@
               </a:rPr>
               <a:t>Quá trình rebase thay đổi mã băm SHA-1 của các commit này vì thế đối với Git chúng giống như các commit mới, </a:t>
             </a:r>
-            <a:endParaRPr lang="en-US" sz="1200" b="0" i="0" kern="1200" dirty="0" smtClean="0">
+            <a:endParaRPr lang="en-US" sz="1200" b="0" i="0" kern="1200" dirty="0">
               <a:solidFill>
                 <a:schemeClr val="tx1"/>
               </a:solidFill>
@@ -1834,7 +1833,7 @@
           </a:p>
           <a:p>
             <a:r>
-              <a:rPr lang="vi-VN" sz="1200" b="0" i="0" kern="1200" dirty="0" smtClean="0">
+              <a:rPr lang="vi-VN" sz="1200" b="0" i="0" kern="1200" dirty="0">
                 <a:solidFill>
                   <a:schemeClr val="tx1"/>
                 </a:solidFill>
@@ -1846,7 +1845,7 @@
               <a:t>mà thực tế thì bạn đã có C4 trong lịch sử của bạn</a:t>
             </a:r>
             <a:r>
-              <a:rPr lang="en-US" sz="1200" b="0" i="0" kern="1200" dirty="0" smtClean="0">
+              <a:rPr lang="en-US" sz="1200" b="0" i="0" kern="1200" dirty="0">
                 <a:solidFill>
                   <a:schemeClr val="tx1"/>
                 </a:solidFill>
@@ -1860,7 +1859,7 @@
           </a:p>
           <a:p>
             <a:r>
-              <a:rPr lang="vi-VN" sz="1200" b="0" i="0" kern="1200" dirty="0" smtClean="0">
+              <a:rPr lang="vi-VN" sz="1200" b="0" i="0" kern="1200" dirty="0">
                 <a:solidFill>
                   <a:schemeClr val="tx1"/>
                 </a:solidFill>
@@ -1871,7 +1870,7 @@
               </a:rPr>
               <a:t>Bạn phải tích hợp thay đổi đó để có thể theo kịp với các lập trình viên khác về sau này. </a:t>
             </a:r>
-            <a:endParaRPr lang="en-US" sz="1200" b="0" i="0" kern="1200" dirty="0" smtClean="0">
+            <a:endParaRPr lang="en-US" sz="1200" b="0" i="0" kern="1200" dirty="0">
               <a:solidFill>
                 <a:schemeClr val="tx1"/>
               </a:solidFill>
@@ -1883,7 +1882,7 @@
           </a:p>
           <a:p>
             <a:r>
-              <a:rPr lang="vi-VN" sz="1200" b="0" i="0" kern="1200" dirty="0" smtClean="0">
+              <a:rPr lang="vi-VN" sz="1200" b="0" i="0" kern="1200" dirty="0">
                 <a:solidFill>
                   <a:schemeClr val="tx1"/>
                 </a:solidFill>
@@ -1895,7 +1894,7 @@
               <a:t>Sau khi thực hiện việc này, lịch sử commit của bạn sẽ bao gồm </a:t>
             </a:r>
             <a:r>
-              <a:rPr lang="vi-VN" sz="1200" b="1" i="0" kern="1200" dirty="0" smtClean="0">
+              <a:rPr lang="vi-VN" sz="1200" b="1" i="0" kern="1200" dirty="0">
                 <a:solidFill>
                   <a:schemeClr val="tx1"/>
                 </a:solidFill>
@@ -1907,7 +1906,7 @@
               <a:t>cả hai commit C4 và C4' có mã SHA-1 khác nhau </a:t>
             </a:r>
             <a:r>
-              <a:rPr lang="vi-VN" sz="1200" b="0" i="0" kern="1200" dirty="0" smtClean="0">
+              <a:rPr lang="vi-VN" sz="1200" b="0" i="0" kern="1200" dirty="0">
                 <a:solidFill>
                   <a:schemeClr val="tx1"/>
                 </a:solidFill>
@@ -1919,7 +1918,7 @@
               <a:t>nhưng lại có </a:t>
             </a:r>
             <a:r>
-              <a:rPr lang="vi-VN" sz="1200" b="1" i="0" kern="1200" dirty="0" smtClean="0">
+              <a:rPr lang="vi-VN" sz="1200" b="1" i="0" kern="1200" dirty="0">
                 <a:solidFill>
                   <a:schemeClr val="tx1"/>
                 </a:solidFill>
@@ -1931,7 +1930,7 @@
               <a:t>cùng chung nội dung thay đổi cũng như thông điệp commit</a:t>
             </a:r>
             <a:r>
-              <a:rPr lang="vi-VN" sz="1200" b="0" i="0" kern="1200" dirty="0" smtClean="0">
+              <a:rPr lang="vi-VN" sz="1200" b="0" i="0" kern="1200" dirty="0">
                 <a:solidFill>
                   <a:schemeClr val="tx1"/>
                 </a:solidFill>
@@ -1943,11 +1942,11 @@
               <a:t>. Nếu bạn chạy lệnh </a:t>
             </a:r>
             <a:r>
-              <a:rPr lang="vi-VN" dirty="0" smtClean="0"/>
+              <a:rPr lang="vi-VN" dirty="0"/>
               <a:t>git log</a:t>
             </a:r>
             <a:r>
-              <a:rPr lang="vi-VN" sz="1200" b="0" i="0" kern="1200" dirty="0" smtClean="0">
+              <a:rPr lang="vi-VN" sz="1200" b="0" i="0" kern="1200" dirty="0">
                 <a:solidFill>
                   <a:schemeClr val="tx1"/>
                 </a:solidFill>
@@ -2470,92 +2469,91 @@
           <a:lstStyle/>
           <a:p>
             <a:r>
-              <a:rPr lang="en-US" dirty="0" smtClean="0"/>
+              <a:rPr lang="en-US" dirty="0"/>
               <a:t>$ </a:t>
             </a:r>
             <a:r>
-              <a:rPr lang="en-US" dirty="0" err="1" smtClean="0"/>
+              <a:rPr lang="en-US" dirty="0" err="1"/>
               <a:t>git</a:t>
             </a:r>
             <a:r>
-              <a:rPr lang="en-US" dirty="0" smtClean="0"/>
-              <a:t> </a:t>
-            </a:r>
-            <a:r>
-              <a:rPr lang="en-US" dirty="0" err="1" smtClean="0"/>
+              <a:rPr lang="en-US" dirty="0"/>
+              <a:t> </a:t>
+            </a:r>
+            <a:r>
+              <a:rPr lang="en-US" dirty="0" err="1"/>
               <a:t>config</a:t>
             </a:r>
             <a:r>
-              <a:rPr lang="en-US" dirty="0" smtClean="0"/>
+              <a:rPr lang="en-US" dirty="0"/>
               <a:t> --global alias.co checkout </a:t>
             </a:r>
           </a:p>
           <a:p>
             <a:r>
-              <a:rPr lang="en-US" dirty="0" smtClean="0"/>
+              <a:rPr lang="en-US" dirty="0"/>
               <a:t>$ </a:t>
             </a:r>
             <a:r>
-              <a:rPr lang="en-US" dirty="0" err="1" smtClean="0"/>
+              <a:rPr lang="en-US" dirty="0" err="1"/>
               <a:t>git</a:t>
             </a:r>
             <a:r>
-              <a:rPr lang="en-US" dirty="0" smtClean="0"/>
-              <a:t> </a:t>
-            </a:r>
-            <a:r>
-              <a:rPr lang="en-US" dirty="0" err="1" smtClean="0"/>
+              <a:rPr lang="en-US" dirty="0"/>
+              <a:t> </a:t>
+            </a:r>
+            <a:r>
+              <a:rPr lang="en-US" dirty="0" err="1"/>
               <a:t>config</a:t>
             </a:r>
             <a:r>
-              <a:rPr lang="en-US" dirty="0" smtClean="0"/>
+              <a:rPr lang="en-US" dirty="0"/>
               <a:t> --global alias.br branch </a:t>
             </a:r>
           </a:p>
           <a:p>
             <a:r>
-              <a:rPr lang="en-US" dirty="0" smtClean="0"/>
+              <a:rPr lang="en-US" dirty="0"/>
               <a:t>$ </a:t>
             </a:r>
             <a:r>
-              <a:rPr lang="en-US" dirty="0" err="1" smtClean="0"/>
+              <a:rPr lang="en-US" dirty="0" err="1"/>
               <a:t>git</a:t>
             </a:r>
             <a:r>
-              <a:rPr lang="en-US" dirty="0" smtClean="0"/>
-              <a:t> </a:t>
-            </a:r>
-            <a:r>
-              <a:rPr lang="en-US" dirty="0" err="1" smtClean="0"/>
+              <a:rPr lang="en-US" dirty="0"/>
+              <a:t> </a:t>
+            </a:r>
+            <a:r>
+              <a:rPr lang="en-US" dirty="0" err="1"/>
               <a:t>config</a:t>
             </a:r>
             <a:r>
-              <a:rPr lang="en-US" dirty="0" smtClean="0"/>
+              <a:rPr lang="en-US" dirty="0"/>
               <a:t> --global alias.ci commit </a:t>
             </a:r>
           </a:p>
           <a:p>
             <a:r>
-              <a:rPr lang="en-US" dirty="0" smtClean="0"/>
+              <a:rPr lang="en-US" dirty="0"/>
               <a:t>$ </a:t>
             </a:r>
             <a:r>
-              <a:rPr lang="en-US" dirty="0" err="1" smtClean="0"/>
+              <a:rPr lang="en-US" dirty="0" err="1"/>
               <a:t>git</a:t>
             </a:r>
             <a:r>
-              <a:rPr lang="en-US" dirty="0" smtClean="0"/>
-              <a:t> </a:t>
-            </a:r>
-            <a:r>
-              <a:rPr lang="en-US" dirty="0" err="1" smtClean="0"/>
+              <a:rPr lang="en-US" dirty="0"/>
+              <a:t> </a:t>
+            </a:r>
+            <a:r>
+              <a:rPr lang="en-US" dirty="0" err="1"/>
               <a:t>config</a:t>
             </a:r>
             <a:r>
-              <a:rPr lang="en-US" dirty="0" smtClean="0"/>
+              <a:rPr lang="en-US" dirty="0"/>
               <a:t> --global alias.st status</a:t>
             </a:r>
-            <a:endParaRPr lang="en-US" dirty="0"/>
           </a:p>
         </p:txBody>
       </p:sp>
@@ -3157,7 +3155,7 @@
           <a:lstStyle/>
           <a:p>
             <a:r>
-              <a:rPr lang="vi-VN" sz="1200" b="0" i="0" kern="1200" dirty="0" smtClean="0">
+              <a:rPr lang="vi-VN" sz="1200" b="0" i="0" kern="1200" dirty="0">
                 <a:solidFill>
                   <a:schemeClr val="tx1"/>
                 </a:solidFill>
@@ -3168,7 +3166,7 @@
               </a:rPr>
               <a:t>Tên nhánh mặc định của Git là master. </a:t>
             </a:r>
-            <a:endParaRPr lang="en-US" sz="1200" b="0" i="0" kern="1200" dirty="0" smtClean="0">
+            <a:endParaRPr lang="en-US" sz="1200" b="0" i="0" kern="1200" dirty="0">
               <a:solidFill>
                 <a:schemeClr val="tx1"/>
               </a:solidFill>
@@ -3180,7 +3178,7 @@
           </a:p>
           <a:p>
             <a:r>
-              <a:rPr lang="vi-VN" sz="1200" b="0" i="0" kern="1200" dirty="0" smtClean="0">
+              <a:rPr lang="vi-VN" sz="1200" b="0" i="0" kern="1200" dirty="0">
                 <a:solidFill>
                   <a:schemeClr val="tx1"/>
                 </a:solidFill>
@@ -3192,11 +3190,11 @@
               <a:t>Như trong những lần commit đầu tiên, chúng đều được trỏ tới nhánh </a:t>
             </a:r>
             <a:r>
-              <a:rPr lang="vi-VN" dirty="0" smtClean="0"/>
+              <a:rPr lang="vi-VN" dirty="0"/>
               <a:t>master</a:t>
             </a:r>
             <a:r>
-              <a:rPr lang="vi-VN" sz="1200" b="0" i="0" kern="1200" dirty="0" smtClean="0">
+              <a:rPr lang="vi-VN" sz="1200" b="0" i="0" kern="1200" dirty="0">
                 <a:solidFill>
                   <a:schemeClr val="tx1"/>
                 </a:solidFill>
@@ -3207,7 +3205,7 @@
               </a:rPr>
               <a:t>. </a:t>
             </a:r>
-            <a:endParaRPr lang="en-US" sz="1200" b="0" i="0" kern="1200" dirty="0" smtClean="0">
+            <a:endParaRPr lang="en-US" sz="1200" b="0" i="0" kern="1200" dirty="0">
               <a:solidFill>
                 <a:schemeClr val="tx1"/>
               </a:solidFill>
@@ -3219,7 +3217,7 @@
           </a:p>
           <a:p>
             <a:r>
-              <a:rPr lang="vi-VN" sz="1200" b="0" i="0" kern="1200" dirty="0" smtClean="0">
+              <a:rPr lang="vi-VN" sz="1200" b="0" i="0" kern="1200" dirty="0">
                 <a:solidFill>
                   <a:schemeClr val="tx1"/>
                 </a:solidFill>
@@ -3315,63 +3313,63 @@
           <a:lstStyle/>
           <a:p>
             <a:r>
-              <a:rPr lang="en-US" dirty="0" smtClean="0"/>
+              <a:rPr lang="en-US" dirty="0"/>
               <a:t>HEAD:</a:t>
             </a:r>
             <a:r>
-              <a:rPr lang="en-US" baseline="0" dirty="0" smtClean="0"/>
+              <a:rPr lang="en-US" baseline="0" dirty="0"/>
               <a:t> con </a:t>
             </a:r>
             <a:r>
-              <a:rPr lang="en-US" baseline="0" dirty="0" err="1" smtClean="0"/>
+              <a:rPr lang="en-US" baseline="0" dirty="0" err="1"/>
               <a:t>trỏ</a:t>
             </a:r>
             <a:r>
-              <a:rPr lang="en-US" baseline="0" dirty="0" smtClean="0"/>
-              <a:t> </a:t>
-            </a:r>
-            <a:r>
-              <a:rPr lang="en-US" baseline="0" dirty="0" err="1" smtClean="0"/>
+              <a:rPr lang="en-US" baseline="0" dirty="0"/>
+              <a:t> </a:t>
+            </a:r>
+            <a:r>
+              <a:rPr lang="en-US" baseline="0" dirty="0" err="1"/>
               <a:t>trỏ</a:t>
             </a:r>
             <a:r>
-              <a:rPr lang="en-US" baseline="0" dirty="0" smtClean="0"/>
-              <a:t> </a:t>
-            </a:r>
-            <a:r>
-              <a:rPr lang="en-US" baseline="0" dirty="0" err="1" smtClean="0"/>
+              <a:rPr lang="en-US" baseline="0" dirty="0"/>
+              <a:t> </a:t>
+            </a:r>
+            <a:r>
+              <a:rPr lang="en-US" baseline="0" dirty="0" err="1"/>
               <a:t>tới</a:t>
             </a:r>
             <a:r>
-              <a:rPr lang="en-US" baseline="0" dirty="0" smtClean="0"/>
-              <a:t> </a:t>
-            </a:r>
-            <a:r>
-              <a:rPr lang="en-US" baseline="0" dirty="0" err="1" smtClean="0"/>
+              <a:rPr lang="en-US" baseline="0" dirty="0"/>
+              <a:t> </a:t>
+            </a:r>
+            <a:r>
+              <a:rPr lang="en-US" baseline="0" dirty="0" err="1"/>
               <a:t>nhanh</a:t>
             </a:r>
             <a:r>
-              <a:rPr lang="en-US" baseline="0" dirty="0" smtClean="0"/>
-              <a:t> </a:t>
-            </a:r>
-            <a:r>
-              <a:rPr lang="en-US" baseline="0" dirty="0" err="1" smtClean="0"/>
+              <a:rPr lang="en-US" baseline="0" dirty="0"/>
+              <a:t> </a:t>
+            </a:r>
+            <a:r>
+              <a:rPr lang="en-US" baseline="0" dirty="0" err="1"/>
               <a:t>đang</a:t>
             </a:r>
             <a:r>
-              <a:rPr lang="en-US" baseline="0" dirty="0" smtClean="0"/>
-              <a:t> </a:t>
-            </a:r>
-            <a:r>
-              <a:rPr lang="en-US" baseline="0" dirty="0" err="1" smtClean="0"/>
+              <a:rPr lang="en-US" baseline="0" dirty="0"/>
+              <a:t> </a:t>
+            </a:r>
+            <a:r>
+              <a:rPr lang="en-US" baseline="0" dirty="0" err="1"/>
               <a:t>làm</a:t>
             </a:r>
             <a:r>
-              <a:rPr lang="en-US" baseline="0" dirty="0" smtClean="0"/>
-              <a:t> </a:t>
-            </a:r>
-            <a:r>
-              <a:rPr lang="en-US" baseline="0" dirty="0" err="1" smtClean="0"/>
+              <a:rPr lang="en-US" baseline="0" dirty="0"/>
+              <a:t> </a:t>
+            </a:r>
+            <a:r>
+              <a:rPr lang="en-US" baseline="0" dirty="0" err="1"/>
               <a:t>việc</a:t>
             </a:r>
             <a:endParaRPr lang="en-US" dirty="0"/>
@@ -3543,7 +3541,7 @@
           <a:lstStyle/>
           <a:p>
             <a:r>
-              <a:rPr lang="en-US" sz="1200" b="0" i="0" kern="1200" dirty="0" err="1" smtClean="0">
+              <a:rPr lang="en-US" sz="1200" b="0" i="0" kern="1200" dirty="0" err="1">
                 <a:solidFill>
                   <a:schemeClr val="tx1"/>
                 </a:solidFill>
@@ -3555,19 +3553,19 @@
               <a:t>Git</a:t>
             </a:r>
             <a:r>
-              <a:rPr lang="en-US" sz="1200" b="0" i="0" kern="1200" dirty="0" smtClean="0">
-                <a:solidFill>
-                  <a:schemeClr val="tx1"/>
-                </a:solidFill>
-                <a:effectLst/>
-                <a:latin typeface="+mn-lt"/>
-                <a:ea typeface="+mn-ea"/>
-                <a:cs typeface="+mn-cs"/>
-              </a:rPr>
-              <a:t> </a:t>
-            </a:r>
-            <a:r>
-              <a:rPr lang="en-US" sz="1200" b="0" i="0" kern="1200" dirty="0" err="1" smtClean="0">
+              <a:rPr lang="en-US" sz="1200" b="0" i="0" kern="1200" dirty="0">
+                <a:solidFill>
+                  <a:schemeClr val="tx1"/>
+                </a:solidFill>
+                <a:effectLst/>
+                <a:latin typeface="+mn-lt"/>
+                <a:ea typeface="+mn-ea"/>
+                <a:cs typeface="+mn-cs"/>
+              </a:rPr>
+              <a:t> </a:t>
+            </a:r>
+            <a:r>
+              <a:rPr lang="en-US" sz="1200" b="0" i="0" kern="1200" dirty="0" err="1">
                 <a:solidFill>
                   <a:schemeClr val="tx1"/>
                 </a:solidFill>
@@ -3579,19 +3577,19 @@
               <a:t>sẽ</a:t>
             </a:r>
             <a:r>
-              <a:rPr lang="en-US" sz="1200" b="0" i="0" kern="1200" dirty="0" smtClean="0">
-                <a:solidFill>
-                  <a:schemeClr val="tx1"/>
-                </a:solidFill>
-                <a:effectLst/>
-                <a:latin typeface="+mn-lt"/>
-                <a:ea typeface="+mn-ea"/>
-                <a:cs typeface="+mn-cs"/>
-              </a:rPr>
-              <a:t> </a:t>
-            </a:r>
-            <a:r>
-              <a:rPr lang="en-US" sz="1200" b="0" i="0" kern="1200" dirty="0" err="1" smtClean="0">
+              <a:rPr lang="en-US" sz="1200" b="0" i="0" kern="1200" dirty="0">
+                <a:solidFill>
+                  <a:schemeClr val="tx1"/>
+                </a:solidFill>
+                <a:effectLst/>
+                <a:latin typeface="+mn-lt"/>
+                <a:ea typeface="+mn-ea"/>
+                <a:cs typeface="+mn-cs"/>
+              </a:rPr>
+              <a:t> </a:t>
+            </a:r>
+            <a:r>
+              <a:rPr lang="en-US" sz="1200" b="0" i="0" kern="1200" dirty="0" err="1">
                 <a:solidFill>
                   <a:schemeClr val="tx1"/>
                 </a:solidFill>
@@ -3603,19 +3601,19 @@
               <a:t>tự</a:t>
             </a:r>
             <a:r>
-              <a:rPr lang="en-US" sz="1200" b="0" i="0" kern="1200" dirty="0" smtClean="0">
-                <a:solidFill>
-                  <a:schemeClr val="tx1"/>
-                </a:solidFill>
-                <a:effectLst/>
-                <a:latin typeface="+mn-lt"/>
-                <a:ea typeface="+mn-ea"/>
-                <a:cs typeface="+mn-cs"/>
-              </a:rPr>
-              <a:t> </a:t>
-            </a:r>
-            <a:r>
-              <a:rPr lang="en-US" sz="1200" b="0" i="0" kern="1200" dirty="0" err="1" smtClean="0">
+              <a:rPr lang="en-US" sz="1200" b="0" i="0" kern="1200" dirty="0">
+                <a:solidFill>
+                  <a:schemeClr val="tx1"/>
+                </a:solidFill>
+                <a:effectLst/>
+                <a:latin typeface="+mn-lt"/>
+                <a:ea typeface="+mn-ea"/>
+                <a:cs typeface="+mn-cs"/>
+              </a:rPr>
+              <a:t> </a:t>
+            </a:r>
+            <a:r>
+              <a:rPr lang="en-US" sz="1200" b="0" i="0" kern="1200" dirty="0" err="1">
                 <a:solidFill>
                   <a:schemeClr val="tx1"/>
                 </a:solidFill>
@@ -3627,19 +3625,19 @@
               <a:t>động</a:t>
             </a:r>
             <a:r>
-              <a:rPr lang="en-US" sz="1200" b="0" i="0" kern="1200" dirty="0" smtClean="0">
-                <a:solidFill>
-                  <a:schemeClr val="tx1"/>
-                </a:solidFill>
-                <a:effectLst/>
-                <a:latin typeface="+mn-lt"/>
-                <a:ea typeface="+mn-ea"/>
-                <a:cs typeface="+mn-cs"/>
-              </a:rPr>
-              <a:t> </a:t>
-            </a:r>
-            <a:r>
-              <a:rPr lang="en-US" sz="1200" b="0" i="0" kern="1200" dirty="0" err="1" smtClean="0">
+              <a:rPr lang="en-US" sz="1200" b="0" i="0" kern="1200" dirty="0">
+                <a:solidFill>
+                  <a:schemeClr val="tx1"/>
+                </a:solidFill>
+                <a:effectLst/>
+                <a:latin typeface="+mn-lt"/>
+                <a:ea typeface="+mn-ea"/>
+                <a:cs typeface="+mn-cs"/>
+              </a:rPr>
+              <a:t> </a:t>
+            </a:r>
+            <a:r>
+              <a:rPr lang="en-US" sz="1200" b="0" i="0" kern="1200" dirty="0" err="1">
                 <a:solidFill>
                   <a:schemeClr val="tx1"/>
                 </a:solidFill>
@@ -3651,19 +3649,19 @@
               <a:t>đặt</a:t>
             </a:r>
             <a:r>
-              <a:rPr lang="en-US" sz="1200" b="0" i="0" kern="1200" dirty="0" smtClean="0">
-                <a:solidFill>
-                  <a:schemeClr val="tx1"/>
-                </a:solidFill>
-                <a:effectLst/>
-                <a:latin typeface="+mn-lt"/>
-                <a:ea typeface="+mn-ea"/>
-                <a:cs typeface="+mn-cs"/>
-              </a:rPr>
-              <a:t> </a:t>
-            </a:r>
-            <a:r>
-              <a:rPr lang="en-US" sz="1200" b="0" i="0" kern="1200" dirty="0" err="1" smtClean="0">
+              <a:rPr lang="en-US" sz="1200" b="0" i="0" kern="1200" dirty="0">
+                <a:solidFill>
+                  <a:schemeClr val="tx1"/>
+                </a:solidFill>
+                <a:effectLst/>
+                <a:latin typeface="+mn-lt"/>
+                <a:ea typeface="+mn-ea"/>
+                <a:cs typeface="+mn-cs"/>
+              </a:rPr>
+              <a:t> </a:t>
+            </a:r>
+            <a:r>
+              <a:rPr lang="en-US" sz="1200" b="0" i="0" kern="1200" dirty="0" err="1">
                 <a:solidFill>
                   <a:schemeClr val="tx1"/>
                 </a:solidFill>
@@ -3675,19 +3673,19 @@
               <a:t>tên</a:t>
             </a:r>
             <a:r>
-              <a:rPr lang="en-US" sz="1200" b="0" i="0" kern="1200" dirty="0" smtClean="0">
-                <a:solidFill>
-                  <a:schemeClr val="tx1"/>
-                </a:solidFill>
-                <a:effectLst/>
-                <a:latin typeface="+mn-lt"/>
-                <a:ea typeface="+mn-ea"/>
-                <a:cs typeface="+mn-cs"/>
-              </a:rPr>
-              <a:t> </a:t>
-            </a:r>
-            <a:r>
-              <a:rPr lang="en-US" sz="1200" b="0" i="0" kern="1200" dirty="0" err="1" smtClean="0">
+              <a:rPr lang="en-US" sz="1200" b="0" i="0" kern="1200" dirty="0">
+                <a:solidFill>
+                  <a:schemeClr val="tx1"/>
+                </a:solidFill>
+                <a:effectLst/>
+                <a:latin typeface="+mn-lt"/>
+                <a:ea typeface="+mn-ea"/>
+                <a:cs typeface="+mn-cs"/>
+              </a:rPr>
+              <a:t> </a:t>
+            </a:r>
+            <a:r>
+              <a:rPr lang="en-US" sz="1200" b="0" i="0" kern="1200" dirty="0" err="1">
                 <a:solidFill>
                   <a:schemeClr val="tx1"/>
                 </a:solidFill>
@@ -3699,19 +3697,19 @@
               <a:t>nó</a:t>
             </a:r>
             <a:r>
-              <a:rPr lang="en-US" sz="1200" b="0" i="0" kern="1200" dirty="0" smtClean="0">
-                <a:solidFill>
-                  <a:schemeClr val="tx1"/>
-                </a:solidFill>
-                <a:effectLst/>
-                <a:latin typeface="+mn-lt"/>
-                <a:ea typeface="+mn-ea"/>
-                <a:cs typeface="+mn-cs"/>
-              </a:rPr>
-              <a:t> </a:t>
-            </a:r>
-            <a:r>
-              <a:rPr lang="en-US" sz="1200" b="0" i="0" kern="1200" dirty="0" err="1" smtClean="0">
+              <a:rPr lang="en-US" sz="1200" b="0" i="0" kern="1200" dirty="0">
+                <a:solidFill>
+                  <a:schemeClr val="tx1"/>
+                </a:solidFill>
+                <a:effectLst/>
+                <a:latin typeface="+mn-lt"/>
+                <a:ea typeface="+mn-ea"/>
+                <a:cs typeface="+mn-cs"/>
+              </a:rPr>
+              <a:t> </a:t>
+            </a:r>
+            <a:r>
+              <a:rPr lang="en-US" sz="1200" b="0" i="0" kern="1200" dirty="0" err="1">
                 <a:solidFill>
                   <a:schemeClr val="tx1"/>
                 </a:solidFill>
@@ -3723,7 +3721,7 @@
               <a:t>là</a:t>
             </a:r>
             <a:r>
-              <a:rPr lang="en-US" sz="1200" b="0" i="0" kern="1200" dirty="0" smtClean="0">
+              <a:rPr lang="en-US" sz="1200" b="0" i="0" kern="1200" dirty="0">
                 <a:solidFill>
                   <a:schemeClr val="tx1"/>
                 </a:solidFill>
@@ -3735,11 +3733,11 @@
               <a:t> </a:t>
             </a:r>
             <a:r>
-              <a:rPr lang="en-US" dirty="0" smtClean="0"/>
+              <a:rPr lang="en-US" dirty="0"/>
               <a:t>origin</a:t>
             </a:r>
             <a:r>
-              <a:rPr lang="en-US" sz="1200" b="0" i="0" kern="1200" dirty="0" smtClean="0">
+              <a:rPr lang="en-US" sz="1200" b="0" i="0" kern="1200" dirty="0">
                 <a:solidFill>
                   <a:schemeClr val="tx1"/>
                 </a:solidFill>
@@ -3751,7 +3749,7 @@
               <a:t> </a:t>
             </a:r>
             <a:r>
-              <a:rPr lang="en-US" sz="1200" b="0" i="0" kern="1200" dirty="0" err="1" smtClean="0">
+              <a:rPr lang="en-US" sz="1200" b="0" i="0" kern="1200" dirty="0" err="1">
                 <a:solidFill>
                   <a:schemeClr val="tx1"/>
                 </a:solidFill>
@@ -3763,19 +3761,19 @@
               <a:t>cho</a:t>
             </a:r>
             <a:r>
-              <a:rPr lang="en-US" sz="1200" b="0" i="0" kern="1200" dirty="0" smtClean="0">
-                <a:solidFill>
-                  <a:schemeClr val="tx1"/>
-                </a:solidFill>
-                <a:effectLst/>
-                <a:latin typeface="+mn-lt"/>
-                <a:ea typeface="+mn-ea"/>
-                <a:cs typeface="+mn-cs"/>
-              </a:rPr>
-              <a:t> </a:t>
-            </a:r>
-            <a:r>
-              <a:rPr lang="en-US" sz="1200" b="0" i="0" kern="1200" dirty="0" err="1" smtClean="0">
+              <a:rPr lang="en-US" sz="1200" b="0" i="0" kern="1200" dirty="0">
+                <a:solidFill>
+                  <a:schemeClr val="tx1"/>
+                </a:solidFill>
+                <a:effectLst/>
+                <a:latin typeface="+mn-lt"/>
+                <a:ea typeface="+mn-ea"/>
+                <a:cs typeface="+mn-cs"/>
+              </a:rPr>
+              <a:t> </a:t>
+            </a:r>
+            <a:r>
+              <a:rPr lang="en-US" sz="1200" b="0" i="0" kern="1200" dirty="0" err="1">
                 <a:solidFill>
                   <a:schemeClr val="tx1"/>
                 </a:solidFill>
@@ -3787,7 +3785,7 @@
               <a:t>bạn</a:t>
             </a:r>
             <a:r>
-              <a:rPr lang="en-US" sz="1200" b="0" i="0" kern="1200" dirty="0" smtClean="0">
+              <a:rPr lang="en-US" sz="1200" b="0" i="0" kern="1200" dirty="0">
                 <a:solidFill>
                   <a:schemeClr val="tx1"/>
                 </a:solidFill>
@@ -3799,7 +3797,7 @@
               <a:t>, </a:t>
             </a:r>
             <a:r>
-              <a:rPr lang="en-US" sz="1200" b="0" i="0" kern="1200" dirty="0" err="1" smtClean="0">
+              <a:rPr lang="en-US" sz="1200" b="0" i="0" kern="1200" dirty="0" err="1">
                 <a:solidFill>
                   <a:schemeClr val="tx1"/>
                 </a:solidFill>
@@ -3811,19 +3809,19 @@
               <a:t>tải</a:t>
             </a:r>
             <a:r>
-              <a:rPr lang="en-US" sz="1200" b="0" i="0" kern="1200" dirty="0" smtClean="0">
-                <a:solidFill>
-                  <a:schemeClr val="tx1"/>
-                </a:solidFill>
-                <a:effectLst/>
-                <a:latin typeface="+mn-lt"/>
-                <a:ea typeface="+mn-ea"/>
-                <a:cs typeface="+mn-cs"/>
-              </a:rPr>
-              <a:t> </a:t>
-            </a:r>
-            <a:r>
-              <a:rPr lang="en-US" sz="1200" b="0" i="0" kern="1200" dirty="0" err="1" smtClean="0">
+              <a:rPr lang="en-US" sz="1200" b="0" i="0" kern="1200" dirty="0">
+                <a:solidFill>
+                  <a:schemeClr val="tx1"/>
+                </a:solidFill>
+                <a:effectLst/>
+                <a:latin typeface="+mn-lt"/>
+                <a:ea typeface="+mn-ea"/>
+                <a:cs typeface="+mn-cs"/>
+              </a:rPr>
+              <a:t> </a:t>
+            </a:r>
+            <a:r>
+              <a:rPr lang="en-US" sz="1200" b="0" i="0" kern="1200" dirty="0" err="1">
                 <a:solidFill>
                   <a:schemeClr val="tx1"/>
                 </a:solidFill>
@@ -3835,19 +3833,19 @@
               <a:t>về</a:t>
             </a:r>
             <a:r>
-              <a:rPr lang="en-US" sz="1200" b="0" i="0" kern="1200" dirty="0" smtClean="0">
-                <a:solidFill>
-                  <a:schemeClr val="tx1"/>
-                </a:solidFill>
-                <a:effectLst/>
-                <a:latin typeface="+mn-lt"/>
-                <a:ea typeface="+mn-ea"/>
-                <a:cs typeface="+mn-cs"/>
-              </a:rPr>
-              <a:t> </a:t>
-            </a:r>
-            <a:r>
-              <a:rPr lang="en-US" sz="1200" b="0" i="0" kern="1200" dirty="0" err="1" smtClean="0">
+              <a:rPr lang="en-US" sz="1200" b="0" i="0" kern="1200" dirty="0">
+                <a:solidFill>
+                  <a:schemeClr val="tx1"/>
+                </a:solidFill>
+                <a:effectLst/>
+                <a:latin typeface="+mn-lt"/>
+                <a:ea typeface="+mn-ea"/>
+                <a:cs typeface="+mn-cs"/>
+              </a:rPr>
+              <a:t> </a:t>
+            </a:r>
+            <a:r>
+              <a:rPr lang="en-US" sz="1200" b="0" i="0" kern="1200" dirty="0" err="1">
                 <a:solidFill>
                   <a:schemeClr val="tx1"/>
                 </a:solidFill>
@@ -3859,19 +3857,19 @@
               <a:t>toàn</a:t>
             </a:r>
             <a:r>
-              <a:rPr lang="en-US" sz="1200" b="0" i="0" kern="1200" dirty="0" smtClean="0">
-                <a:solidFill>
-                  <a:schemeClr val="tx1"/>
-                </a:solidFill>
-                <a:effectLst/>
-                <a:latin typeface="+mn-lt"/>
-                <a:ea typeface="+mn-ea"/>
-                <a:cs typeface="+mn-cs"/>
-              </a:rPr>
-              <a:t> </a:t>
-            </a:r>
-            <a:r>
-              <a:rPr lang="en-US" sz="1200" b="0" i="0" kern="1200" dirty="0" err="1" smtClean="0">
+              <a:rPr lang="en-US" sz="1200" b="0" i="0" kern="1200" dirty="0">
+                <a:solidFill>
+                  <a:schemeClr val="tx1"/>
+                </a:solidFill>
+                <a:effectLst/>
+                <a:latin typeface="+mn-lt"/>
+                <a:ea typeface="+mn-ea"/>
+                <a:cs typeface="+mn-cs"/>
+              </a:rPr>
+              <a:t> </a:t>
+            </a:r>
+            <a:r>
+              <a:rPr lang="en-US" sz="1200" b="0" i="0" kern="1200" dirty="0" err="1">
                 <a:solidFill>
                   <a:schemeClr val="tx1"/>
                 </a:solidFill>
@@ -3883,19 +3881,19 @@
               <a:t>bộ</a:t>
             </a:r>
             <a:r>
-              <a:rPr lang="en-US" sz="1200" b="0" i="0" kern="1200" dirty="0" smtClean="0">
-                <a:solidFill>
-                  <a:schemeClr val="tx1"/>
-                </a:solidFill>
-                <a:effectLst/>
-                <a:latin typeface="+mn-lt"/>
-                <a:ea typeface="+mn-ea"/>
-                <a:cs typeface="+mn-cs"/>
-              </a:rPr>
-              <a:t> </a:t>
-            </a:r>
-            <a:r>
-              <a:rPr lang="en-US" sz="1200" b="0" i="0" kern="1200" dirty="0" err="1" smtClean="0">
+              <a:rPr lang="en-US" sz="1200" b="0" i="0" kern="1200" dirty="0">
+                <a:solidFill>
+                  <a:schemeClr val="tx1"/>
+                </a:solidFill>
+                <a:effectLst/>
+                <a:latin typeface="+mn-lt"/>
+                <a:ea typeface="+mn-ea"/>
+                <a:cs typeface="+mn-cs"/>
+              </a:rPr>
+              <a:t> </a:t>
+            </a:r>
+            <a:r>
+              <a:rPr lang="en-US" sz="1200" b="0" i="0" kern="1200" dirty="0" err="1">
                 <a:solidFill>
                   <a:schemeClr val="tx1"/>
                 </a:solidFill>
@@ -3907,19 +3905,19 @@
               <a:t>dữ</a:t>
             </a:r>
             <a:r>
-              <a:rPr lang="en-US" sz="1200" b="0" i="0" kern="1200" dirty="0" smtClean="0">
-                <a:solidFill>
-                  <a:schemeClr val="tx1"/>
-                </a:solidFill>
-                <a:effectLst/>
-                <a:latin typeface="+mn-lt"/>
-                <a:ea typeface="+mn-ea"/>
-                <a:cs typeface="+mn-cs"/>
-              </a:rPr>
-              <a:t> </a:t>
-            </a:r>
-            <a:r>
-              <a:rPr lang="en-US" sz="1200" b="0" i="0" kern="1200" dirty="0" err="1" smtClean="0">
+              <a:rPr lang="en-US" sz="1200" b="0" i="0" kern="1200" dirty="0">
+                <a:solidFill>
+                  <a:schemeClr val="tx1"/>
+                </a:solidFill>
+                <a:effectLst/>
+                <a:latin typeface="+mn-lt"/>
+                <a:ea typeface="+mn-ea"/>
+                <a:cs typeface="+mn-cs"/>
+              </a:rPr>
+              <a:t> </a:t>
+            </a:r>
+            <a:r>
+              <a:rPr lang="en-US" sz="1200" b="0" i="0" kern="1200" dirty="0" err="1">
                 <a:solidFill>
                   <a:schemeClr val="tx1"/>
                 </a:solidFill>
@@ -3931,7 +3929,7 @@
               <a:t>liệu</a:t>
             </a:r>
             <a:r>
-              <a:rPr lang="en-US" sz="1200" b="0" i="0" kern="1200" dirty="0" smtClean="0">
+              <a:rPr lang="en-US" sz="1200" b="0" i="0" kern="1200" dirty="0">
                 <a:solidFill>
                   <a:schemeClr val="tx1"/>
                 </a:solidFill>
@@ -3943,7 +3941,7 @@
               <a:t>, </a:t>
             </a:r>
             <a:r>
-              <a:rPr lang="en-US" sz="1200" b="0" i="0" kern="1200" dirty="0" err="1" smtClean="0">
+              <a:rPr lang="en-US" sz="1200" b="0" i="0" kern="1200" dirty="0" err="1">
                 <a:solidFill>
                   <a:schemeClr val="tx1"/>
                 </a:solidFill>
@@ -3955,19 +3953,19 @@
               <a:t>tạo</a:t>
             </a:r>
             <a:r>
-              <a:rPr lang="en-US" sz="1200" b="0" i="0" kern="1200" dirty="0" smtClean="0">
-                <a:solidFill>
-                  <a:schemeClr val="tx1"/>
-                </a:solidFill>
-                <a:effectLst/>
-                <a:latin typeface="+mn-lt"/>
-                <a:ea typeface="+mn-ea"/>
-                <a:cs typeface="+mn-cs"/>
-              </a:rPr>
-              <a:t> </a:t>
-            </a:r>
-            <a:r>
-              <a:rPr lang="en-US" sz="1200" b="0" i="0" kern="1200" dirty="0" err="1" smtClean="0">
+              <a:rPr lang="en-US" sz="1200" b="0" i="0" kern="1200" dirty="0">
+                <a:solidFill>
+                  <a:schemeClr val="tx1"/>
+                </a:solidFill>
+                <a:effectLst/>
+                <a:latin typeface="+mn-lt"/>
+                <a:ea typeface="+mn-ea"/>
+                <a:cs typeface="+mn-cs"/>
+              </a:rPr>
+              <a:t> </a:t>
+            </a:r>
+            <a:r>
+              <a:rPr lang="en-US" sz="1200" b="0" i="0" kern="1200" dirty="0" err="1">
                 <a:solidFill>
                   <a:schemeClr val="tx1"/>
                 </a:solidFill>
@@ -3979,7 +3977,7 @@
               <a:t>một</a:t>
             </a:r>
             <a:r>
-              <a:rPr lang="en-US" sz="1200" b="0" i="0" kern="1200" dirty="0" smtClean="0">
+              <a:rPr lang="en-US" sz="1200" b="0" i="0" kern="1200" dirty="0">
                 <a:solidFill>
                   <a:schemeClr val="tx1"/>
                 </a:solidFill>
@@ -3991,7 +3989,7 @@
               <a:t> con </a:t>
             </a:r>
             <a:r>
-              <a:rPr lang="en-US" sz="1200" b="0" i="0" kern="1200" dirty="0" err="1" smtClean="0">
+              <a:rPr lang="en-US" sz="1200" b="0" i="0" kern="1200" dirty="0" err="1">
                 <a:solidFill>
                   <a:schemeClr val="tx1"/>
                 </a:solidFill>
@@ -4003,19 +4001,19 @@
               <a:t>trỏ</a:t>
             </a:r>
             <a:r>
-              <a:rPr lang="en-US" sz="1200" b="0" i="0" kern="1200" dirty="0" smtClean="0">
-                <a:solidFill>
-                  <a:schemeClr val="tx1"/>
-                </a:solidFill>
-                <a:effectLst/>
-                <a:latin typeface="+mn-lt"/>
-                <a:ea typeface="+mn-ea"/>
-                <a:cs typeface="+mn-cs"/>
-              </a:rPr>
-              <a:t> </a:t>
-            </a:r>
-            <a:r>
-              <a:rPr lang="en-US" sz="1200" b="0" i="0" kern="1200" dirty="0" err="1" smtClean="0">
+              <a:rPr lang="en-US" sz="1200" b="0" i="0" kern="1200" dirty="0">
+                <a:solidFill>
+                  <a:schemeClr val="tx1"/>
+                </a:solidFill>
+                <a:effectLst/>
+                <a:latin typeface="+mn-lt"/>
+                <a:ea typeface="+mn-ea"/>
+                <a:cs typeface="+mn-cs"/>
+              </a:rPr>
+              <a:t> </a:t>
+            </a:r>
+            <a:r>
+              <a:rPr lang="en-US" sz="1200" b="0" i="0" kern="1200" dirty="0" err="1">
                 <a:solidFill>
                   <a:schemeClr val="tx1"/>
                 </a:solidFill>
@@ -4027,19 +4025,19 @@
               <a:t>tới</a:t>
             </a:r>
             <a:r>
-              <a:rPr lang="en-US" sz="1200" b="0" i="0" kern="1200" dirty="0" smtClean="0">
-                <a:solidFill>
-                  <a:schemeClr val="tx1"/>
-                </a:solidFill>
-                <a:effectLst/>
-                <a:latin typeface="+mn-lt"/>
-                <a:ea typeface="+mn-ea"/>
-                <a:cs typeface="+mn-cs"/>
-              </a:rPr>
-              <a:t> </a:t>
-            </a:r>
-            <a:r>
-              <a:rPr lang="en-US" sz="1200" b="0" i="0" kern="1200" dirty="0" err="1" smtClean="0">
+              <a:rPr lang="en-US" sz="1200" b="0" i="0" kern="1200" dirty="0">
+                <a:solidFill>
+                  <a:schemeClr val="tx1"/>
+                </a:solidFill>
+                <a:effectLst/>
+                <a:latin typeface="+mn-lt"/>
+                <a:ea typeface="+mn-ea"/>
+                <a:cs typeface="+mn-cs"/>
+              </a:rPr>
+              <a:t> </a:t>
+            </a:r>
+            <a:r>
+              <a:rPr lang="en-US" sz="1200" b="0" i="0" kern="1200" dirty="0" err="1">
                 <a:solidFill>
                   <a:schemeClr val="tx1"/>
                 </a:solidFill>
@@ -4051,7 +4049,7 @@
               <a:t>nhánh</a:t>
             </a:r>
             <a:r>
-              <a:rPr lang="en-US" sz="1200" b="0" i="0" kern="1200" dirty="0" smtClean="0">
+              <a:rPr lang="en-US" sz="1200" b="0" i="0" kern="1200" dirty="0">
                 <a:solidFill>
                   <a:schemeClr val="tx1"/>
                 </a:solidFill>
@@ -4063,11 +4061,11 @@
               <a:t> </a:t>
             </a:r>
             <a:r>
-              <a:rPr lang="en-US" dirty="0" smtClean="0"/>
+              <a:rPr lang="en-US" dirty="0"/>
               <a:t>master</a:t>
             </a:r>
             <a:r>
-              <a:rPr lang="en-US" sz="1200" b="0" i="0" kern="1200" dirty="0" smtClean="0">
+              <a:rPr lang="en-US" sz="1200" b="0" i="0" kern="1200" dirty="0">
                 <a:solidFill>
                   <a:schemeClr val="tx1"/>
                 </a:solidFill>
@@ -4079,7 +4077,7 @@
               <a:t> </a:t>
             </a:r>
             <a:r>
-              <a:rPr lang="en-US" sz="1200" b="0" i="0" kern="1200" dirty="0" err="1" smtClean="0">
+              <a:rPr lang="en-US" sz="1200" b="0" i="0" kern="1200" dirty="0" err="1">
                 <a:solidFill>
                   <a:schemeClr val="tx1"/>
                 </a:solidFill>
@@ -4091,19 +4089,19 @@
               <a:t>và</a:t>
             </a:r>
             <a:r>
-              <a:rPr lang="en-US" sz="1200" b="0" i="0" kern="1200" dirty="0" smtClean="0">
-                <a:solidFill>
-                  <a:schemeClr val="tx1"/>
-                </a:solidFill>
-                <a:effectLst/>
-                <a:latin typeface="+mn-lt"/>
-                <a:ea typeface="+mn-ea"/>
-                <a:cs typeface="+mn-cs"/>
-              </a:rPr>
-              <a:t> </a:t>
-            </a:r>
-            <a:r>
-              <a:rPr lang="en-US" sz="1200" b="0" i="0" kern="1200" dirty="0" err="1" smtClean="0">
+              <a:rPr lang="en-US" sz="1200" b="0" i="0" kern="1200" dirty="0">
+                <a:solidFill>
+                  <a:schemeClr val="tx1"/>
+                </a:solidFill>
+                <a:effectLst/>
+                <a:latin typeface="+mn-lt"/>
+                <a:ea typeface="+mn-ea"/>
+                <a:cs typeface="+mn-cs"/>
+              </a:rPr>
+              <a:t> </a:t>
+            </a:r>
+            <a:r>
+              <a:rPr lang="en-US" sz="1200" b="0" i="0" kern="1200" dirty="0" err="1">
                 <a:solidFill>
                   <a:schemeClr val="tx1"/>
                 </a:solidFill>
@@ -4115,19 +4113,19 @@
               <a:t>đặt</a:t>
             </a:r>
             <a:r>
-              <a:rPr lang="en-US" sz="1200" b="0" i="0" kern="1200" dirty="0" smtClean="0">
-                <a:solidFill>
-                  <a:schemeClr val="tx1"/>
-                </a:solidFill>
-                <a:effectLst/>
-                <a:latin typeface="+mn-lt"/>
-                <a:ea typeface="+mn-ea"/>
-                <a:cs typeface="+mn-cs"/>
-              </a:rPr>
-              <a:t> </a:t>
-            </a:r>
-            <a:r>
-              <a:rPr lang="en-US" sz="1200" b="0" i="0" kern="1200" dirty="0" err="1" smtClean="0">
+              <a:rPr lang="en-US" sz="1200" b="0" i="0" kern="1200" dirty="0">
+                <a:solidFill>
+                  <a:schemeClr val="tx1"/>
+                </a:solidFill>
+                <a:effectLst/>
+                <a:latin typeface="+mn-lt"/>
+                <a:ea typeface="+mn-ea"/>
+                <a:cs typeface="+mn-cs"/>
+              </a:rPr>
+              <a:t> </a:t>
+            </a:r>
+            <a:r>
+              <a:rPr lang="en-US" sz="1200" b="0" i="0" kern="1200" dirty="0" err="1">
                 <a:solidFill>
                   <a:schemeClr val="tx1"/>
                 </a:solidFill>
@@ -4139,19 +4137,19 @@
               <a:t>tên</a:t>
             </a:r>
             <a:r>
-              <a:rPr lang="en-US" sz="1200" b="0" i="0" kern="1200" dirty="0" smtClean="0">
-                <a:solidFill>
-                  <a:schemeClr val="tx1"/>
-                </a:solidFill>
-                <a:effectLst/>
-                <a:latin typeface="+mn-lt"/>
-                <a:ea typeface="+mn-ea"/>
-                <a:cs typeface="+mn-cs"/>
-              </a:rPr>
-              <a:t> </a:t>
-            </a:r>
-            <a:r>
-              <a:rPr lang="en-US" sz="1200" b="0" i="0" kern="1200" dirty="0" err="1" smtClean="0">
+              <a:rPr lang="en-US" sz="1200" b="0" i="0" kern="1200" dirty="0">
+                <a:solidFill>
+                  <a:schemeClr val="tx1"/>
+                </a:solidFill>
+                <a:effectLst/>
+                <a:latin typeface="+mn-lt"/>
+                <a:ea typeface="+mn-ea"/>
+                <a:cs typeface="+mn-cs"/>
+              </a:rPr>
+              <a:t> </a:t>
+            </a:r>
+            <a:r>
+              <a:rPr lang="en-US" sz="1200" b="0" i="0" kern="1200" dirty="0" err="1">
                 <a:solidFill>
                   <a:schemeClr val="tx1"/>
                 </a:solidFill>
@@ -4163,19 +4161,19 @@
               <a:t>nội</a:t>
             </a:r>
             <a:r>
-              <a:rPr lang="en-US" sz="1200" b="0" i="0" kern="1200" dirty="0" smtClean="0">
-                <a:solidFill>
-                  <a:schemeClr val="tx1"/>
-                </a:solidFill>
-                <a:effectLst/>
-                <a:latin typeface="+mn-lt"/>
-                <a:ea typeface="+mn-ea"/>
-                <a:cs typeface="+mn-cs"/>
-              </a:rPr>
-              <a:t> </a:t>
-            </a:r>
-            <a:r>
-              <a:rPr lang="en-US" sz="1200" b="0" i="0" kern="1200" dirty="0" err="1" smtClean="0">
+              <a:rPr lang="en-US" sz="1200" b="0" i="0" kern="1200" dirty="0">
+                <a:solidFill>
+                  <a:schemeClr val="tx1"/>
+                </a:solidFill>
+                <a:effectLst/>
+                <a:latin typeface="+mn-lt"/>
+                <a:ea typeface="+mn-ea"/>
+                <a:cs typeface="+mn-cs"/>
+              </a:rPr>
+              <a:t> </a:t>
+            </a:r>
+            <a:r>
+              <a:rPr lang="en-US" sz="1200" b="0" i="0" kern="1200" dirty="0" err="1">
                 <a:solidFill>
                   <a:schemeClr val="tx1"/>
                 </a:solidFill>
@@ -4187,19 +4185,19 @@
               <a:t>bộ</a:t>
             </a:r>
             <a:r>
-              <a:rPr lang="en-US" sz="1200" b="0" i="0" kern="1200" dirty="0" smtClean="0">
-                <a:solidFill>
-                  <a:schemeClr val="tx1"/>
-                </a:solidFill>
-                <a:effectLst/>
-                <a:latin typeface="+mn-lt"/>
-                <a:ea typeface="+mn-ea"/>
-                <a:cs typeface="+mn-cs"/>
-              </a:rPr>
-              <a:t> </a:t>
-            </a:r>
-            <a:r>
-              <a:rPr lang="en-US" sz="1200" b="0" i="0" kern="1200" dirty="0" err="1" smtClean="0">
+              <a:rPr lang="en-US" sz="1200" b="0" i="0" kern="1200" dirty="0">
+                <a:solidFill>
+                  <a:schemeClr val="tx1"/>
+                </a:solidFill>
+                <a:effectLst/>
+                <a:latin typeface="+mn-lt"/>
+                <a:ea typeface="+mn-ea"/>
+                <a:cs typeface="+mn-cs"/>
+              </a:rPr>
+              <a:t> </a:t>
+            </a:r>
+            <a:r>
+              <a:rPr lang="en-US" sz="1200" b="0" i="0" kern="1200" dirty="0" err="1">
                 <a:solidFill>
                   <a:schemeClr val="tx1"/>
                 </a:solidFill>
@@ -4211,19 +4209,19 @@
               <a:t>cho</a:t>
             </a:r>
             <a:r>
-              <a:rPr lang="en-US" sz="1200" b="0" i="0" kern="1200" dirty="0" smtClean="0">
-                <a:solidFill>
-                  <a:schemeClr val="tx1"/>
-                </a:solidFill>
-                <a:effectLst/>
-                <a:latin typeface="+mn-lt"/>
-                <a:ea typeface="+mn-ea"/>
-                <a:cs typeface="+mn-cs"/>
-              </a:rPr>
-              <a:t> </a:t>
-            </a:r>
-            <a:r>
-              <a:rPr lang="en-US" sz="1200" b="0" i="0" kern="1200" dirty="0" err="1" smtClean="0">
+              <a:rPr lang="en-US" sz="1200" b="0" i="0" kern="1200" dirty="0">
+                <a:solidFill>
+                  <a:schemeClr val="tx1"/>
+                </a:solidFill>
+                <a:effectLst/>
+                <a:latin typeface="+mn-lt"/>
+                <a:ea typeface="+mn-ea"/>
+                <a:cs typeface="+mn-cs"/>
+              </a:rPr>
+              <a:t> </a:t>
+            </a:r>
+            <a:r>
+              <a:rPr lang="en-US" sz="1200" b="0" i="0" kern="1200" dirty="0" err="1">
                 <a:solidFill>
                   <a:schemeClr val="tx1"/>
                 </a:solidFill>
@@ -4235,19 +4233,19 @@
               <a:t>nó</a:t>
             </a:r>
             <a:r>
-              <a:rPr lang="en-US" sz="1200" b="0" i="0" kern="1200" dirty="0" smtClean="0">
-                <a:solidFill>
-                  <a:schemeClr val="tx1"/>
-                </a:solidFill>
-                <a:effectLst/>
-                <a:latin typeface="+mn-lt"/>
-                <a:ea typeface="+mn-ea"/>
-                <a:cs typeface="+mn-cs"/>
-              </a:rPr>
-              <a:t> </a:t>
-            </a:r>
-            <a:r>
-              <a:rPr lang="en-US" sz="1200" b="0" i="0" kern="1200" dirty="0" err="1" smtClean="0">
+              <a:rPr lang="en-US" sz="1200" b="0" i="0" kern="1200" dirty="0">
+                <a:solidFill>
+                  <a:schemeClr val="tx1"/>
+                </a:solidFill>
+                <a:effectLst/>
+                <a:latin typeface="+mn-lt"/>
+                <a:ea typeface="+mn-ea"/>
+                <a:cs typeface="+mn-cs"/>
+              </a:rPr>
+              <a:t> </a:t>
+            </a:r>
+            <a:r>
+              <a:rPr lang="en-US" sz="1200" b="0" i="0" kern="1200" dirty="0" err="1">
                 <a:solidFill>
                   <a:schemeClr val="tx1"/>
                 </a:solidFill>
@@ -4259,7 +4257,7 @@
               <a:t>là</a:t>
             </a:r>
             <a:r>
-              <a:rPr lang="en-US" sz="1200" b="0" i="0" kern="1200" dirty="0" smtClean="0">
+              <a:rPr lang="en-US" sz="1200" b="0" i="0" kern="1200" dirty="0">
                 <a:solidFill>
                   <a:schemeClr val="tx1"/>
                 </a:solidFill>
@@ -4271,11 +4269,11 @@
               <a:t> </a:t>
             </a:r>
             <a:r>
-              <a:rPr lang="en-US" dirty="0" smtClean="0"/>
+              <a:rPr lang="en-US" dirty="0"/>
               <a:t>origin/master</a:t>
             </a:r>
             <a:r>
-              <a:rPr lang="en-US" sz="1200" b="0" i="0" kern="1200" dirty="0" smtClean="0">
+              <a:rPr lang="en-US" sz="1200" b="0" i="0" kern="1200" dirty="0">
                 <a:solidFill>
                   <a:schemeClr val="tx1"/>
                 </a:solidFill>
@@ -4287,7 +4285,7 @@
               <a:t>; </a:t>
             </a:r>
             <a:r>
-              <a:rPr lang="en-US" sz="1200" b="0" i="0" kern="1200" dirty="0" err="1" smtClean="0">
+              <a:rPr lang="en-US" sz="1200" b="0" i="0" kern="1200" dirty="0" err="1">
                 <a:solidFill>
                   <a:schemeClr val="tx1"/>
                 </a:solidFill>
@@ -4299,19 +4297,19 @@
               <a:t>và</a:t>
             </a:r>
             <a:r>
-              <a:rPr lang="en-US" sz="1200" b="0" i="0" kern="1200" dirty="0" smtClean="0">
-                <a:solidFill>
-                  <a:schemeClr val="tx1"/>
-                </a:solidFill>
-                <a:effectLst/>
-                <a:latin typeface="+mn-lt"/>
-                <a:ea typeface="+mn-ea"/>
-                <a:cs typeface="+mn-cs"/>
-              </a:rPr>
-              <a:t> </a:t>
-            </a:r>
-            <a:r>
-              <a:rPr lang="en-US" sz="1200" b="0" i="0" kern="1200" dirty="0" err="1" smtClean="0">
+              <a:rPr lang="en-US" sz="1200" b="0" i="0" kern="1200" dirty="0">
+                <a:solidFill>
+                  <a:schemeClr val="tx1"/>
+                </a:solidFill>
+                <a:effectLst/>
+                <a:latin typeface="+mn-lt"/>
+                <a:ea typeface="+mn-ea"/>
+                <a:cs typeface="+mn-cs"/>
+              </a:rPr>
+              <a:t> </a:t>
+            </a:r>
+            <a:r>
+              <a:rPr lang="en-US" sz="1200" b="0" i="0" kern="1200" dirty="0" err="1">
                 <a:solidFill>
                   <a:schemeClr val="tx1"/>
                 </a:solidFill>
@@ -4323,19 +4321,19 @@
               <a:t>bạn</a:t>
             </a:r>
             <a:r>
-              <a:rPr lang="en-US" sz="1200" b="0" i="0" kern="1200" dirty="0" smtClean="0">
-                <a:solidFill>
-                  <a:schemeClr val="tx1"/>
-                </a:solidFill>
-                <a:effectLst/>
-                <a:latin typeface="+mn-lt"/>
-                <a:ea typeface="+mn-ea"/>
-                <a:cs typeface="+mn-cs"/>
-              </a:rPr>
-              <a:t> </a:t>
-            </a:r>
-            <a:r>
-              <a:rPr lang="en-US" sz="1200" b="0" i="0" kern="1200" dirty="0" err="1" smtClean="0">
+              <a:rPr lang="en-US" sz="1200" b="0" i="0" kern="1200" dirty="0">
+                <a:solidFill>
+                  <a:schemeClr val="tx1"/>
+                </a:solidFill>
+                <a:effectLst/>
+                <a:latin typeface="+mn-lt"/>
+                <a:ea typeface="+mn-ea"/>
+                <a:cs typeface="+mn-cs"/>
+              </a:rPr>
+              <a:t> </a:t>
+            </a:r>
+            <a:r>
+              <a:rPr lang="en-US" sz="1200" b="0" i="0" kern="1200" dirty="0" err="1">
                 <a:solidFill>
                   <a:schemeClr val="tx1"/>
                 </a:solidFill>
@@ -4347,19 +4345,19 @@
               <a:t>không</a:t>
             </a:r>
             <a:r>
-              <a:rPr lang="en-US" sz="1200" b="0" i="0" kern="1200" dirty="0" smtClean="0">
-                <a:solidFill>
-                  <a:schemeClr val="tx1"/>
-                </a:solidFill>
-                <a:effectLst/>
-                <a:latin typeface="+mn-lt"/>
-                <a:ea typeface="+mn-ea"/>
-                <a:cs typeface="+mn-cs"/>
-              </a:rPr>
-              <a:t> </a:t>
-            </a:r>
-            <a:r>
-              <a:rPr lang="en-US" sz="1200" b="0" i="0" kern="1200" dirty="0" err="1" smtClean="0">
+              <a:rPr lang="en-US" sz="1200" b="0" i="0" kern="1200" dirty="0">
+                <a:solidFill>
+                  <a:schemeClr val="tx1"/>
+                </a:solidFill>
+                <a:effectLst/>
+                <a:latin typeface="+mn-lt"/>
+                <a:ea typeface="+mn-ea"/>
+                <a:cs typeface="+mn-cs"/>
+              </a:rPr>
+              <a:t> </a:t>
+            </a:r>
+            <a:r>
+              <a:rPr lang="en-US" sz="1200" b="0" i="0" kern="1200" dirty="0" err="1">
                 <a:solidFill>
                   <a:schemeClr val="tx1"/>
                 </a:solidFill>
@@ -4371,7 +4369,7 @@
               <a:t>thể</a:t>
             </a:r>
             <a:r>
-              <a:rPr lang="en-US" sz="1200" b="0" i="0" kern="1200" dirty="0" smtClean="0">
+              <a:rPr lang="en-US" sz="1200" b="0" i="0" kern="1200" dirty="0">
                 <a:solidFill>
                   <a:schemeClr val="tx1"/>
                 </a:solidFill>
@@ -4383,7 +4381,7 @@
               <a:t> di </a:t>
             </a:r>
             <a:r>
-              <a:rPr lang="en-US" sz="1200" b="0" i="0" kern="1200" dirty="0" err="1" smtClean="0">
+              <a:rPr lang="en-US" sz="1200" b="0" i="0" kern="1200" dirty="0" err="1">
                 <a:solidFill>
                   <a:schemeClr val="tx1"/>
                 </a:solidFill>
@@ -4395,19 +4393,19 @@
               <a:t>chuyển</a:t>
             </a:r>
             <a:r>
-              <a:rPr lang="en-US" sz="1200" b="0" i="0" kern="1200" dirty="0" smtClean="0">
-                <a:solidFill>
-                  <a:schemeClr val="tx1"/>
-                </a:solidFill>
-                <a:effectLst/>
-                <a:latin typeface="+mn-lt"/>
-                <a:ea typeface="+mn-ea"/>
-                <a:cs typeface="+mn-cs"/>
-              </a:rPr>
-              <a:t> </a:t>
-            </a:r>
-            <a:r>
-              <a:rPr lang="en-US" sz="1200" b="0" i="0" kern="1200" dirty="0" err="1" smtClean="0">
+              <a:rPr lang="en-US" sz="1200" b="0" i="0" kern="1200" dirty="0">
+                <a:solidFill>
+                  <a:schemeClr val="tx1"/>
+                </a:solidFill>
+                <a:effectLst/>
+                <a:latin typeface="+mn-lt"/>
+                <a:ea typeface="+mn-ea"/>
+                <a:cs typeface="+mn-cs"/>
+              </a:rPr>
+              <a:t> </a:t>
+            </a:r>
+            <a:r>
+              <a:rPr lang="en-US" sz="1200" b="0" i="0" kern="1200" dirty="0" err="1">
                 <a:solidFill>
                   <a:schemeClr val="tx1"/>
                 </a:solidFill>
@@ -4419,7 +4417,7 @@
               <a:t>nó</a:t>
             </a:r>
             <a:r>
-              <a:rPr lang="en-US" sz="1200" b="0" i="0" kern="1200" dirty="0" smtClean="0">
+              <a:rPr lang="en-US" sz="1200" b="0" i="0" kern="1200" dirty="0">
                 <a:solidFill>
                   <a:schemeClr val="tx1"/>
                 </a:solidFill>
@@ -4433,7 +4431,7 @@
           </a:p>
           <a:p>
             <a:r>
-              <a:rPr lang="en-US" sz="1200" b="0" i="0" kern="1200" dirty="0" err="1" smtClean="0">
+              <a:rPr lang="en-US" sz="1200" b="0" i="0" kern="1200" dirty="0" err="1">
                 <a:solidFill>
                   <a:schemeClr val="tx1"/>
                 </a:solidFill>
@@ -4445,19 +4443,19 @@
               <a:t>Git</a:t>
             </a:r>
             <a:r>
-              <a:rPr lang="en-US" sz="1200" b="0" i="0" kern="1200" dirty="0" smtClean="0">
-                <a:solidFill>
-                  <a:schemeClr val="tx1"/>
-                </a:solidFill>
-                <a:effectLst/>
-                <a:latin typeface="+mn-lt"/>
-                <a:ea typeface="+mn-ea"/>
-                <a:cs typeface="+mn-cs"/>
-              </a:rPr>
-              <a:t> </a:t>
-            </a:r>
-            <a:r>
-              <a:rPr lang="en-US" sz="1200" b="0" i="0" kern="1200" dirty="0" err="1" smtClean="0">
+              <a:rPr lang="en-US" sz="1200" b="0" i="0" kern="1200" dirty="0">
+                <a:solidFill>
+                  <a:schemeClr val="tx1"/>
+                </a:solidFill>
+                <a:effectLst/>
+                <a:latin typeface="+mn-lt"/>
+                <a:ea typeface="+mn-ea"/>
+                <a:cs typeface="+mn-cs"/>
+              </a:rPr>
+              <a:t> </a:t>
+            </a:r>
+            <a:r>
+              <a:rPr lang="en-US" sz="1200" b="0" i="0" kern="1200" dirty="0" err="1">
                 <a:solidFill>
                   <a:schemeClr val="tx1"/>
                 </a:solidFill>
@@ -4469,19 +4467,19 @@
               <a:t>cũng</a:t>
             </a:r>
             <a:r>
-              <a:rPr lang="en-US" sz="1200" b="0" i="0" kern="1200" dirty="0" smtClean="0">
-                <a:solidFill>
-                  <a:schemeClr val="tx1"/>
-                </a:solidFill>
-                <a:effectLst/>
-                <a:latin typeface="+mn-lt"/>
-                <a:ea typeface="+mn-ea"/>
-                <a:cs typeface="+mn-cs"/>
-              </a:rPr>
-              <a:t> </a:t>
-            </a:r>
-            <a:r>
-              <a:rPr lang="en-US" sz="1200" b="0" i="0" kern="1200" dirty="0" err="1" smtClean="0">
+              <a:rPr lang="en-US" sz="1200" b="0" i="0" kern="1200" dirty="0">
+                <a:solidFill>
+                  <a:schemeClr val="tx1"/>
+                </a:solidFill>
+                <a:effectLst/>
+                <a:latin typeface="+mn-lt"/>
+                <a:ea typeface="+mn-ea"/>
+                <a:cs typeface="+mn-cs"/>
+              </a:rPr>
+              <a:t> </a:t>
+            </a:r>
+            <a:r>
+              <a:rPr lang="en-US" sz="1200" b="0" i="0" kern="1200" dirty="0" err="1">
                 <a:solidFill>
                   <a:schemeClr val="tx1"/>
                 </a:solidFill>
@@ -4493,19 +4491,19 @@
               <a:t>cung</a:t>
             </a:r>
             <a:r>
-              <a:rPr lang="en-US" sz="1200" b="0" i="0" kern="1200" dirty="0" smtClean="0">
-                <a:solidFill>
-                  <a:schemeClr val="tx1"/>
-                </a:solidFill>
-                <a:effectLst/>
-                <a:latin typeface="+mn-lt"/>
-                <a:ea typeface="+mn-ea"/>
-                <a:cs typeface="+mn-cs"/>
-              </a:rPr>
-              <a:t> </a:t>
-            </a:r>
-            <a:r>
-              <a:rPr lang="en-US" sz="1200" b="0" i="0" kern="1200" dirty="0" err="1" smtClean="0">
+              <a:rPr lang="en-US" sz="1200" b="0" i="0" kern="1200" dirty="0">
+                <a:solidFill>
+                  <a:schemeClr val="tx1"/>
+                </a:solidFill>
+                <a:effectLst/>
+                <a:latin typeface="+mn-lt"/>
+                <a:ea typeface="+mn-ea"/>
+                <a:cs typeface="+mn-cs"/>
+              </a:rPr>
+              <a:t> </a:t>
+            </a:r>
+            <a:r>
+              <a:rPr lang="en-US" sz="1200" b="0" i="0" kern="1200" dirty="0" err="1">
                 <a:solidFill>
                   <a:schemeClr val="tx1"/>
                 </a:solidFill>
@@ -4517,19 +4515,19 @@
               <a:t>cấp</a:t>
             </a:r>
             <a:r>
-              <a:rPr lang="en-US" sz="1200" b="0" i="0" kern="1200" dirty="0" smtClean="0">
-                <a:solidFill>
-                  <a:schemeClr val="tx1"/>
-                </a:solidFill>
-                <a:effectLst/>
-                <a:latin typeface="+mn-lt"/>
-                <a:ea typeface="+mn-ea"/>
-                <a:cs typeface="+mn-cs"/>
-              </a:rPr>
-              <a:t> </a:t>
-            </a:r>
-            <a:r>
-              <a:rPr lang="en-US" sz="1200" b="0" i="0" kern="1200" dirty="0" err="1" smtClean="0">
+              <a:rPr lang="en-US" sz="1200" b="0" i="0" kern="1200" dirty="0">
+                <a:solidFill>
+                  <a:schemeClr val="tx1"/>
+                </a:solidFill>
+                <a:effectLst/>
+                <a:latin typeface="+mn-lt"/>
+                <a:ea typeface="+mn-ea"/>
+                <a:cs typeface="+mn-cs"/>
+              </a:rPr>
+              <a:t> </a:t>
+            </a:r>
+            <a:r>
+              <a:rPr lang="en-US" sz="1200" b="0" i="0" kern="1200" dirty="0" err="1">
                 <a:solidFill>
                   <a:schemeClr val="tx1"/>
                 </a:solidFill>
@@ -4541,19 +4539,19 @@
               <a:t>cho</a:t>
             </a:r>
             <a:r>
-              <a:rPr lang="en-US" sz="1200" b="0" i="0" kern="1200" dirty="0" smtClean="0">
-                <a:solidFill>
-                  <a:schemeClr val="tx1"/>
-                </a:solidFill>
-                <a:effectLst/>
-                <a:latin typeface="+mn-lt"/>
-                <a:ea typeface="+mn-ea"/>
-                <a:cs typeface="+mn-cs"/>
-              </a:rPr>
-              <a:t> </a:t>
-            </a:r>
-            <a:r>
-              <a:rPr lang="en-US" sz="1200" b="0" i="0" kern="1200" dirty="0" err="1" smtClean="0">
+              <a:rPr lang="en-US" sz="1200" b="0" i="0" kern="1200" dirty="0">
+                <a:solidFill>
+                  <a:schemeClr val="tx1"/>
+                </a:solidFill>
+                <a:effectLst/>
+                <a:latin typeface="+mn-lt"/>
+                <a:ea typeface="+mn-ea"/>
+                <a:cs typeface="+mn-cs"/>
+              </a:rPr>
+              <a:t> </a:t>
+            </a:r>
+            <a:r>
+              <a:rPr lang="en-US" sz="1200" b="0" i="0" kern="1200" dirty="0" err="1">
                 <a:solidFill>
                   <a:schemeClr val="tx1"/>
                 </a:solidFill>
@@ -4565,19 +4563,19 @@
               <a:t>bạn</a:t>
             </a:r>
             <a:r>
-              <a:rPr lang="en-US" sz="1200" b="0" i="0" kern="1200" dirty="0" smtClean="0">
-                <a:solidFill>
-                  <a:schemeClr val="tx1"/>
-                </a:solidFill>
-                <a:effectLst/>
-                <a:latin typeface="+mn-lt"/>
-                <a:ea typeface="+mn-ea"/>
-                <a:cs typeface="+mn-cs"/>
-              </a:rPr>
-              <a:t> </a:t>
-            </a:r>
-            <a:r>
-              <a:rPr lang="en-US" sz="1200" b="0" i="0" kern="1200" dirty="0" err="1" smtClean="0">
+              <a:rPr lang="en-US" sz="1200" b="0" i="0" kern="1200" dirty="0">
+                <a:solidFill>
+                  <a:schemeClr val="tx1"/>
+                </a:solidFill>
+                <a:effectLst/>
+                <a:latin typeface="+mn-lt"/>
+                <a:ea typeface="+mn-ea"/>
+                <a:cs typeface="+mn-cs"/>
+              </a:rPr>
+              <a:t> </a:t>
+            </a:r>
+            <a:r>
+              <a:rPr lang="en-US" sz="1200" b="0" i="0" kern="1200" dirty="0" err="1">
                 <a:solidFill>
                   <a:schemeClr val="tx1"/>
                 </a:solidFill>
@@ -4589,7 +4587,7 @@
               <a:t>nhánh</a:t>
             </a:r>
             <a:r>
-              <a:rPr lang="en-US" sz="1200" b="0" i="0" kern="1200" dirty="0" smtClean="0">
+              <a:rPr lang="en-US" sz="1200" b="0" i="0" kern="1200" dirty="0">
                 <a:solidFill>
                   <a:schemeClr val="tx1"/>
                 </a:solidFill>
@@ -4601,11 +4599,11 @@
               <a:t> </a:t>
             </a:r>
             <a:r>
-              <a:rPr lang="en-US" dirty="0" smtClean="0"/>
+              <a:rPr lang="en-US" dirty="0"/>
               <a:t>master</a:t>
             </a:r>
             <a:r>
-              <a:rPr lang="en-US" sz="1200" b="0" i="0" kern="1200" dirty="0" smtClean="0">
+              <a:rPr lang="en-US" sz="1200" b="0" i="0" kern="1200" dirty="0">
                 <a:solidFill>
                   <a:schemeClr val="tx1"/>
                 </a:solidFill>
@@ -4617,7 +4615,7 @@
               <a:t> </a:t>
             </a:r>
             <a:r>
-              <a:rPr lang="en-US" sz="1200" b="0" i="0" kern="1200" dirty="0" err="1" smtClean="0">
+              <a:rPr lang="en-US" sz="1200" b="0" i="0" kern="1200" dirty="0" err="1">
                 <a:solidFill>
                   <a:schemeClr val="tx1"/>
                 </a:solidFill>
@@ -4629,7 +4627,7 @@
               <a:t>riêng</a:t>
             </a:r>
             <a:r>
-              <a:rPr lang="en-US" sz="1200" b="0" i="0" kern="1200" dirty="0" smtClean="0">
+              <a:rPr lang="en-US" sz="1200" b="0" i="0" kern="1200" dirty="0">
                 <a:solidFill>
                   <a:schemeClr val="tx1"/>
                 </a:solidFill>
@@ -4641,7 +4639,7 @@
               <a:t>, </a:t>
             </a:r>
             <a:r>
-              <a:rPr lang="en-US" sz="1200" b="0" i="0" kern="1200" dirty="0" err="1" smtClean="0">
+              <a:rPr lang="en-US" sz="1200" b="0" i="0" kern="1200" dirty="0" err="1">
                 <a:solidFill>
                   <a:schemeClr val="tx1"/>
                 </a:solidFill>
@@ -4653,19 +4651,19 @@
               <a:t>bắt</a:t>
             </a:r>
             <a:r>
-              <a:rPr lang="en-US" sz="1200" b="0" i="0" kern="1200" dirty="0" smtClean="0">
-                <a:solidFill>
-                  <a:schemeClr val="tx1"/>
-                </a:solidFill>
-                <a:effectLst/>
-                <a:latin typeface="+mn-lt"/>
-                <a:ea typeface="+mn-ea"/>
-                <a:cs typeface="+mn-cs"/>
-              </a:rPr>
-              <a:t> </a:t>
-            </a:r>
-            <a:r>
-              <a:rPr lang="en-US" sz="1200" b="0" i="0" kern="1200" dirty="0" err="1" smtClean="0">
+              <a:rPr lang="en-US" sz="1200" b="0" i="0" kern="1200" dirty="0">
+                <a:solidFill>
+                  <a:schemeClr val="tx1"/>
+                </a:solidFill>
+                <a:effectLst/>
+                <a:latin typeface="+mn-lt"/>
+                <a:ea typeface="+mn-ea"/>
+                <a:cs typeface="+mn-cs"/>
+              </a:rPr>
+              <a:t> </a:t>
+            </a:r>
+            <a:r>
+              <a:rPr lang="en-US" sz="1200" b="0" i="0" kern="1200" dirty="0" err="1">
                 <a:solidFill>
                   <a:schemeClr val="tx1"/>
                 </a:solidFill>
@@ -4677,19 +4675,19 @@
               <a:t>đầu</a:t>
             </a:r>
             <a:r>
-              <a:rPr lang="en-US" sz="1200" b="0" i="0" kern="1200" dirty="0" smtClean="0">
-                <a:solidFill>
-                  <a:schemeClr val="tx1"/>
-                </a:solidFill>
-                <a:effectLst/>
-                <a:latin typeface="+mn-lt"/>
-                <a:ea typeface="+mn-ea"/>
-                <a:cs typeface="+mn-cs"/>
-              </a:rPr>
-              <a:t> </a:t>
-            </a:r>
-            <a:r>
-              <a:rPr lang="en-US" sz="1200" b="0" i="0" kern="1200" dirty="0" err="1" smtClean="0">
+              <a:rPr lang="en-US" sz="1200" b="0" i="0" kern="1200" dirty="0">
+                <a:solidFill>
+                  <a:schemeClr val="tx1"/>
+                </a:solidFill>
+                <a:effectLst/>
+                <a:latin typeface="+mn-lt"/>
+                <a:ea typeface="+mn-ea"/>
+                <a:cs typeface="+mn-cs"/>
+              </a:rPr>
+              <a:t> </a:t>
+            </a:r>
+            <a:r>
+              <a:rPr lang="en-US" sz="1200" b="0" i="0" kern="1200" dirty="0" err="1">
                 <a:solidFill>
                   <a:schemeClr val="tx1"/>
                 </a:solidFill>
@@ -4701,19 +4699,19 @@
               <a:t>cùng</a:t>
             </a:r>
             <a:r>
-              <a:rPr lang="en-US" sz="1200" b="0" i="0" kern="1200" dirty="0" smtClean="0">
-                <a:solidFill>
-                  <a:schemeClr val="tx1"/>
-                </a:solidFill>
-                <a:effectLst/>
-                <a:latin typeface="+mn-lt"/>
-                <a:ea typeface="+mn-ea"/>
-                <a:cs typeface="+mn-cs"/>
-              </a:rPr>
-              <a:t> </a:t>
-            </a:r>
-            <a:r>
-              <a:rPr lang="en-US" sz="1200" b="0" i="0" kern="1200" dirty="0" err="1" smtClean="0">
+              <a:rPr lang="en-US" sz="1200" b="0" i="0" kern="1200" dirty="0">
+                <a:solidFill>
+                  <a:schemeClr val="tx1"/>
+                </a:solidFill>
+                <a:effectLst/>
+                <a:latin typeface="+mn-lt"/>
+                <a:ea typeface="+mn-ea"/>
+                <a:cs typeface="+mn-cs"/>
+              </a:rPr>
+              <a:t> </a:t>
+            </a:r>
+            <a:r>
+              <a:rPr lang="en-US" sz="1200" b="0" i="0" kern="1200" dirty="0" err="1">
                 <a:solidFill>
                   <a:schemeClr val="tx1"/>
                 </a:solidFill>
@@ -4725,19 +4723,19 @@
               <a:t>một</a:t>
             </a:r>
             <a:r>
-              <a:rPr lang="en-US" sz="1200" b="0" i="0" kern="1200" dirty="0" smtClean="0">
-                <a:solidFill>
-                  <a:schemeClr val="tx1"/>
-                </a:solidFill>
-                <a:effectLst/>
-                <a:latin typeface="+mn-lt"/>
-                <a:ea typeface="+mn-ea"/>
-                <a:cs typeface="+mn-cs"/>
-              </a:rPr>
-              <a:t> </a:t>
-            </a:r>
-            <a:r>
-              <a:rPr lang="en-US" sz="1200" b="0" i="0" kern="1200" dirty="0" err="1" smtClean="0">
+              <a:rPr lang="en-US" sz="1200" b="0" i="0" kern="1200" dirty="0">
+                <a:solidFill>
+                  <a:schemeClr val="tx1"/>
+                </a:solidFill>
+                <a:effectLst/>
+                <a:latin typeface="+mn-lt"/>
+                <a:ea typeface="+mn-ea"/>
+                <a:cs typeface="+mn-cs"/>
+              </a:rPr>
+              <a:t> </a:t>
+            </a:r>
+            <a:r>
+              <a:rPr lang="en-US" sz="1200" b="0" i="0" kern="1200" dirty="0" err="1">
                 <a:solidFill>
                   <a:schemeClr val="tx1"/>
                 </a:solidFill>
@@ -4749,19 +4747,19 @@
               <a:t>vị</a:t>
             </a:r>
             <a:r>
-              <a:rPr lang="en-US" sz="1200" b="0" i="0" kern="1200" dirty="0" smtClean="0">
-                <a:solidFill>
-                  <a:schemeClr val="tx1"/>
-                </a:solidFill>
-                <a:effectLst/>
-                <a:latin typeface="+mn-lt"/>
-                <a:ea typeface="+mn-ea"/>
-                <a:cs typeface="+mn-cs"/>
-              </a:rPr>
-              <a:t> </a:t>
-            </a:r>
-            <a:r>
-              <a:rPr lang="en-US" sz="1200" b="0" i="0" kern="1200" dirty="0" err="1" smtClean="0">
+              <a:rPr lang="en-US" sz="1200" b="0" i="0" kern="1200" dirty="0">
+                <a:solidFill>
+                  <a:schemeClr val="tx1"/>
+                </a:solidFill>
+                <a:effectLst/>
+                <a:latin typeface="+mn-lt"/>
+                <a:ea typeface="+mn-ea"/>
+                <a:cs typeface="+mn-cs"/>
+              </a:rPr>
+              <a:t> </a:t>
+            </a:r>
+            <a:r>
+              <a:rPr lang="en-US" sz="1200" b="0" i="0" kern="1200" dirty="0" err="1">
                 <a:solidFill>
                   <a:schemeClr val="tx1"/>
                 </a:solidFill>
@@ -4773,19 +4771,19 @@
               <a:t>trí</a:t>
             </a:r>
             <a:r>
-              <a:rPr lang="en-US" sz="1200" b="0" i="0" kern="1200" dirty="0" smtClean="0">
-                <a:solidFill>
-                  <a:schemeClr val="tx1"/>
-                </a:solidFill>
-                <a:effectLst/>
-                <a:latin typeface="+mn-lt"/>
-                <a:ea typeface="+mn-ea"/>
-                <a:cs typeface="+mn-cs"/>
-              </a:rPr>
-              <a:t> </a:t>
-            </a:r>
-            <a:r>
-              <a:rPr lang="en-US" sz="1200" b="0" i="0" kern="1200" dirty="0" err="1" smtClean="0">
+              <a:rPr lang="en-US" sz="1200" b="0" i="0" kern="1200" dirty="0">
+                <a:solidFill>
+                  <a:schemeClr val="tx1"/>
+                </a:solidFill>
+                <a:effectLst/>
+                <a:latin typeface="+mn-lt"/>
+                <a:ea typeface="+mn-ea"/>
+                <a:cs typeface="+mn-cs"/>
+              </a:rPr>
+              <a:t> </a:t>
+            </a:r>
+            <a:r>
+              <a:rPr lang="en-US" sz="1200" b="0" i="0" kern="1200" dirty="0" err="1">
                 <a:solidFill>
                   <a:schemeClr val="tx1"/>
                 </a:solidFill>
@@ -4797,7 +4795,7 @@
               <a:t>với</a:t>
             </a:r>
             <a:r>
-              <a:rPr lang="en-US" sz="1200" b="0" i="0" kern="1200" dirty="0" smtClean="0">
+              <a:rPr lang="en-US" sz="1200" b="0" i="0" kern="1200" dirty="0">
                 <a:solidFill>
                   <a:schemeClr val="tx1"/>
                 </a:solidFill>
@@ -4809,11 +4807,11 @@
               <a:t> </a:t>
             </a:r>
             <a:r>
-              <a:rPr lang="en-US" dirty="0" smtClean="0"/>
+              <a:rPr lang="en-US" dirty="0"/>
               <a:t>master</a:t>
             </a:r>
             <a:r>
-              <a:rPr lang="en-US" sz="1200" b="0" i="0" kern="1200" dirty="0" smtClean="0">
+              <a:rPr lang="en-US" sz="1200" b="0" i="0" kern="1200" dirty="0">
                 <a:solidFill>
                   <a:schemeClr val="tx1"/>
                 </a:solidFill>
@@ -4825,7 +4823,7 @@
               <a:t> </a:t>
             </a:r>
             <a:r>
-              <a:rPr lang="en-US" sz="1200" b="0" i="0" kern="1200" dirty="0" err="1" smtClean="0">
+              <a:rPr lang="en-US" sz="1200" b="0" i="0" kern="1200" dirty="0" err="1">
                 <a:solidFill>
                   <a:schemeClr val="tx1"/>
                 </a:solidFill>
@@ -4837,7 +4835,7 @@
               <a:t>của</a:t>
             </a:r>
             <a:r>
-              <a:rPr lang="en-US" sz="1200" b="0" i="0" kern="1200" dirty="0" smtClean="0">
+              <a:rPr lang="en-US" sz="1200" b="0" i="0" kern="1200" dirty="0">
                 <a:solidFill>
                   <a:schemeClr val="tx1"/>
                 </a:solidFill>
@@ -4849,7 +4847,7 @@
               <a:t> origin </a:t>
             </a:r>
             <a:r>
-              <a:rPr lang="en-US" sz="1200" b="0" i="0" kern="1200" dirty="0" err="1" smtClean="0">
+              <a:rPr lang="en-US" sz="1200" b="0" i="0" kern="1200" dirty="0" err="1">
                 <a:solidFill>
                   <a:schemeClr val="tx1"/>
                 </a:solidFill>
@@ -4861,19 +4859,19 @@
               <a:t>để</a:t>
             </a:r>
             <a:r>
-              <a:rPr lang="en-US" sz="1200" b="0" i="0" kern="1200" dirty="0" smtClean="0">
-                <a:solidFill>
-                  <a:schemeClr val="tx1"/>
-                </a:solidFill>
-                <a:effectLst/>
-                <a:latin typeface="+mn-lt"/>
-                <a:ea typeface="+mn-ea"/>
-                <a:cs typeface="+mn-cs"/>
-              </a:rPr>
-              <a:t> </a:t>
-            </a:r>
-            <a:r>
-              <a:rPr lang="en-US" sz="1200" b="0" i="0" kern="1200" dirty="0" err="1" smtClean="0">
+              <a:rPr lang="en-US" sz="1200" b="0" i="0" kern="1200" dirty="0">
+                <a:solidFill>
+                  <a:schemeClr val="tx1"/>
+                </a:solidFill>
+                <a:effectLst/>
+                <a:latin typeface="+mn-lt"/>
+                <a:ea typeface="+mn-ea"/>
+                <a:cs typeface="+mn-cs"/>
+              </a:rPr>
+              <a:t> </a:t>
+            </a:r>
+            <a:r>
+              <a:rPr lang="en-US" sz="1200" b="0" i="0" kern="1200" dirty="0" err="1">
                 <a:solidFill>
                   <a:schemeClr val="tx1"/>
                 </a:solidFill>
@@ -4885,19 +4883,19 @@
               <a:t>cho</a:t>
             </a:r>
             <a:r>
-              <a:rPr lang="en-US" sz="1200" b="0" i="0" kern="1200" dirty="0" smtClean="0">
-                <a:solidFill>
-                  <a:schemeClr val="tx1"/>
-                </a:solidFill>
-                <a:effectLst/>
-                <a:latin typeface="+mn-lt"/>
-                <a:ea typeface="+mn-ea"/>
-                <a:cs typeface="+mn-cs"/>
-              </a:rPr>
-              <a:t> </a:t>
-            </a:r>
-            <a:r>
-              <a:rPr lang="en-US" sz="1200" b="0" i="0" kern="1200" dirty="0" err="1" smtClean="0">
+              <a:rPr lang="en-US" sz="1200" b="0" i="0" kern="1200" dirty="0">
+                <a:solidFill>
+                  <a:schemeClr val="tx1"/>
+                </a:solidFill>
+                <a:effectLst/>
+                <a:latin typeface="+mn-lt"/>
+                <a:ea typeface="+mn-ea"/>
+                <a:cs typeface="+mn-cs"/>
+              </a:rPr>
+              <a:t> </a:t>
+            </a:r>
+            <a:r>
+              <a:rPr lang="en-US" sz="1200" b="0" i="0" kern="1200" dirty="0" err="1">
                 <a:solidFill>
                   <a:schemeClr val="tx1"/>
                 </a:solidFill>
@@ -4909,19 +4907,19 @@
               <a:t>bạn</a:t>
             </a:r>
             <a:r>
-              <a:rPr lang="en-US" sz="1200" b="0" i="0" kern="1200" dirty="0" smtClean="0">
-                <a:solidFill>
-                  <a:schemeClr val="tx1"/>
-                </a:solidFill>
-                <a:effectLst/>
-                <a:latin typeface="+mn-lt"/>
-                <a:ea typeface="+mn-ea"/>
-                <a:cs typeface="+mn-cs"/>
-              </a:rPr>
-              <a:t> </a:t>
-            </a:r>
-            <a:r>
-              <a:rPr lang="en-US" sz="1200" b="0" i="0" kern="1200" dirty="0" err="1" smtClean="0">
+              <a:rPr lang="en-US" sz="1200" b="0" i="0" kern="1200" dirty="0">
+                <a:solidFill>
+                  <a:schemeClr val="tx1"/>
+                </a:solidFill>
+                <a:effectLst/>
+                <a:latin typeface="+mn-lt"/>
+                <a:ea typeface="+mn-ea"/>
+                <a:cs typeface="+mn-cs"/>
+              </a:rPr>
+              <a:t> </a:t>
+            </a:r>
+            <a:r>
+              <a:rPr lang="en-US" sz="1200" b="0" i="0" kern="1200" dirty="0" err="1">
                 <a:solidFill>
                   <a:schemeClr val="tx1"/>
                 </a:solidFill>
@@ -4933,19 +4931,19 @@
               <a:t>có</a:t>
             </a:r>
             <a:r>
-              <a:rPr lang="en-US" sz="1200" b="0" i="0" kern="1200" dirty="0" smtClean="0">
-                <a:solidFill>
-                  <a:schemeClr val="tx1"/>
-                </a:solidFill>
-                <a:effectLst/>
-                <a:latin typeface="+mn-lt"/>
-                <a:ea typeface="+mn-ea"/>
-                <a:cs typeface="+mn-cs"/>
-              </a:rPr>
-              <a:t> </a:t>
-            </a:r>
-            <a:r>
-              <a:rPr lang="en-US" sz="1200" b="0" i="0" kern="1200" dirty="0" err="1" smtClean="0">
+              <a:rPr lang="en-US" sz="1200" b="0" i="0" kern="1200" dirty="0">
+                <a:solidFill>
+                  <a:schemeClr val="tx1"/>
+                </a:solidFill>
+                <a:effectLst/>
+                <a:latin typeface="+mn-lt"/>
+                <a:ea typeface="+mn-ea"/>
+                <a:cs typeface="+mn-cs"/>
+              </a:rPr>
+              <a:t> </a:t>
+            </a:r>
+            <a:r>
+              <a:rPr lang="en-US" sz="1200" b="0" i="0" kern="1200" dirty="0" err="1">
                 <a:solidFill>
                   <a:schemeClr val="tx1"/>
                 </a:solidFill>
@@ -4957,19 +4955,19 @@
               <a:t>thể</a:t>
             </a:r>
             <a:r>
-              <a:rPr lang="en-US" sz="1200" b="0" i="0" kern="1200" dirty="0" smtClean="0">
-                <a:solidFill>
-                  <a:schemeClr val="tx1"/>
-                </a:solidFill>
-                <a:effectLst/>
-                <a:latin typeface="+mn-lt"/>
-                <a:ea typeface="+mn-ea"/>
-                <a:cs typeface="+mn-cs"/>
-              </a:rPr>
-              <a:t> </a:t>
-            </a:r>
-            <a:r>
-              <a:rPr lang="en-US" sz="1200" b="0" i="0" kern="1200" dirty="0" err="1" smtClean="0">
+              <a:rPr lang="en-US" sz="1200" b="0" i="0" kern="1200" dirty="0">
+                <a:solidFill>
+                  <a:schemeClr val="tx1"/>
+                </a:solidFill>
+                <a:effectLst/>
+                <a:latin typeface="+mn-lt"/>
+                <a:ea typeface="+mn-ea"/>
+                <a:cs typeface="+mn-cs"/>
+              </a:rPr>
+              <a:t> </a:t>
+            </a:r>
+            <a:r>
+              <a:rPr lang="en-US" sz="1200" b="0" i="0" kern="1200" dirty="0" err="1">
                 <a:solidFill>
                   <a:schemeClr val="tx1"/>
                 </a:solidFill>
@@ -4981,19 +4979,19 @@
               <a:t>bắt</a:t>
             </a:r>
             <a:r>
-              <a:rPr lang="en-US" sz="1200" b="0" i="0" kern="1200" dirty="0" smtClean="0">
-                <a:solidFill>
-                  <a:schemeClr val="tx1"/>
-                </a:solidFill>
-                <a:effectLst/>
-                <a:latin typeface="+mn-lt"/>
-                <a:ea typeface="+mn-ea"/>
-                <a:cs typeface="+mn-cs"/>
-              </a:rPr>
-              <a:t> </a:t>
-            </a:r>
-            <a:r>
-              <a:rPr lang="en-US" sz="1200" b="0" i="0" kern="1200" dirty="0" err="1" smtClean="0">
+              <a:rPr lang="en-US" sz="1200" b="0" i="0" kern="1200" dirty="0">
+                <a:solidFill>
+                  <a:schemeClr val="tx1"/>
+                </a:solidFill>
+                <a:effectLst/>
+                <a:latin typeface="+mn-lt"/>
+                <a:ea typeface="+mn-ea"/>
+                <a:cs typeface="+mn-cs"/>
+              </a:rPr>
+              <a:t> </a:t>
+            </a:r>
+            <a:r>
+              <a:rPr lang="en-US" sz="1200" b="0" i="0" kern="1200" dirty="0" err="1">
                 <a:solidFill>
                   <a:schemeClr val="tx1"/>
                 </a:solidFill>
@@ -5005,19 +5003,19 @@
               <a:t>đầu</a:t>
             </a:r>
             <a:r>
-              <a:rPr lang="en-US" sz="1200" b="0" i="0" kern="1200" dirty="0" smtClean="0">
-                <a:solidFill>
-                  <a:schemeClr val="tx1"/>
-                </a:solidFill>
-                <a:effectLst/>
-                <a:latin typeface="+mn-lt"/>
-                <a:ea typeface="+mn-ea"/>
-                <a:cs typeface="+mn-cs"/>
-              </a:rPr>
-              <a:t> </a:t>
-            </a:r>
-            <a:r>
-              <a:rPr lang="en-US" sz="1200" b="0" i="0" kern="1200" dirty="0" err="1" smtClean="0">
+              <a:rPr lang="en-US" sz="1200" b="0" i="0" kern="1200" dirty="0">
+                <a:solidFill>
+                  <a:schemeClr val="tx1"/>
+                </a:solidFill>
+                <a:effectLst/>
+                <a:latin typeface="+mn-lt"/>
+                <a:ea typeface="+mn-ea"/>
+                <a:cs typeface="+mn-cs"/>
+              </a:rPr>
+              <a:t> </a:t>
+            </a:r>
+            <a:r>
+              <a:rPr lang="en-US" sz="1200" b="0" i="0" kern="1200" dirty="0" err="1">
                 <a:solidFill>
                   <a:schemeClr val="tx1"/>
                 </a:solidFill>
@@ -5029,19 +5027,19 @@
               <a:t>làm</a:t>
             </a:r>
             <a:r>
-              <a:rPr lang="en-US" sz="1200" b="0" i="0" kern="1200" dirty="0" smtClean="0">
-                <a:solidFill>
-                  <a:schemeClr val="tx1"/>
-                </a:solidFill>
-                <a:effectLst/>
-                <a:latin typeface="+mn-lt"/>
-                <a:ea typeface="+mn-ea"/>
-                <a:cs typeface="+mn-cs"/>
-              </a:rPr>
-              <a:t> </a:t>
-            </a:r>
-            <a:r>
-              <a:rPr lang="en-US" sz="1200" b="0" i="0" kern="1200" dirty="0" err="1" smtClean="0">
+              <a:rPr lang="en-US" sz="1200" b="0" i="0" kern="1200" dirty="0">
+                <a:solidFill>
+                  <a:schemeClr val="tx1"/>
+                </a:solidFill>
+                <a:effectLst/>
+                <a:latin typeface="+mn-lt"/>
+                <a:ea typeface="+mn-ea"/>
+                <a:cs typeface="+mn-cs"/>
+              </a:rPr>
+              <a:t> </a:t>
+            </a:r>
+            <a:r>
+              <a:rPr lang="en-US" sz="1200" b="0" i="0" kern="1200" dirty="0" err="1">
                 <a:solidFill>
                   <a:schemeClr val="tx1"/>
                 </a:solidFill>
@@ -5053,7 +5051,7 @@
               <a:t>việc</a:t>
             </a:r>
             <a:r>
-              <a:rPr lang="en-US" sz="1200" b="0" i="0" kern="1200" dirty="0" smtClean="0">
+              <a:rPr lang="en-US" sz="1200" b="0" i="0" kern="1200" dirty="0">
                 <a:solidFill>
                   <a:schemeClr val="tx1"/>
                 </a:solidFill>
@@ -5149,7 +5147,7 @@
           <a:lstStyle/>
           <a:p>
             <a:r>
-              <a:rPr lang="vi-VN" sz="1200" b="0" i="0" kern="1200" dirty="0" smtClean="0">
+              <a:rPr lang="vi-VN" sz="1200" b="0" i="0" kern="1200" dirty="0">
                 <a:solidFill>
                   <a:schemeClr val="tx1"/>
                 </a:solidFill>
@@ -5161,11 +5159,11 @@
               <a:t>thực hiện một số thay đổi trên nhánh </a:t>
             </a:r>
             <a:r>
-              <a:rPr lang="vi-VN" dirty="0" smtClean="0"/>
+              <a:rPr lang="vi-VN" dirty="0"/>
               <a:t>master</a:t>
             </a:r>
             <a:r>
-              <a:rPr lang="vi-VN" sz="1200" b="0" i="0" kern="1200" dirty="0" smtClean="0">
+              <a:rPr lang="vi-VN" sz="1200" b="0" i="0" kern="1200" dirty="0">
                 <a:solidFill>
                   <a:schemeClr val="tx1"/>
                 </a:solidFill>
@@ -5177,11 +5175,11 @@
               <a:t> nội bộ, và cùng thời điểm đó, một người nào đó đẩy lên </a:t>
             </a:r>
             <a:r>
-              <a:rPr lang="vi-VN" dirty="0" smtClean="0"/>
+              <a:rPr lang="vi-VN" dirty="0"/>
               <a:t>git.ourcompany.com</a:t>
             </a:r>
             <a:r>
-              <a:rPr lang="vi-VN" sz="1200" b="0" i="0" kern="1200" dirty="0" smtClean="0">
+              <a:rPr lang="vi-VN" sz="1200" b="0" i="0" kern="1200" dirty="0">
                 <a:solidFill>
                   <a:schemeClr val="tx1"/>
                 </a:solidFill>
@@ -5193,11 +5191,11 @@
               <a:t> và cập nhật nhánh master của nó, thì lịch sử của bạn sẽ di chuyển về phía trước khác đi. Miễn là bạn không kết nối tới máy chủ thì con trỏ </a:t>
             </a:r>
             <a:r>
-              <a:rPr lang="vi-VN" dirty="0" smtClean="0"/>
+              <a:rPr lang="vi-VN" dirty="0"/>
               <a:t>origin/master</a:t>
             </a:r>
             <a:r>
-              <a:rPr lang="vi-VN" sz="1200" b="0" i="0" kern="1200" dirty="0" smtClean="0">
+              <a:rPr lang="vi-VN" sz="1200" b="0" i="0" kern="1200" dirty="0">
                 <a:solidFill>
                   <a:schemeClr val="tx1"/>
                 </a:solidFill>
@@ -5388,7 +5386,7 @@
           </a:lstStyle>
           <a:p>
             <a:r>
-              <a:rPr lang="en-US" smtClean="0"/>
+              <a:rPr lang="en-US"/>
               <a:t>Click to edit Master title style</a:t>
             </a:r>
             <a:endParaRPr lang="en-US" dirty="0"/>
@@ -5464,7 +5462,7 @@
           </a:lstStyle>
           <a:p>
             <a:r>
-              <a:rPr lang="en-US" smtClean="0"/>
+              <a:rPr lang="en-US"/>
               <a:t>Click to edit Master subtitle style</a:t>
             </a:r>
             <a:endParaRPr lang="en-US" dirty="0"/>
@@ -5502,7 +5500,7 @@
             <a:fld id="{87DE6118-2437-4B30-8E3C-4D2BE6020583}" type="datetimeFigureOut">
               <a:rPr lang="en-US" dirty="0"/>
               <a:pPr/>
-              <a:t>7/29/2017</a:t>
+              <a:t>12/5/2019</a:t>
             </a:fld>
             <a:endParaRPr lang="en-US" dirty="0"/>
           </a:p>
@@ -5747,7 +5745,7 @@
           <a:lstStyle/>
           <a:p>
             <a:r>
-              <a:rPr lang="en-US" smtClean="0"/>
+              <a:rPr lang="en-US"/>
               <a:t>Click to edit Master title style</a:t>
             </a:r>
             <a:endParaRPr lang="en-US" dirty="0"/>
@@ -5776,35 +5774,35 @@
           <a:p>
             <a:pPr lvl="0"/>
             <a:r>
-              <a:rPr lang="en-US" smtClean="0"/>
+              <a:rPr lang="en-US"/>
               <a:t>Click to edit Master text styles</a:t>
             </a:r>
           </a:p>
           <a:p>
             <a:pPr lvl="1"/>
             <a:r>
-              <a:rPr lang="en-US" smtClean="0"/>
+              <a:rPr lang="en-US"/>
               <a:t>Second level</a:t>
             </a:r>
           </a:p>
           <a:p>
             <a:pPr lvl="2"/>
             <a:r>
-              <a:rPr lang="en-US" smtClean="0"/>
+              <a:rPr lang="en-US"/>
               <a:t>Third level</a:t>
             </a:r>
           </a:p>
           <a:p>
             <a:pPr lvl="3"/>
             <a:r>
-              <a:rPr lang="en-US" smtClean="0"/>
+              <a:rPr lang="en-US"/>
               <a:t>Fourth level</a:t>
             </a:r>
           </a:p>
           <a:p>
             <a:pPr lvl="4"/>
             <a:r>
-              <a:rPr lang="en-US" smtClean="0"/>
+              <a:rPr lang="en-US"/>
               <a:t>Fifth level</a:t>
             </a:r>
             <a:endParaRPr lang="en-US" dirty="0"/>
@@ -5828,7 +5826,7 @@
           <a:p>
             <a:fld id="{87DE6118-2437-4B30-8E3C-4D2BE6020583}" type="datetimeFigureOut">
               <a:rPr lang="en-US" dirty="0"/>
-              <a:t>7/29/2017</a:t>
+              <a:t>12/5/2019</a:t>
             </a:fld>
             <a:endParaRPr lang="en-US" dirty="0"/>
           </a:p>
@@ -5922,7 +5920,7 @@
           <a:lstStyle/>
           <a:p>
             <a:r>
-              <a:rPr lang="en-US" smtClean="0"/>
+              <a:rPr lang="en-US"/>
               <a:t>Click to edit Master title style</a:t>
             </a:r>
             <a:endParaRPr lang="en-US" dirty="0"/>
@@ -5951,35 +5949,35 @@
           <a:p>
             <a:pPr lvl="0"/>
             <a:r>
-              <a:rPr lang="en-US" smtClean="0"/>
+              <a:rPr lang="en-US"/>
               <a:t>Click to edit Master text styles</a:t>
             </a:r>
           </a:p>
           <a:p>
             <a:pPr lvl="1"/>
             <a:r>
-              <a:rPr lang="en-US" smtClean="0"/>
+              <a:rPr lang="en-US"/>
               <a:t>Second level</a:t>
             </a:r>
           </a:p>
           <a:p>
             <a:pPr lvl="2"/>
             <a:r>
-              <a:rPr lang="en-US" smtClean="0"/>
+              <a:rPr lang="en-US"/>
               <a:t>Third level</a:t>
             </a:r>
           </a:p>
           <a:p>
             <a:pPr lvl="3"/>
             <a:r>
-              <a:rPr lang="en-US" smtClean="0"/>
+              <a:rPr lang="en-US"/>
               <a:t>Fourth level</a:t>
             </a:r>
           </a:p>
           <a:p>
             <a:pPr lvl="4"/>
             <a:r>
-              <a:rPr lang="en-US" smtClean="0"/>
+              <a:rPr lang="en-US"/>
               <a:t>Fifth level</a:t>
             </a:r>
             <a:endParaRPr lang="en-US" dirty="0"/>
@@ -6003,7 +6001,7 @@
           <a:p>
             <a:fld id="{87DE6118-2437-4B30-8E3C-4D2BE6020583}" type="datetimeFigureOut">
               <a:rPr lang="en-US" dirty="0"/>
-              <a:t>7/29/2017</a:t>
+              <a:t>12/5/2019</a:t>
             </a:fld>
             <a:endParaRPr lang="en-US" dirty="0"/>
           </a:p>
@@ -6286,7 +6284,7 @@
           <a:lstStyle/>
           <a:p>
             <a:r>
-              <a:rPr lang="en-US" smtClean="0"/>
+              <a:rPr lang="en-US"/>
               <a:t>Click to edit Master title style</a:t>
             </a:r>
             <a:endParaRPr lang="en-US" dirty="0"/>
@@ -6310,35 +6308,35 @@
           <a:p>
             <a:pPr lvl="0"/>
             <a:r>
-              <a:rPr lang="en-US" smtClean="0"/>
+              <a:rPr lang="en-US"/>
               <a:t>Click to edit Master text styles</a:t>
             </a:r>
           </a:p>
           <a:p>
             <a:pPr lvl="1"/>
             <a:r>
-              <a:rPr lang="en-US" smtClean="0"/>
+              <a:rPr lang="en-US"/>
               <a:t>Second level</a:t>
             </a:r>
           </a:p>
           <a:p>
             <a:pPr lvl="2"/>
             <a:r>
-              <a:rPr lang="en-US" smtClean="0"/>
+              <a:rPr lang="en-US"/>
               <a:t>Third level</a:t>
             </a:r>
           </a:p>
           <a:p>
             <a:pPr lvl="3"/>
             <a:r>
-              <a:rPr lang="en-US" smtClean="0"/>
+              <a:rPr lang="en-US"/>
               <a:t>Fourth level</a:t>
             </a:r>
           </a:p>
           <a:p>
             <a:pPr lvl="4"/>
             <a:r>
-              <a:rPr lang="en-US" smtClean="0"/>
+              <a:rPr lang="en-US"/>
               <a:t>Fifth level</a:t>
             </a:r>
             <a:endParaRPr lang="en-US" dirty="0"/>
@@ -6362,7 +6360,7 @@
           <a:p>
             <a:fld id="{87DE6118-2437-4B30-8E3C-4D2BE6020583}" type="datetimeFigureOut">
               <a:rPr lang="en-US" dirty="0"/>
-              <a:t>7/29/2017</a:t>
+              <a:t>12/5/2019</a:t>
             </a:fld>
             <a:endParaRPr lang="en-US" dirty="0"/>
           </a:p>
@@ -6471,7 +6469,7 @@
           </a:lstStyle>
           <a:p>
             <a:r>
-              <a:rPr lang="en-US" smtClean="0"/>
+              <a:rPr lang="en-US"/>
               <a:t>Click to edit Master title style</a:t>
             </a:r>
             <a:endParaRPr lang="en-US" dirty="0"/>
@@ -6598,7 +6596,7 @@
           <a:p>
             <a:pPr lvl="0"/>
             <a:r>
-              <a:rPr lang="en-US" smtClean="0"/>
+              <a:rPr lang="en-US"/>
               <a:t>Click to edit Master text styles</a:t>
             </a:r>
           </a:p>
@@ -6635,7 +6633,7 @@
             <a:fld id="{87DE6118-2437-4B30-8E3C-4D2BE6020583}" type="datetimeFigureOut">
               <a:rPr lang="en-US" dirty="0"/>
               <a:pPr/>
-              <a:t>7/29/2017</a:t>
+              <a:t>12/5/2019</a:t>
             </a:fld>
             <a:endParaRPr lang="en-US" dirty="0"/>
           </a:p>
@@ -6815,7 +6813,7 @@
           </a:lstStyle>
           <a:p>
             <a:r>
-              <a:rPr lang="en-US" smtClean="0"/>
+              <a:rPr lang="en-US"/>
               <a:t>Click to edit Master title style</a:t>
             </a:r>
             <a:endParaRPr lang="en-US" dirty="0"/>
@@ -6880,35 +6878,35 @@
           <a:p>
             <a:pPr lvl="0"/>
             <a:r>
-              <a:rPr lang="en-US" smtClean="0"/>
+              <a:rPr lang="en-US"/>
               <a:t>Click to edit Master text styles</a:t>
             </a:r>
           </a:p>
           <a:p>
             <a:pPr lvl="1"/>
             <a:r>
-              <a:rPr lang="en-US" smtClean="0"/>
+              <a:rPr lang="en-US"/>
               <a:t>Second level</a:t>
             </a:r>
           </a:p>
           <a:p>
             <a:pPr lvl="2"/>
             <a:r>
-              <a:rPr lang="en-US" smtClean="0"/>
+              <a:rPr lang="en-US"/>
               <a:t>Third level</a:t>
             </a:r>
           </a:p>
           <a:p>
             <a:pPr lvl="3"/>
             <a:r>
-              <a:rPr lang="en-US" smtClean="0"/>
+              <a:rPr lang="en-US"/>
               <a:t>Fourth level</a:t>
             </a:r>
           </a:p>
           <a:p>
             <a:pPr lvl="4"/>
             <a:r>
-              <a:rPr lang="en-US" smtClean="0"/>
+              <a:rPr lang="en-US"/>
               <a:t>Fifth level</a:t>
             </a:r>
             <a:endParaRPr lang="en-US" dirty="0"/>
@@ -6973,35 +6971,35 @@
           <a:p>
             <a:pPr lvl="0"/>
             <a:r>
-              <a:rPr lang="en-US" smtClean="0"/>
+              <a:rPr lang="en-US"/>
               <a:t>Click to edit Master text styles</a:t>
             </a:r>
           </a:p>
           <a:p>
             <a:pPr lvl="1"/>
             <a:r>
-              <a:rPr lang="en-US" smtClean="0"/>
+              <a:rPr lang="en-US"/>
               <a:t>Second level</a:t>
             </a:r>
           </a:p>
           <a:p>
             <a:pPr lvl="2"/>
             <a:r>
-              <a:rPr lang="en-US" smtClean="0"/>
+              <a:rPr lang="en-US"/>
               <a:t>Third level</a:t>
             </a:r>
           </a:p>
           <a:p>
             <a:pPr lvl="3"/>
             <a:r>
-              <a:rPr lang="en-US" smtClean="0"/>
+              <a:rPr lang="en-US"/>
               <a:t>Fourth level</a:t>
             </a:r>
           </a:p>
           <a:p>
             <a:pPr lvl="4"/>
             <a:r>
-              <a:rPr lang="en-US" smtClean="0"/>
+              <a:rPr lang="en-US"/>
               <a:t>Fifth level</a:t>
             </a:r>
             <a:endParaRPr lang="en-US" dirty="0"/>
@@ -7025,7 +7023,7 @@
           <a:p>
             <a:fld id="{87DE6118-2437-4B30-8E3C-4D2BE6020583}" type="datetimeFigureOut">
               <a:rPr lang="en-US" dirty="0"/>
-              <a:t>7/29/2017</a:t>
+              <a:t>12/5/2019</a:t>
             </a:fld>
             <a:endParaRPr lang="en-US" dirty="0"/>
           </a:p>
@@ -7127,7 +7125,7 @@
           </a:lstStyle>
           <a:p>
             <a:r>
-              <a:rPr lang="en-US" smtClean="0"/>
+              <a:rPr lang="en-US"/>
               <a:t>Click to edit Master title style</a:t>
             </a:r>
             <a:endParaRPr lang="en-US" dirty="0"/>
@@ -7208,7 +7206,7 @@
           <a:p>
             <a:pPr lvl="0"/>
             <a:r>
-              <a:rPr lang="en-US" smtClean="0"/>
+              <a:rPr lang="en-US"/>
               <a:t>Click to edit Master text styles</a:t>
             </a:r>
           </a:p>
@@ -7272,35 +7270,35 @@
           <a:p>
             <a:pPr lvl="0"/>
             <a:r>
-              <a:rPr lang="en-US" smtClean="0"/>
+              <a:rPr lang="en-US"/>
               <a:t>Click to edit Master text styles</a:t>
             </a:r>
           </a:p>
           <a:p>
             <a:pPr lvl="1"/>
             <a:r>
-              <a:rPr lang="en-US" smtClean="0"/>
+              <a:rPr lang="en-US"/>
               <a:t>Second level</a:t>
             </a:r>
           </a:p>
           <a:p>
             <a:pPr lvl="2"/>
             <a:r>
-              <a:rPr lang="en-US" smtClean="0"/>
+              <a:rPr lang="en-US"/>
               <a:t>Third level</a:t>
             </a:r>
           </a:p>
           <a:p>
             <a:pPr lvl="3"/>
             <a:r>
-              <a:rPr lang="en-US" smtClean="0"/>
+              <a:rPr lang="en-US"/>
               <a:t>Fourth level</a:t>
             </a:r>
           </a:p>
           <a:p>
             <a:pPr lvl="4"/>
             <a:r>
-              <a:rPr lang="en-US" smtClean="0"/>
+              <a:rPr lang="en-US"/>
               <a:t>Fifth level</a:t>
             </a:r>
             <a:endParaRPr lang="en-US" dirty="0"/>
@@ -7381,7 +7379,7 @@
           <a:p>
             <a:pPr lvl="0"/>
             <a:r>
-              <a:rPr lang="en-US" smtClean="0"/>
+              <a:rPr lang="en-US"/>
               <a:t>Click to edit Master text styles</a:t>
             </a:r>
           </a:p>
@@ -7445,35 +7443,35 @@
           <a:p>
             <a:pPr lvl="0"/>
             <a:r>
-              <a:rPr lang="en-US" smtClean="0"/>
+              <a:rPr lang="en-US"/>
               <a:t>Click to edit Master text styles</a:t>
             </a:r>
           </a:p>
           <a:p>
             <a:pPr lvl="1"/>
             <a:r>
-              <a:rPr lang="en-US" smtClean="0"/>
+              <a:rPr lang="en-US"/>
               <a:t>Second level</a:t>
             </a:r>
           </a:p>
           <a:p>
             <a:pPr lvl="2"/>
             <a:r>
-              <a:rPr lang="en-US" smtClean="0"/>
+              <a:rPr lang="en-US"/>
               <a:t>Third level</a:t>
             </a:r>
           </a:p>
           <a:p>
             <a:pPr lvl="3"/>
             <a:r>
-              <a:rPr lang="en-US" smtClean="0"/>
+              <a:rPr lang="en-US"/>
               <a:t>Fourth level</a:t>
             </a:r>
           </a:p>
           <a:p>
             <a:pPr lvl="4"/>
             <a:r>
-              <a:rPr lang="en-US" smtClean="0"/>
+              <a:rPr lang="en-US"/>
               <a:t>Fifth level</a:t>
             </a:r>
             <a:endParaRPr lang="en-US" dirty="0"/>
@@ -7497,7 +7495,7 @@
           <a:p>
             <a:fld id="{87DE6118-2437-4B30-8E3C-4D2BE6020583}" type="datetimeFigureOut">
               <a:rPr lang="en-US" dirty="0"/>
-              <a:t>7/29/2017</a:t>
+              <a:t>12/5/2019</a:t>
             </a:fld>
             <a:endParaRPr lang="en-US" dirty="0"/>
           </a:p>
@@ -7586,7 +7584,7 @@
           <a:lstStyle/>
           <a:p>
             <a:r>
-              <a:rPr lang="en-US" smtClean="0"/>
+              <a:rPr lang="en-US"/>
               <a:t>Click to edit Master title style</a:t>
             </a:r>
             <a:endParaRPr lang="en-US" dirty="0"/>
@@ -7610,7 +7608,7 @@
           <a:p>
             <a:fld id="{87DE6118-2437-4B30-8E3C-4D2BE6020583}" type="datetimeFigureOut">
               <a:rPr lang="en-US" dirty="0"/>
-              <a:t>7/29/2017</a:t>
+              <a:t>12/5/2019</a:t>
             </a:fld>
             <a:endParaRPr lang="en-US" dirty="0"/>
           </a:p>
@@ -7700,7 +7698,7 @@
           <a:p>
             <a:fld id="{87DE6118-2437-4B30-8E3C-4D2BE6020583}" type="datetimeFigureOut">
               <a:rPr lang="en-US" dirty="0"/>
-              <a:t>7/29/2017</a:t>
+              <a:t>12/5/2019</a:t>
             </a:fld>
             <a:endParaRPr lang="en-US" dirty="0"/>
           </a:p>
@@ -7845,7 +7843,7 @@
           </a:lstStyle>
           <a:p>
             <a:r>
-              <a:rPr lang="en-US" smtClean="0"/>
+              <a:rPr lang="en-US"/>
               <a:t>Click to edit Master title style</a:t>
             </a:r>
             <a:endParaRPr lang="en-US" dirty="0"/>
@@ -7902,35 +7900,35 @@
           <a:p>
             <a:pPr lvl="0"/>
             <a:r>
-              <a:rPr lang="en-US" smtClean="0"/>
+              <a:rPr lang="en-US"/>
               <a:t>Click to edit Master text styles</a:t>
             </a:r>
           </a:p>
           <a:p>
             <a:pPr lvl="1"/>
             <a:r>
-              <a:rPr lang="en-US" smtClean="0"/>
+              <a:rPr lang="en-US"/>
               <a:t>Second level</a:t>
             </a:r>
           </a:p>
           <a:p>
             <a:pPr lvl="2"/>
             <a:r>
-              <a:rPr lang="en-US" smtClean="0"/>
+              <a:rPr lang="en-US"/>
               <a:t>Third level</a:t>
             </a:r>
           </a:p>
           <a:p>
             <a:pPr lvl="3"/>
             <a:r>
-              <a:rPr lang="en-US" smtClean="0"/>
+              <a:rPr lang="en-US"/>
               <a:t>Fourth level</a:t>
             </a:r>
           </a:p>
           <a:p>
             <a:pPr lvl="4"/>
             <a:r>
-              <a:rPr lang="en-US" smtClean="0"/>
+              <a:rPr lang="en-US"/>
               <a:t>Fifth level</a:t>
             </a:r>
             <a:endParaRPr lang="en-US" dirty="0"/>
@@ -8005,7 +8003,7 @@
           <a:p>
             <a:pPr lvl="0"/>
             <a:r>
-              <a:rPr lang="en-US" smtClean="0"/>
+              <a:rPr lang="en-US"/>
               <a:t>Click to edit Master text styles</a:t>
             </a:r>
           </a:p>
@@ -8042,7 +8040,7 @@
             <a:fld id="{87DE6118-2437-4B30-8E3C-4D2BE6020583}" type="datetimeFigureOut">
               <a:rPr lang="en-US" dirty="0"/>
               <a:pPr/>
-              <a:t>7/29/2017</a:t>
+              <a:t>12/5/2019</a:t>
             </a:fld>
             <a:endParaRPr lang="en-US" dirty="0"/>
           </a:p>
@@ -8248,7 +8246,7 @@
           </a:lstStyle>
           <a:p>
             <a:r>
-              <a:rPr lang="en-US" smtClean="0"/>
+              <a:rPr lang="en-US"/>
               <a:t>Click to edit Master title style</a:t>
             </a:r>
             <a:endParaRPr lang="en-US" dirty="0"/>
@@ -8315,7 +8313,7 @@
           </a:lstStyle>
           <a:p>
             <a:r>
-              <a:rPr lang="en-US" smtClean="0"/>
+              <a:rPr lang="en-US"/>
               <a:t>Click icon to add picture</a:t>
             </a:r>
             <a:endParaRPr lang="en-US" dirty="0"/>
@@ -8390,7 +8388,7 @@
           <a:p>
             <a:pPr lvl="0"/>
             <a:r>
-              <a:rPr lang="en-US" smtClean="0"/>
+              <a:rPr lang="en-US"/>
               <a:t>Click to edit Master text styles</a:t>
             </a:r>
           </a:p>
@@ -8427,7 +8425,7 @@
             <a:fld id="{87DE6118-2437-4B30-8E3C-4D2BE6020583}" type="datetimeFigureOut">
               <a:rPr lang="en-US" dirty="0"/>
               <a:pPr/>
-              <a:t>7/29/2017</a:t>
+              <a:t>12/5/2019</a:t>
             </a:fld>
             <a:endParaRPr lang="en-US" dirty="0"/>
           </a:p>
@@ -8599,10 +8597,9 @@
           <a:lstStyle/>
           <a:p>
             <a:r>
-              <a:rPr lang="en-US" dirty="0" smtClean="0"/>
+              <a:rPr lang="en-US" dirty="0"/>
               <a:t>Click to edit Master title style</a:t>
             </a:r>
-            <a:endParaRPr lang="en-US" dirty="0"/>
           </a:p>
         </p:txBody>
       </p:sp>
@@ -8633,38 +8630,37 @@
           <a:p>
             <a:pPr lvl="0"/>
             <a:r>
-              <a:rPr lang="en-US" dirty="0" smtClean="0"/>
+              <a:rPr lang="en-US" dirty="0"/>
               <a:t>Click to edit Master text styles</a:t>
             </a:r>
           </a:p>
           <a:p>
             <a:pPr lvl="1"/>
             <a:r>
-              <a:rPr lang="en-US" dirty="0" smtClean="0"/>
+              <a:rPr lang="en-US" dirty="0"/>
               <a:t>Second level</a:t>
             </a:r>
           </a:p>
           <a:p>
             <a:pPr lvl="2"/>
             <a:r>
-              <a:rPr lang="en-US" dirty="0" smtClean="0"/>
+              <a:rPr lang="en-US" dirty="0"/>
               <a:t>Third level</a:t>
             </a:r>
           </a:p>
           <a:p>
             <a:pPr lvl="3"/>
             <a:r>
-              <a:rPr lang="en-US" dirty="0" smtClean="0"/>
+              <a:rPr lang="en-US" dirty="0"/>
               <a:t>Fourth level</a:t>
             </a:r>
           </a:p>
           <a:p>
             <a:pPr lvl="4"/>
             <a:r>
-              <a:rPr lang="en-US" dirty="0" smtClean="0"/>
+              <a:rPr lang="en-US" dirty="0"/>
               <a:t>Fifth level</a:t>
             </a:r>
-            <a:endParaRPr lang="en-US" dirty="0"/>
           </a:p>
         </p:txBody>
       </p:sp>
@@ -8703,7 +8699,7 @@
             <a:fld id="{87DE6118-2437-4B30-8E3C-4D2BE6020583}" type="datetimeFigureOut">
               <a:rPr lang="en-US" smtClean="0"/>
               <a:pPr/>
-              <a:t>7/29/2017</a:t>
+              <a:t>12/5/2019</a:t>
             </a:fld>
             <a:endParaRPr lang="en-US" dirty="0"/>
           </a:p>
@@ -9148,7 +9144,7 @@
       </a:lvl9pPr>
     </p:otherStyle>
   </p:txStyles>
-  <p:extLst mod="1">
+  <p:extLst>
     <p:ext uri="{27BBF7A9-308A-43DC-89C8-2F10F3537804}">
       <p15:sldGuideLst xmlns:p15="http://schemas.microsoft.com/office/powerpoint/2012/main">
         <p15:guide id="3" orient="horz" pos="1368">
@@ -9230,15 +9226,15 @@
           <a:lstStyle/>
           <a:p>
             <a:r>
-              <a:rPr lang="en-US" dirty="0" err="1" smtClean="0"/>
+              <a:rPr lang="en-US" dirty="0" err="1"/>
               <a:t>Git</a:t>
             </a:r>
             <a:r>
-              <a:rPr lang="en-US" dirty="0" smtClean="0"/>
+              <a:rPr lang="en-US" dirty="0"/>
               <a:t> &amp; </a:t>
             </a:r>
             <a:r>
-              <a:rPr lang="en-US" dirty="0" err="1" smtClean="0"/>
+              <a:rPr lang="en-US" dirty="0" err="1"/>
               <a:t>Github</a:t>
             </a:r>
             <a:endParaRPr lang="en-US" dirty="0"/>
@@ -9261,11 +9257,11 @@
           <a:lstStyle/>
           <a:p>
             <a:r>
-              <a:rPr lang="en-US" dirty="0" smtClean="0"/>
+              <a:rPr lang="en-US" dirty="0"/>
               <a:t>Bùi Minh Thái - </a:t>
             </a:r>
             <a:r>
-              <a:rPr lang="en-US" dirty="0" err="1" smtClean="0"/>
+              <a:rPr lang="en-US" dirty="0" err="1"/>
               <a:t>nccsoft</a:t>
             </a:r>
             <a:endParaRPr lang="en-US" dirty="0"/>
@@ -9323,14 +9319,13 @@
           <a:lstStyle/>
           <a:p>
             <a:r>
-              <a:rPr lang="en-US" dirty="0" err="1" smtClean="0"/>
+              <a:rPr lang="en-US" dirty="0" err="1"/>
               <a:t>Git</a:t>
             </a:r>
             <a:r>
-              <a:rPr lang="en-US" dirty="0" smtClean="0"/>
+              <a:rPr lang="en-US" dirty="0"/>
               <a:t> branch</a:t>
             </a:r>
-            <a:endParaRPr lang="en-US" dirty="0"/>
           </a:p>
         </p:txBody>
       </p:sp>
@@ -9355,34 +9350,34 @@
           <a:lstStyle/>
           <a:p>
             <a:r>
-              <a:rPr lang="en-US" dirty="0" err="1" smtClean="0"/>
+              <a:rPr lang="en-US" dirty="0" err="1"/>
               <a:t>Tạo</a:t>
             </a:r>
             <a:r>
-              <a:rPr lang="en-US" dirty="0" smtClean="0"/>
-              <a:t> </a:t>
-            </a:r>
-            <a:r>
-              <a:rPr lang="en-US" dirty="0" err="1" smtClean="0"/>
+              <a:rPr lang="en-US" dirty="0"/>
+              <a:t> </a:t>
+            </a:r>
+            <a:r>
+              <a:rPr lang="en-US" dirty="0" err="1"/>
               <a:t>nhanh</a:t>
             </a:r>
             <a:r>
-              <a:rPr lang="en-US" dirty="0" smtClean="0"/>
-              <a:t> </a:t>
-            </a:r>
-            <a:r>
-              <a:rPr lang="en-US" dirty="0" err="1" smtClean="0"/>
+              <a:rPr lang="en-US" dirty="0"/>
+              <a:t> </a:t>
+            </a:r>
+            <a:r>
+              <a:rPr lang="en-US" dirty="0" err="1"/>
               <a:t>mới</a:t>
             </a:r>
             <a:r>
-              <a:rPr lang="en-US" dirty="0" smtClean="0"/>
+              <a:rPr lang="en-US" dirty="0"/>
               <a:t>:</a:t>
             </a:r>
           </a:p>
           <a:p>
             <a:pPr lvl="1"/>
             <a:r>
-              <a:rPr lang="en-US" dirty="0" smtClean="0">
+              <a:rPr lang="en-US" dirty="0">
                 <a:solidFill>
                   <a:srgbClr val="C00000"/>
                 </a:solidFill>
@@ -9390,7 +9385,7 @@
               <a:t>$ </a:t>
             </a:r>
             <a:r>
-              <a:rPr lang="en-US" dirty="0" err="1" smtClean="0">
+              <a:rPr lang="en-US" dirty="0" err="1">
                 <a:solidFill>
                   <a:srgbClr val="C00000"/>
                 </a:solidFill>
@@ -9398,7 +9393,7 @@
               <a:t>git</a:t>
             </a:r>
             <a:r>
-              <a:rPr lang="en-US" dirty="0" smtClean="0">
+              <a:rPr lang="en-US" dirty="0">
                 <a:solidFill>
                   <a:srgbClr val="C00000"/>
                 </a:solidFill>
@@ -9409,7 +9404,7 @@
           <a:p>
             <a:pPr lvl="1"/>
             <a:r>
-              <a:rPr lang="en-US" dirty="0" smtClean="0">
+              <a:rPr lang="en-US" dirty="0">
                 <a:solidFill>
                   <a:srgbClr val="C00000"/>
                 </a:solidFill>
@@ -9417,7 +9412,7 @@
               <a:t>$ </a:t>
             </a:r>
             <a:r>
-              <a:rPr lang="en-US" dirty="0" err="1" smtClean="0">
+              <a:rPr lang="en-US" dirty="0" err="1">
                 <a:solidFill>
                   <a:srgbClr val="C00000"/>
                 </a:solidFill>
@@ -9425,7 +9420,7 @@
               <a:t>git</a:t>
             </a:r>
             <a:r>
-              <a:rPr lang="en-US" dirty="0" smtClean="0">
+              <a:rPr lang="en-US" dirty="0">
                 <a:solidFill>
                   <a:srgbClr val="C00000"/>
                 </a:solidFill>
@@ -9433,58 +9428,57 @@
               <a:t> checkout -b testing </a:t>
             </a:r>
             <a:r>
-              <a:rPr lang="en-US" dirty="0" smtClean="0"/>
+              <a:rPr lang="en-US" dirty="0"/>
               <a:t>(</a:t>
             </a:r>
             <a:r>
-              <a:rPr lang="en-US" dirty="0" err="1" smtClean="0"/>
+              <a:rPr lang="en-US" dirty="0" err="1"/>
               <a:t>tạo</a:t>
             </a:r>
             <a:r>
-              <a:rPr lang="en-US" dirty="0" smtClean="0"/>
-              <a:t> </a:t>
-            </a:r>
-            <a:r>
-              <a:rPr lang="en-US" dirty="0" err="1" smtClean="0"/>
+              <a:rPr lang="en-US" dirty="0"/>
+              <a:t> </a:t>
+            </a:r>
+            <a:r>
+              <a:rPr lang="en-US" dirty="0" err="1"/>
               <a:t>nhánh</a:t>
             </a:r>
             <a:r>
-              <a:rPr lang="en-US" dirty="0" smtClean="0"/>
+              <a:rPr lang="en-US" dirty="0"/>
               <a:t> testing </a:t>
             </a:r>
             <a:r>
-              <a:rPr lang="en-US" dirty="0" err="1" smtClean="0"/>
+              <a:rPr lang="en-US" dirty="0" err="1"/>
               <a:t>và</a:t>
             </a:r>
             <a:r>
-              <a:rPr lang="en-US" dirty="0" smtClean="0"/>
-              <a:t> </a:t>
-            </a:r>
-            <a:r>
-              <a:rPr lang="en-US" dirty="0" err="1" smtClean="0"/>
+              <a:rPr lang="en-US" dirty="0"/>
+              <a:t> </a:t>
+            </a:r>
+            <a:r>
+              <a:rPr lang="en-US" dirty="0" err="1"/>
               <a:t>chuyển</a:t>
             </a:r>
             <a:r>
-              <a:rPr lang="en-US" dirty="0" smtClean="0"/>
+              <a:rPr lang="en-US" dirty="0"/>
               <a:t> sang </a:t>
             </a:r>
             <a:r>
-              <a:rPr lang="en-US" dirty="0" err="1" smtClean="0"/>
+              <a:rPr lang="en-US" dirty="0" err="1"/>
               <a:t>nhánh</a:t>
             </a:r>
             <a:r>
-              <a:rPr lang="en-US" dirty="0" smtClean="0"/>
-              <a:t> </a:t>
-            </a:r>
-            <a:r>
-              <a:rPr lang="en-US" dirty="0" err="1" smtClean="0"/>
+              <a:rPr lang="en-US" dirty="0"/>
+              <a:t> </a:t>
+            </a:r>
+            <a:r>
+              <a:rPr lang="en-US" dirty="0" err="1"/>
               <a:t>mới</a:t>
             </a:r>
             <a:r>
               <a:rPr lang="en-US" dirty="0"/>
               <a:t>)</a:t>
             </a:r>
-            <a:endParaRPr lang="en-US" dirty="0" smtClean="0"/>
           </a:p>
         </p:txBody>
       </p:sp>
@@ -9580,14 +9574,13 @@
           <a:lstStyle/>
           <a:p>
             <a:r>
-              <a:rPr lang="en-US" dirty="0" err="1" smtClean="0"/>
+              <a:rPr lang="en-US" dirty="0" err="1"/>
               <a:t>Git</a:t>
             </a:r>
             <a:r>
-              <a:rPr lang="en-US" dirty="0" smtClean="0"/>
+              <a:rPr lang="en-US" dirty="0"/>
               <a:t> branch</a:t>
             </a:r>
-            <a:endParaRPr lang="en-US" dirty="0"/>
           </a:p>
         </p:txBody>
       </p:sp>
@@ -9612,27 +9605,27 @@
           <a:lstStyle/>
           <a:p>
             <a:r>
-              <a:rPr lang="en-US" dirty="0" err="1" smtClean="0"/>
+              <a:rPr lang="en-US" dirty="0" err="1"/>
               <a:t>Chuyển</a:t>
             </a:r>
             <a:r>
-              <a:rPr lang="en-US" dirty="0" smtClean="0"/>
+              <a:rPr lang="en-US" dirty="0"/>
               <a:t> sang </a:t>
             </a:r>
             <a:r>
-              <a:rPr lang="en-US" dirty="0" err="1" smtClean="0"/>
+              <a:rPr lang="en-US" dirty="0" err="1"/>
               <a:t>nhanh</a:t>
             </a:r>
             <a:r>
-              <a:rPr lang="en-US" dirty="0" smtClean="0"/>
-              <a:t> </a:t>
-            </a:r>
-            <a:r>
-              <a:rPr lang="en-US" dirty="0" err="1" smtClean="0"/>
+              <a:rPr lang="en-US" dirty="0"/>
+              <a:t> </a:t>
+            </a:r>
+            <a:r>
+              <a:rPr lang="en-US" dirty="0" err="1"/>
               <a:t>khác</a:t>
             </a:r>
             <a:r>
-              <a:rPr lang="en-US" dirty="0" smtClean="0"/>
+              <a:rPr lang="en-US" dirty="0"/>
               <a:t>:</a:t>
             </a:r>
           </a:p>
@@ -9641,7 +9634,7 @@
               <a:buNone/>
             </a:pPr>
             <a:r>
-              <a:rPr lang="en-US" dirty="0" smtClean="0">
+              <a:rPr lang="en-US" dirty="0">
                 <a:solidFill>
                   <a:srgbClr val="C00000"/>
                 </a:solidFill>
@@ -9649,7 +9642,7 @@
               <a:t>$ </a:t>
             </a:r>
             <a:r>
-              <a:rPr lang="en-US" dirty="0" err="1" smtClean="0">
+              <a:rPr lang="en-US" dirty="0" err="1">
                 <a:solidFill>
                   <a:srgbClr val="C00000"/>
                 </a:solidFill>
@@ -9657,7 +9650,7 @@
               <a:t>git</a:t>
             </a:r>
             <a:r>
-              <a:rPr lang="en-US" dirty="0" smtClean="0">
+              <a:rPr lang="en-US" dirty="0">
                 <a:solidFill>
                   <a:srgbClr val="C00000"/>
                 </a:solidFill>
@@ -9665,11 +9658,11 @@
               <a:t> checkout testing</a:t>
             </a:r>
             <a:r>
-              <a:rPr lang="en-US" dirty="0" smtClean="0"/>
+              <a:rPr lang="en-US" dirty="0"/>
               <a:t>		</a:t>
             </a:r>
             <a:r>
-              <a:rPr lang="en-US" dirty="0" smtClean="0">
+              <a:rPr lang="en-US" dirty="0">
                 <a:solidFill>
                   <a:srgbClr val="FF0000"/>
                 </a:solidFill>
@@ -9677,21 +9670,21 @@
               <a:t>*</a:t>
             </a:r>
             <a:r>
-              <a:rPr lang="en-US" dirty="0" smtClean="0"/>
+              <a:rPr lang="en-US" dirty="0"/>
               <a:t>$ </a:t>
             </a:r>
             <a:r>
-              <a:rPr lang="en-US" dirty="0" err="1" smtClean="0"/>
+              <a:rPr lang="en-US" dirty="0" err="1"/>
               <a:t>git</a:t>
             </a:r>
             <a:r>
-              <a:rPr lang="en-US" dirty="0" smtClean="0"/>
+              <a:rPr lang="en-US" dirty="0"/>
               <a:t> checkout f30ab</a:t>
             </a:r>
           </a:p>
           <a:p>
             <a:pPr lvl="1"/>
-            <a:endParaRPr lang="en-US" dirty="0" smtClean="0"/>
+            <a:endParaRPr lang="en-US" dirty="0"/>
           </a:p>
         </p:txBody>
       </p:sp>
@@ -9787,14 +9780,13 @@
           <a:lstStyle/>
           <a:p>
             <a:r>
-              <a:rPr lang="en-US" dirty="0" err="1" smtClean="0"/>
+              <a:rPr lang="en-US" dirty="0" err="1"/>
               <a:t>Git</a:t>
             </a:r>
             <a:r>
-              <a:rPr lang="en-US" dirty="0" smtClean="0"/>
+              <a:rPr lang="en-US" dirty="0"/>
               <a:t> branch</a:t>
             </a:r>
-            <a:endParaRPr lang="en-US" dirty="0"/>
           </a:p>
         </p:txBody>
       </p:sp>
@@ -9819,35 +9811,35 @@
           <a:lstStyle/>
           <a:p>
             <a:r>
-              <a:rPr lang="en-US" dirty="0" err="1" smtClean="0"/>
+              <a:rPr lang="en-US" dirty="0" err="1"/>
               <a:t>Nếu</a:t>
             </a:r>
             <a:r>
-              <a:rPr lang="en-US" dirty="0" smtClean="0"/>
-              <a:t> </a:t>
-            </a:r>
-            <a:r>
-              <a:rPr lang="en-US" dirty="0" err="1" smtClean="0"/>
+              <a:rPr lang="en-US" dirty="0"/>
+              <a:t> </a:t>
+            </a:r>
+            <a:r>
+              <a:rPr lang="en-US" dirty="0" err="1"/>
               <a:t>thực</a:t>
             </a:r>
             <a:r>
-              <a:rPr lang="en-US" dirty="0" smtClean="0"/>
-              <a:t> </a:t>
-            </a:r>
-            <a:r>
-              <a:rPr lang="en-US" dirty="0" err="1" smtClean="0"/>
+              <a:rPr lang="en-US" dirty="0"/>
+              <a:t> </a:t>
+            </a:r>
+            <a:r>
+              <a:rPr lang="en-US" dirty="0" err="1"/>
               <a:t>hiện</a:t>
             </a:r>
             <a:r>
-              <a:rPr lang="en-US" dirty="0" smtClean="0"/>
+              <a:rPr lang="en-US" dirty="0"/>
               <a:t> 1 commit </a:t>
             </a:r>
             <a:r>
-              <a:rPr lang="en-US" dirty="0" err="1" smtClean="0"/>
+              <a:rPr lang="en-US" dirty="0" err="1"/>
               <a:t>khác</a:t>
             </a:r>
             <a:r>
-              <a:rPr lang="en-US" dirty="0" smtClean="0"/>
+              <a:rPr lang="en-US" dirty="0"/>
               <a:t>:</a:t>
             </a:r>
           </a:p>
@@ -9945,14 +9937,13 @@
           <a:lstStyle/>
           <a:p>
             <a:r>
-              <a:rPr lang="en-US" dirty="0" err="1" smtClean="0"/>
+              <a:rPr lang="en-US" dirty="0" err="1"/>
               <a:t>Git</a:t>
             </a:r>
             <a:r>
-              <a:rPr lang="en-US" dirty="0" smtClean="0"/>
+              <a:rPr lang="en-US" dirty="0"/>
               <a:t> branch</a:t>
             </a:r>
-            <a:endParaRPr lang="en-US" dirty="0"/>
           </a:p>
         </p:txBody>
       </p:sp>
@@ -9977,35 +9968,35 @@
           <a:lstStyle/>
           <a:p>
             <a:r>
-              <a:rPr lang="en-US" dirty="0" err="1" smtClean="0"/>
+              <a:rPr lang="en-US" dirty="0" err="1"/>
               <a:t>Chuyển</a:t>
             </a:r>
             <a:r>
-              <a:rPr lang="en-US" dirty="0" smtClean="0"/>
-              <a:t> </a:t>
-            </a:r>
-            <a:r>
-              <a:rPr lang="en-US" dirty="0" err="1" smtClean="0"/>
+              <a:rPr lang="en-US" dirty="0"/>
+              <a:t> </a:t>
+            </a:r>
+            <a:r>
+              <a:rPr lang="en-US" dirty="0" err="1"/>
               <a:t>về</a:t>
             </a:r>
             <a:r>
-              <a:rPr lang="en-US" dirty="0" smtClean="0"/>
-              <a:t> </a:t>
-            </a:r>
-            <a:r>
-              <a:rPr lang="en-US" dirty="0" err="1" smtClean="0"/>
+              <a:rPr lang="en-US" dirty="0"/>
+              <a:t> </a:t>
+            </a:r>
+            <a:r>
+              <a:rPr lang="en-US" dirty="0" err="1"/>
               <a:t>nhánh</a:t>
             </a:r>
             <a:r>
-              <a:rPr lang="en-US" dirty="0" smtClean="0"/>
+              <a:rPr lang="en-US" dirty="0"/>
               <a:t> Master </a:t>
             </a:r>
             <a:r>
-              <a:rPr lang="en-US" dirty="0" err="1" smtClean="0"/>
+              <a:rPr lang="en-US" dirty="0" err="1"/>
               <a:t>và</a:t>
             </a:r>
             <a:r>
-              <a:rPr lang="en-US" dirty="0" smtClean="0"/>
+              <a:rPr lang="en-US" dirty="0"/>
               <a:t> commit.</a:t>
             </a:r>
           </a:p>
@@ -10144,14 +10135,13 @@
           <a:lstStyle/>
           <a:p>
             <a:r>
-              <a:rPr lang="en-US" dirty="0" err="1" smtClean="0"/>
+              <a:rPr lang="en-US" dirty="0" err="1"/>
               <a:t>Git</a:t>
             </a:r>
             <a:r>
-              <a:rPr lang="en-US" dirty="0" smtClean="0"/>
+              <a:rPr lang="en-US" dirty="0"/>
               <a:t> branch - remote</a:t>
             </a:r>
-            <a:endParaRPr lang="en-US" dirty="0"/>
           </a:p>
         </p:txBody>
       </p:sp>
@@ -10176,152 +10166,152 @@
           <a:lstStyle/>
           <a:p>
             <a:r>
-              <a:rPr lang="en-US" dirty="0" err="1" smtClean="0"/>
+              <a:rPr lang="en-US" dirty="0" err="1"/>
               <a:t>Nhánh</a:t>
             </a:r>
             <a:r>
-              <a:rPr lang="en-US" dirty="0" smtClean="0"/>
-              <a:t> </a:t>
-            </a:r>
-            <a:r>
-              <a:rPr lang="en-US" dirty="0" err="1" smtClean="0"/>
+              <a:rPr lang="en-US" dirty="0"/>
+              <a:t> </a:t>
+            </a:r>
+            <a:r>
+              <a:rPr lang="en-US" dirty="0" err="1"/>
               <a:t>từ</a:t>
             </a:r>
             <a:r>
-              <a:rPr lang="en-US" dirty="0" smtClean="0"/>
-              <a:t> </a:t>
-            </a:r>
-            <a:r>
-              <a:rPr lang="en-US" dirty="0" err="1" smtClean="0"/>
+              <a:rPr lang="en-US" dirty="0"/>
+              <a:t> </a:t>
+            </a:r>
+            <a:r>
+              <a:rPr lang="en-US" dirty="0" err="1"/>
               <a:t>xa</a:t>
             </a:r>
             <a:r>
-              <a:rPr lang="en-US" dirty="0" smtClean="0"/>
+              <a:rPr lang="en-US" dirty="0"/>
               <a:t> (remote) </a:t>
             </a:r>
             <a:r>
-              <a:rPr lang="en-US" dirty="0" err="1" smtClean="0"/>
+              <a:rPr lang="en-US" dirty="0" err="1"/>
               <a:t>là</a:t>
             </a:r>
             <a:r>
-              <a:rPr lang="en-US" dirty="0" smtClean="0"/>
-              <a:t> </a:t>
-            </a:r>
-            <a:r>
-              <a:rPr lang="en-US" dirty="0" err="1" smtClean="0"/>
+              <a:rPr lang="en-US" dirty="0"/>
+              <a:t> </a:t>
+            </a:r>
+            <a:r>
+              <a:rPr lang="en-US" dirty="0" err="1"/>
               <a:t>các</a:t>
             </a:r>
             <a:r>
-              <a:rPr lang="en-US" dirty="0" smtClean="0"/>
-              <a:t> </a:t>
-            </a:r>
-            <a:r>
-              <a:rPr lang="en-US" dirty="0" err="1" smtClean="0"/>
+              <a:rPr lang="en-US" dirty="0"/>
+              <a:t> </a:t>
+            </a:r>
+            <a:r>
+              <a:rPr lang="en-US" dirty="0" err="1"/>
               <a:t>tham</a:t>
             </a:r>
             <a:r>
-              <a:rPr lang="en-US" dirty="0" smtClean="0"/>
-              <a:t> </a:t>
-            </a:r>
-            <a:r>
-              <a:rPr lang="en-US" dirty="0" err="1" smtClean="0"/>
+              <a:rPr lang="en-US" dirty="0"/>
+              <a:t> </a:t>
+            </a:r>
+            <a:r>
+              <a:rPr lang="en-US" dirty="0" err="1"/>
               <a:t>chiếu</a:t>
             </a:r>
             <a:r>
-              <a:rPr lang="en-US" dirty="0" smtClean="0"/>
-              <a:t> </a:t>
-            </a:r>
-            <a:r>
-              <a:rPr lang="en-US" dirty="0" err="1" smtClean="0"/>
+              <a:rPr lang="en-US" dirty="0"/>
+              <a:t> </a:t>
+            </a:r>
+            <a:r>
+              <a:rPr lang="en-US" dirty="0" err="1"/>
               <a:t>tới</a:t>
             </a:r>
             <a:r>
-              <a:rPr lang="en-US" dirty="0" smtClean="0"/>
-              <a:t> </a:t>
-            </a:r>
-            <a:r>
-              <a:rPr lang="en-US" dirty="0" err="1" smtClean="0"/>
+              <a:rPr lang="en-US" dirty="0"/>
+              <a:t> </a:t>
+            </a:r>
+            <a:r>
+              <a:rPr lang="en-US" dirty="0" err="1"/>
               <a:t>trạng</a:t>
             </a:r>
             <a:r>
-              <a:rPr lang="en-US" dirty="0" smtClean="0"/>
-              <a:t> </a:t>
-            </a:r>
-            <a:r>
-              <a:rPr lang="en-US" dirty="0" err="1" smtClean="0"/>
+              <a:rPr lang="en-US" dirty="0"/>
+              <a:t> </a:t>
+            </a:r>
+            <a:r>
+              <a:rPr lang="en-US" dirty="0" err="1"/>
               <a:t>thái</a:t>
             </a:r>
             <a:r>
-              <a:rPr lang="en-US" dirty="0" smtClean="0"/>
-              <a:t> </a:t>
-            </a:r>
-            <a:r>
-              <a:rPr lang="en-US" dirty="0" err="1" smtClean="0"/>
+              <a:rPr lang="en-US" dirty="0"/>
+              <a:t> </a:t>
+            </a:r>
+            <a:r>
+              <a:rPr lang="en-US" dirty="0" err="1"/>
               <a:t>của</a:t>
             </a:r>
             <a:r>
-              <a:rPr lang="en-US" dirty="0" smtClean="0"/>
-              <a:t> </a:t>
-            </a:r>
-            <a:r>
-              <a:rPr lang="en-US" dirty="0" err="1" smtClean="0"/>
+              <a:rPr lang="en-US" dirty="0"/>
+              <a:t> </a:t>
+            </a:r>
+            <a:r>
+              <a:rPr lang="en-US" dirty="0" err="1"/>
               <a:t>các</a:t>
             </a:r>
             <a:r>
-              <a:rPr lang="en-US" dirty="0" smtClean="0"/>
-              <a:t> </a:t>
-            </a:r>
-            <a:r>
-              <a:rPr lang="en-US" dirty="0" err="1" smtClean="0"/>
+              <a:rPr lang="en-US" dirty="0"/>
+              <a:t> </a:t>
+            </a:r>
+            <a:r>
+              <a:rPr lang="en-US" dirty="0" err="1"/>
               <a:t>nhánh</a:t>
             </a:r>
             <a:r>
-              <a:rPr lang="en-US" dirty="0" smtClean="0"/>
-              <a:t> </a:t>
-            </a:r>
-            <a:r>
-              <a:rPr lang="en-US" dirty="0" err="1" smtClean="0"/>
+              <a:rPr lang="en-US" dirty="0"/>
+              <a:t> </a:t>
+            </a:r>
+            <a:r>
+              <a:rPr lang="en-US" dirty="0" err="1"/>
               <a:t>trên</a:t>
             </a:r>
             <a:r>
-              <a:rPr lang="en-US" dirty="0" smtClean="0"/>
-              <a:t> </a:t>
-            </a:r>
-            <a:r>
-              <a:rPr lang="en-US" dirty="0" err="1" smtClean="0"/>
+              <a:rPr lang="en-US" dirty="0"/>
+              <a:t> </a:t>
+            </a:r>
+            <a:r>
+              <a:rPr lang="en-US" dirty="0" err="1"/>
               <a:t>kho</a:t>
             </a:r>
             <a:r>
-              <a:rPr lang="en-US" dirty="0" smtClean="0"/>
-              <a:t> </a:t>
-            </a:r>
-            <a:r>
-              <a:rPr lang="en-US" dirty="0" err="1" smtClean="0"/>
+              <a:rPr lang="en-US" dirty="0"/>
+              <a:t> </a:t>
+            </a:r>
+            <a:r>
+              <a:rPr lang="en-US" dirty="0" err="1"/>
               <a:t>chứa</a:t>
             </a:r>
             <a:r>
-              <a:rPr lang="en-US" dirty="0" smtClean="0"/>
-              <a:t> </a:t>
-            </a:r>
-            <a:r>
-              <a:rPr lang="en-US" dirty="0" err="1" smtClean="0"/>
+              <a:rPr lang="en-US" dirty="0"/>
+              <a:t> </a:t>
+            </a:r>
+            <a:r>
+              <a:rPr lang="en-US" dirty="0" err="1"/>
               <a:t>trung</a:t>
             </a:r>
             <a:r>
-              <a:rPr lang="en-US" dirty="0" smtClean="0"/>
-              <a:t> </a:t>
-            </a:r>
-            <a:r>
-              <a:rPr lang="en-US" dirty="0" err="1" smtClean="0"/>
+              <a:rPr lang="en-US" dirty="0"/>
+              <a:t> </a:t>
+            </a:r>
+            <a:r>
+              <a:rPr lang="en-US" dirty="0" err="1"/>
               <a:t>tâm</a:t>
             </a:r>
             <a:r>
-              <a:rPr lang="en-US" dirty="0" smtClean="0"/>
+              <a:rPr lang="en-US" dirty="0"/>
               <a:t>.</a:t>
             </a:r>
           </a:p>
           <a:p>
-            <a:endParaRPr lang="en-US" b="1" dirty="0" smtClean="0"/>
+            <a:endParaRPr lang="en-US" b="1" dirty="0"/>
           </a:p>
         </p:txBody>
       </p:sp>
@@ -10417,14 +10407,13 @@
           <a:lstStyle/>
           <a:p>
             <a:r>
-              <a:rPr lang="en-US" dirty="0" err="1" smtClean="0"/>
+              <a:rPr lang="en-US" dirty="0" err="1"/>
               <a:t>Git</a:t>
             </a:r>
             <a:r>
-              <a:rPr lang="en-US" dirty="0" smtClean="0"/>
+              <a:rPr lang="en-US" dirty="0"/>
               <a:t> branch - remote</a:t>
             </a:r>
-            <a:endParaRPr lang="en-US" dirty="0"/>
           </a:p>
         </p:txBody>
       </p:sp>
@@ -10448,7 +10437,7 @@
           <a:bodyPr/>
           <a:lstStyle/>
           <a:p>
-            <a:endParaRPr lang="en-US" dirty="0" smtClean="0"/>
+            <a:endParaRPr lang="en-US" dirty="0"/>
           </a:p>
         </p:txBody>
       </p:sp>
@@ -10544,14 +10533,13 @@
           <a:lstStyle/>
           <a:p>
             <a:r>
-              <a:rPr lang="en-US" dirty="0" err="1" smtClean="0"/>
+              <a:rPr lang="en-US" dirty="0" err="1"/>
               <a:t>Git</a:t>
             </a:r>
             <a:r>
-              <a:rPr lang="en-US" dirty="0" smtClean="0"/>
+              <a:rPr lang="en-US" dirty="0"/>
               <a:t> branch - remote</a:t>
             </a:r>
-            <a:endParaRPr lang="en-US" dirty="0"/>
           </a:p>
         </p:txBody>
       </p:sp>
@@ -10575,7 +10563,7 @@
           <a:bodyPr/>
           <a:lstStyle/>
           <a:p>
-            <a:endParaRPr lang="en-US" dirty="0" smtClean="0"/>
+            <a:endParaRPr lang="en-US" dirty="0"/>
           </a:p>
         </p:txBody>
       </p:sp>
@@ -10671,14 +10659,13 @@
           <a:lstStyle/>
           <a:p>
             <a:r>
-              <a:rPr lang="en-US" dirty="0" err="1" smtClean="0"/>
+              <a:rPr lang="en-US" dirty="0" err="1"/>
               <a:t>Git</a:t>
             </a:r>
             <a:r>
-              <a:rPr lang="en-US" dirty="0" smtClean="0"/>
+              <a:rPr lang="en-US" dirty="0"/>
               <a:t> merge branch</a:t>
             </a:r>
-            <a:endParaRPr lang="en-US" dirty="0"/>
           </a:p>
         </p:txBody>
       </p:sp>
@@ -10706,7 +10693,7 @@
               <a:buNone/>
             </a:pPr>
             <a:r>
-              <a:rPr lang="en-US" dirty="0" smtClean="0">
+              <a:rPr lang="en-US" dirty="0">
                 <a:solidFill>
                   <a:srgbClr val="C00000"/>
                 </a:solidFill>
@@ -10714,7 +10701,7 @@
               <a:t>$ </a:t>
             </a:r>
             <a:r>
-              <a:rPr lang="en-US" dirty="0" err="1" smtClean="0">
+              <a:rPr lang="en-US" dirty="0" err="1">
                 <a:solidFill>
                   <a:srgbClr val="C00000"/>
                 </a:solidFill>
@@ -10727,15 +10714,7 @@
                   <a:srgbClr val="C00000"/>
                 </a:solidFill>
               </a:rPr>
-              <a:t> </a:t>
-            </a:r>
-            <a:r>
-              <a:rPr lang="en-US" dirty="0" smtClean="0">
-                <a:solidFill>
-                  <a:srgbClr val="C00000"/>
-                </a:solidFill>
-              </a:rPr>
-              <a:t>checkout master</a:t>
+              <a:t> checkout master</a:t>
             </a:r>
           </a:p>
           <a:p>
@@ -10743,7 +10722,7 @@
               <a:buNone/>
             </a:pPr>
             <a:r>
-              <a:rPr lang="en-US" dirty="0" smtClean="0">
+              <a:rPr lang="en-US" dirty="0">
                 <a:solidFill>
                   <a:srgbClr val="C00000"/>
                 </a:solidFill>
@@ -10751,7 +10730,7 @@
               <a:t>$ </a:t>
             </a:r>
             <a:r>
-              <a:rPr lang="en-US" dirty="0" err="1" smtClean="0">
+              <a:rPr lang="en-US" dirty="0" err="1">
                 <a:solidFill>
                   <a:srgbClr val="C00000"/>
                 </a:solidFill>
@@ -10759,7 +10738,7 @@
               <a:t>git</a:t>
             </a:r>
             <a:r>
-              <a:rPr lang="en-US" dirty="0" smtClean="0">
+              <a:rPr lang="en-US" dirty="0">
                 <a:solidFill>
                   <a:srgbClr val="C00000"/>
                 </a:solidFill>
@@ -10902,14 +10881,13 @@
           <a:lstStyle/>
           <a:p>
             <a:r>
-              <a:rPr lang="en-US" dirty="0" err="1" smtClean="0"/>
+              <a:rPr lang="en-US" dirty="0" err="1"/>
               <a:t>Git</a:t>
             </a:r>
             <a:r>
-              <a:rPr lang="en-US" dirty="0" smtClean="0"/>
+              <a:rPr lang="en-US" dirty="0"/>
               <a:t> merge branch</a:t>
             </a:r>
-            <a:endParaRPr lang="en-US" dirty="0"/>
           </a:p>
         </p:txBody>
       </p:sp>
@@ -10937,7 +10915,7 @@
               <a:buNone/>
             </a:pPr>
             <a:r>
-              <a:rPr lang="en-US" dirty="0" smtClean="0">
+              <a:rPr lang="en-US" dirty="0">
                 <a:solidFill>
                   <a:srgbClr val="C00000"/>
                 </a:solidFill>
@@ -10945,7 +10923,7 @@
               <a:t>$ </a:t>
             </a:r>
             <a:r>
-              <a:rPr lang="en-US" dirty="0" err="1" smtClean="0">
+              <a:rPr lang="en-US" dirty="0" err="1">
                 <a:solidFill>
                   <a:srgbClr val="C00000"/>
                 </a:solidFill>
@@ -10953,7 +10931,7 @@
               <a:t>git</a:t>
             </a:r>
             <a:r>
-              <a:rPr lang="en-US" dirty="0" smtClean="0">
+              <a:rPr lang="en-US" dirty="0">
                 <a:solidFill>
                   <a:srgbClr val="C00000"/>
                 </a:solidFill>
@@ -10966,7 +10944,7 @@
               <a:buNone/>
             </a:pPr>
             <a:r>
-              <a:rPr lang="en-US" dirty="0" smtClean="0">
+              <a:rPr lang="en-US" dirty="0">
                 <a:solidFill>
                   <a:srgbClr val="C00000"/>
                 </a:solidFill>
@@ -10974,7 +10952,7 @@
               <a:t>$ </a:t>
             </a:r>
             <a:r>
-              <a:rPr lang="en-US" dirty="0" err="1" smtClean="0">
+              <a:rPr lang="en-US" dirty="0" err="1">
                 <a:solidFill>
                   <a:srgbClr val="C00000"/>
                 </a:solidFill>
@@ -10982,7 +10960,7 @@
               <a:t>git</a:t>
             </a:r>
             <a:r>
-              <a:rPr lang="en-US" dirty="0" smtClean="0">
+              <a:rPr lang="en-US" dirty="0">
                 <a:solidFill>
                   <a:srgbClr val="C00000"/>
                 </a:solidFill>
@@ -11125,14 +11103,13 @@
           <a:lstStyle/>
           <a:p>
             <a:r>
-              <a:rPr lang="en-US" dirty="0" err="1" smtClean="0"/>
+              <a:rPr lang="en-US" dirty="0" err="1"/>
               <a:t>Git</a:t>
             </a:r>
             <a:r>
-              <a:rPr lang="en-US" dirty="0" smtClean="0"/>
+              <a:rPr lang="en-US" dirty="0"/>
               <a:t> rebase branch</a:t>
             </a:r>
-            <a:endParaRPr lang="en-US" dirty="0"/>
           </a:p>
         </p:txBody>
       </p:sp>
@@ -11157,132 +11134,132 @@
           <a:lstStyle/>
           <a:p>
             <a:r>
-              <a:rPr lang="en-US" dirty="0" smtClean="0"/>
+              <a:rPr lang="en-US" dirty="0"/>
               <a:t>Rebase </a:t>
             </a:r>
             <a:r>
-              <a:rPr lang="en-US" dirty="0" err="1" smtClean="0"/>
+              <a:rPr lang="en-US" dirty="0" err="1"/>
               <a:t>là</a:t>
             </a:r>
             <a:r>
-              <a:rPr lang="en-US" dirty="0" smtClean="0"/>
-              <a:t> </a:t>
-            </a:r>
-            <a:r>
-              <a:rPr lang="en-US" dirty="0" err="1" smtClean="0"/>
+              <a:rPr lang="en-US" dirty="0"/>
+              <a:t> </a:t>
+            </a:r>
+            <a:r>
+              <a:rPr lang="en-US" dirty="0" err="1"/>
               <a:t>một</a:t>
             </a:r>
             <a:r>
-              <a:rPr lang="en-US" dirty="0" smtClean="0"/>
-              <a:t> </a:t>
-            </a:r>
-            <a:r>
-              <a:rPr lang="en-US" dirty="0" err="1" smtClean="0"/>
+              <a:rPr lang="en-US" dirty="0"/>
+              <a:t> </a:t>
+            </a:r>
+            <a:r>
+              <a:rPr lang="en-US" dirty="0" err="1"/>
               <a:t>cách</a:t>
             </a:r>
             <a:r>
-              <a:rPr lang="en-US" dirty="0" smtClean="0"/>
-              <a:t> </a:t>
-            </a:r>
-            <a:r>
-              <a:rPr lang="en-US" dirty="0" err="1" smtClean="0"/>
+              <a:rPr lang="en-US" dirty="0"/>
+              <a:t> </a:t>
+            </a:r>
+            <a:r>
+              <a:rPr lang="en-US" dirty="0" err="1"/>
               <a:t>khác</a:t>
             </a:r>
             <a:r>
-              <a:rPr lang="en-US" dirty="0" smtClean="0"/>
-              <a:t> </a:t>
-            </a:r>
-            <a:r>
-              <a:rPr lang="en-US" dirty="0" err="1" smtClean="0"/>
+              <a:rPr lang="en-US" dirty="0"/>
+              <a:t> </a:t>
+            </a:r>
+            <a:r>
+              <a:rPr lang="en-US" dirty="0" err="1"/>
               <a:t>để</a:t>
             </a:r>
             <a:r>
-              <a:rPr lang="en-US" dirty="0" smtClean="0"/>
-              <a:t> </a:t>
-            </a:r>
-            <a:r>
-              <a:rPr lang="en-US" dirty="0" err="1" smtClean="0"/>
+              <a:rPr lang="en-US" dirty="0"/>
+              <a:t> </a:t>
+            </a:r>
+            <a:r>
+              <a:rPr lang="en-US" dirty="0" err="1"/>
               <a:t>tích</a:t>
             </a:r>
             <a:r>
-              <a:rPr lang="en-US" dirty="0" smtClean="0"/>
-              <a:t> </a:t>
-            </a:r>
-            <a:r>
-              <a:rPr lang="en-US" dirty="0" err="1" smtClean="0"/>
+              <a:rPr lang="en-US" dirty="0"/>
+              <a:t> </a:t>
+            </a:r>
+            <a:r>
+              <a:rPr lang="en-US" dirty="0" err="1"/>
               <a:t>hợp</a:t>
             </a:r>
             <a:r>
-              <a:rPr lang="en-US" dirty="0" smtClean="0"/>
-              <a:t> </a:t>
-            </a:r>
-            <a:r>
-              <a:rPr lang="en-US" dirty="0" err="1" smtClean="0"/>
+              <a:rPr lang="en-US" dirty="0"/>
+              <a:t> </a:t>
+            </a:r>
+            <a:r>
+              <a:rPr lang="en-US" dirty="0" err="1"/>
               <a:t>thay</a:t>
             </a:r>
             <a:r>
-              <a:rPr lang="en-US" dirty="0" smtClean="0"/>
-              <a:t> </a:t>
-            </a:r>
-            <a:r>
-              <a:rPr lang="en-US" dirty="0" err="1" smtClean="0"/>
+              <a:rPr lang="en-US" dirty="0"/>
+              <a:t> </a:t>
+            </a:r>
+            <a:r>
+              <a:rPr lang="en-US" dirty="0" err="1"/>
               <a:t>đổi</a:t>
             </a:r>
             <a:r>
-              <a:rPr lang="en-US" dirty="0" smtClean="0"/>
-              <a:t> </a:t>
-            </a:r>
-            <a:r>
-              <a:rPr lang="en-US" dirty="0" err="1" smtClean="0"/>
+              <a:rPr lang="en-US" dirty="0"/>
+              <a:t> </a:t>
+            </a:r>
+            <a:r>
+              <a:rPr lang="en-US" dirty="0" err="1"/>
               <a:t>từ</a:t>
             </a:r>
             <a:r>
-              <a:rPr lang="en-US" dirty="0" smtClean="0"/>
-              <a:t> </a:t>
-            </a:r>
-            <a:r>
-              <a:rPr lang="en-US" dirty="0" err="1" smtClean="0"/>
+              <a:rPr lang="en-US" dirty="0"/>
+              <a:t> </a:t>
+            </a:r>
+            <a:r>
+              <a:rPr lang="en-US" dirty="0" err="1"/>
               <a:t>nhánh</a:t>
             </a:r>
             <a:r>
-              <a:rPr lang="en-US" dirty="0" smtClean="0"/>
-              <a:t> </a:t>
-            </a:r>
-            <a:r>
-              <a:rPr lang="en-US" dirty="0" err="1" smtClean="0"/>
+              <a:rPr lang="en-US" dirty="0"/>
+              <a:t> </a:t>
+            </a:r>
+            <a:r>
+              <a:rPr lang="en-US" dirty="0" err="1"/>
               <a:t>này</a:t>
             </a:r>
             <a:r>
-              <a:rPr lang="en-US" dirty="0" smtClean="0"/>
-              <a:t> </a:t>
-            </a:r>
-            <a:r>
-              <a:rPr lang="en-US" dirty="0" err="1" smtClean="0"/>
+              <a:rPr lang="en-US" dirty="0"/>
+              <a:t> </a:t>
+            </a:r>
+            <a:r>
+              <a:rPr lang="en-US" dirty="0" err="1"/>
               <a:t>vào</a:t>
             </a:r>
             <a:r>
-              <a:rPr lang="en-US" dirty="0" smtClean="0"/>
-              <a:t> </a:t>
-            </a:r>
-            <a:r>
-              <a:rPr lang="en-US" dirty="0" err="1" smtClean="0"/>
+              <a:rPr lang="en-US" dirty="0"/>
+              <a:t> </a:t>
+            </a:r>
+            <a:r>
+              <a:rPr lang="en-US" dirty="0" err="1"/>
               <a:t>nhánh</a:t>
             </a:r>
             <a:r>
-              <a:rPr lang="en-US" dirty="0" smtClean="0"/>
-              <a:t> </a:t>
-            </a:r>
-            <a:r>
-              <a:rPr lang="en-US" dirty="0" err="1" smtClean="0"/>
+              <a:rPr lang="en-US" dirty="0"/>
+              <a:t> </a:t>
+            </a:r>
+            <a:r>
+              <a:rPr lang="en-US" dirty="0" err="1"/>
               <a:t>khác</a:t>
             </a:r>
             <a:r>
-              <a:rPr lang="en-US" dirty="0" smtClean="0"/>
+              <a:rPr lang="en-US" dirty="0"/>
               <a:t>.</a:t>
             </a:r>
           </a:p>
           <a:p>
-            <a:endParaRPr lang="en-US" dirty="0" smtClean="0"/>
+            <a:endParaRPr lang="en-US" dirty="0"/>
           </a:p>
         </p:txBody>
       </p:sp>
@@ -11309,24 +11286,21 @@
           <a:lstStyle/>
           <a:p>
             <a:r>
-              <a:rPr lang="en-US" dirty="0" err="1" smtClean="0">
+              <a:rPr lang="en-US" dirty="0" err="1">
                 <a:latin typeface="Arial" panose="020B0604020202020204" pitchFamily="34" charset="0"/>
               </a:rPr>
               <a:t>Với</a:t>
             </a:r>
             <a:r>
-              <a:rPr lang="en-US" dirty="0" smtClean="0">
+              <a:rPr lang="en-US" dirty="0">
                 <a:latin typeface="Arial" panose="020B0604020202020204" pitchFamily="34" charset="0"/>
               </a:rPr>
               <a:t> merge</a:t>
             </a:r>
-            <a:endParaRPr lang="en-US" dirty="0">
-              <a:latin typeface="Arial" panose="020B0604020202020204" pitchFamily="34" charset="0"/>
-            </a:endParaRPr>
-          </a:p>
-          <a:p>
-            <a:r>
-              <a:rPr lang="en-US" dirty="0" smtClean="0">
+          </a:p>
+          <a:p>
+            <a:r>
+              <a:rPr lang="en-US" dirty="0">
                 <a:solidFill>
                   <a:srgbClr val="C00000"/>
                 </a:solidFill>
@@ -11335,7 +11309,7 @@
               <a:t>$ </a:t>
             </a:r>
             <a:r>
-              <a:rPr lang="en-US" dirty="0" err="1" smtClean="0">
+              <a:rPr lang="en-US" dirty="0" err="1">
                 <a:solidFill>
                   <a:srgbClr val="C00000"/>
                 </a:solidFill>
@@ -11344,7 +11318,7 @@
               <a:t>git</a:t>
             </a:r>
             <a:r>
-              <a:rPr lang="en-US" dirty="0" smtClean="0">
+              <a:rPr lang="en-US" dirty="0">
                 <a:solidFill>
                   <a:srgbClr val="C00000"/>
                 </a:solidFill>
@@ -11355,7 +11329,7 @@
           </a:p>
           <a:p>
             <a:r>
-              <a:rPr lang="en-US" dirty="0" smtClean="0">
+              <a:rPr lang="en-US" dirty="0">
                 <a:solidFill>
                   <a:srgbClr val="C00000"/>
                 </a:solidFill>
@@ -11364,7 +11338,7 @@
               <a:t>$ </a:t>
             </a:r>
             <a:r>
-              <a:rPr lang="en-US" dirty="0" err="1" smtClean="0">
+              <a:rPr lang="en-US" dirty="0" err="1">
                 <a:solidFill>
                   <a:srgbClr val="C00000"/>
                 </a:solidFill>
@@ -11373,7 +11347,7 @@
               <a:t>git</a:t>
             </a:r>
             <a:r>
-              <a:rPr lang="en-US" dirty="0" smtClean="0">
+              <a:rPr lang="en-US" dirty="0">
                 <a:solidFill>
                   <a:srgbClr val="C00000"/>
                 </a:solidFill>
@@ -11381,12 +11355,6 @@
               </a:rPr>
               <a:t> merge experiment</a:t>
             </a:r>
-            <a:endParaRPr lang="en-US" dirty="0">
-              <a:solidFill>
-                <a:srgbClr val="C00000"/>
-              </a:solidFill>
-              <a:latin typeface="Arial" panose="020B0604020202020204" pitchFamily="34" charset="0"/>
-            </a:endParaRPr>
           </a:p>
         </p:txBody>
       </p:sp>
@@ -11413,13 +11381,13 @@
           <a:lstStyle/>
           <a:p>
             <a:r>
-              <a:rPr lang="en-US" dirty="0" err="1" smtClean="0">
+              <a:rPr lang="en-US" dirty="0" err="1">
                 <a:latin typeface="Arial" panose="020B0604020202020204" pitchFamily="34" charset="0"/>
               </a:rPr>
               <a:t>Với</a:t>
             </a:r>
             <a:r>
-              <a:rPr lang="en-US" dirty="0" smtClean="0">
+              <a:rPr lang="en-US" dirty="0">
                 <a:latin typeface="Arial" panose="020B0604020202020204" pitchFamily="34" charset="0"/>
               </a:rPr>
               <a:t> rebase</a:t>
@@ -11451,21 +11419,12 @@
                 </a:solidFill>
                 <a:latin typeface="Arial" panose="020B0604020202020204" pitchFamily="34" charset="0"/>
               </a:rPr>
-              <a:t> checkout </a:t>
-            </a:r>
-            <a:r>
-              <a:rPr lang="en-US" dirty="0" smtClean="0">
-                <a:solidFill>
-                  <a:srgbClr val="C00000"/>
-                </a:solidFill>
-                <a:latin typeface="Arial" panose="020B0604020202020204" pitchFamily="34" charset="0"/>
-              </a:rPr>
-              <a:t>experiment</a:t>
-            </a:r>
-          </a:p>
-          <a:p>
-            <a:r>
-              <a:rPr lang="en-US" dirty="0" smtClean="0">
+              <a:t> checkout experiment</a:t>
+            </a:r>
+          </a:p>
+          <a:p>
+            <a:r>
+              <a:rPr lang="en-US" dirty="0">
                 <a:solidFill>
                   <a:srgbClr val="C00000"/>
                 </a:solidFill>
@@ -11627,14 +11586,13 @@
           <a:lstStyle/>
           <a:p>
             <a:r>
-              <a:rPr lang="en-US" dirty="0" err="1" smtClean="0"/>
+              <a:rPr lang="en-US" dirty="0" err="1"/>
               <a:t>Git</a:t>
             </a:r>
             <a:r>
-              <a:rPr lang="en-US" dirty="0" smtClean="0"/>
+              <a:rPr lang="en-US" dirty="0"/>
               <a:t> basics</a:t>
             </a:r>
-            <a:endParaRPr lang="en-US" dirty="0"/>
           </a:p>
         </p:txBody>
       </p:sp>
@@ -11659,371 +11617,363 @@
           <a:lstStyle/>
           <a:p>
             <a:r>
-              <a:rPr lang="en-US" dirty="0" err="1" smtClean="0"/>
+              <a:rPr lang="en-US" dirty="0" err="1"/>
               <a:t>Git</a:t>
             </a:r>
             <a:r>
-              <a:rPr lang="en-US" dirty="0" smtClean="0"/>
-              <a:t> </a:t>
-            </a:r>
-            <a:r>
-              <a:rPr lang="en-US" dirty="0" err="1" smtClean="0"/>
+              <a:rPr lang="en-US" dirty="0"/>
+              <a:t> </a:t>
+            </a:r>
+            <a:r>
+              <a:rPr lang="en-US" dirty="0" err="1"/>
               <a:t>là</a:t>
             </a:r>
             <a:r>
-              <a:rPr lang="en-US" dirty="0" smtClean="0"/>
-              <a:t> </a:t>
-            </a:r>
-            <a:r>
-              <a:rPr lang="en-US" dirty="0" err="1" smtClean="0"/>
+              <a:rPr lang="en-US" dirty="0"/>
+              <a:t> </a:t>
+            </a:r>
+            <a:r>
+              <a:rPr lang="en-US" dirty="0" err="1"/>
               <a:t>một</a:t>
             </a:r>
             <a:r>
-              <a:rPr lang="en-US" dirty="0" smtClean="0"/>
-              <a:t> </a:t>
-            </a:r>
-            <a:r>
-              <a:rPr lang="en-US" dirty="0"/>
-              <a:t>Version Control System (VCS</a:t>
-            </a:r>
-            <a:r>
-              <a:rPr lang="en-US" dirty="0" smtClean="0"/>
-              <a:t>)</a:t>
-            </a:r>
-          </a:p>
-          <a:p>
-            <a:r>
-              <a:rPr lang="en-US" dirty="0" err="1" smtClean="0"/>
+              <a:rPr lang="en-US" dirty="0"/>
+              <a:t> Version Control System (VCS)</a:t>
+            </a:r>
+          </a:p>
+          <a:p>
+            <a:r>
+              <a:rPr lang="en-US" dirty="0" err="1"/>
               <a:t>Coi</a:t>
             </a:r>
             <a:r>
-              <a:rPr lang="en-US" dirty="0" smtClean="0"/>
-              <a:t> </a:t>
-            </a:r>
-            <a:r>
-              <a:rPr lang="en-US" dirty="0" err="1" smtClean="0"/>
+              <a:rPr lang="en-US" dirty="0"/>
+              <a:t> </a:t>
+            </a:r>
+            <a:r>
+              <a:rPr lang="en-US" dirty="0" err="1"/>
               <a:t>dữ</a:t>
             </a:r>
             <a:r>
-              <a:rPr lang="en-US" dirty="0" smtClean="0"/>
-              <a:t> </a:t>
-            </a:r>
-            <a:r>
-              <a:rPr lang="en-US" dirty="0" err="1" smtClean="0"/>
+              <a:rPr lang="en-US" dirty="0"/>
+              <a:t> </a:t>
+            </a:r>
+            <a:r>
+              <a:rPr lang="en-US" dirty="0" err="1"/>
               <a:t>liệu</a:t>
             </a:r>
             <a:r>
-              <a:rPr lang="en-US" dirty="0" smtClean="0"/>
-              <a:t> </a:t>
-            </a:r>
-            <a:r>
-              <a:rPr lang="en-US" dirty="0" err="1" smtClean="0"/>
+              <a:rPr lang="en-US" dirty="0"/>
+              <a:t> </a:t>
+            </a:r>
+            <a:r>
+              <a:rPr lang="en-US" dirty="0" err="1"/>
               <a:t>giống</a:t>
             </a:r>
             <a:r>
-              <a:rPr lang="en-US" dirty="0" smtClean="0"/>
-              <a:t> </a:t>
-            </a:r>
-            <a:r>
-              <a:rPr lang="en-US" dirty="0" err="1" smtClean="0"/>
+              <a:rPr lang="en-US" dirty="0"/>
+              <a:t> </a:t>
+            </a:r>
+            <a:r>
+              <a:rPr lang="en-US" dirty="0" err="1"/>
               <a:t>như</a:t>
             </a:r>
             <a:r>
-              <a:rPr lang="en-US" dirty="0" smtClean="0"/>
-              <a:t> </a:t>
-            </a:r>
-            <a:r>
-              <a:rPr lang="en-US" dirty="0" err="1" smtClean="0"/>
+              <a:rPr lang="en-US" dirty="0"/>
+              <a:t> </a:t>
+            </a:r>
+            <a:r>
+              <a:rPr lang="en-US" dirty="0" err="1"/>
               <a:t>tập</a:t>
             </a:r>
             <a:r>
-              <a:rPr lang="en-US" dirty="0" smtClean="0"/>
-              <a:t> </a:t>
-            </a:r>
-            <a:r>
-              <a:rPr lang="en-US" dirty="0" err="1" smtClean="0"/>
+              <a:rPr lang="en-US" dirty="0"/>
+              <a:t> </a:t>
+            </a:r>
+            <a:r>
+              <a:rPr lang="en-US" dirty="0" err="1"/>
               <a:t>hợp</a:t>
             </a:r>
             <a:r>
-              <a:rPr lang="en-US" dirty="0" smtClean="0"/>
-              <a:t> </a:t>
-            </a:r>
-            <a:r>
-              <a:rPr lang="en-US" dirty="0" err="1" smtClean="0"/>
+              <a:rPr lang="en-US" dirty="0"/>
+              <a:t> </a:t>
+            </a:r>
+            <a:r>
+              <a:rPr lang="en-US" dirty="0" err="1"/>
               <a:t>các</a:t>
             </a:r>
             <a:r>
-              <a:rPr lang="en-US" dirty="0" smtClean="0"/>
+              <a:rPr lang="en-US" dirty="0"/>
               <a:t> Snapshot.</a:t>
             </a:r>
           </a:p>
           <a:p>
             <a:pPr lvl="1"/>
             <a:r>
-              <a:rPr lang="en-US" dirty="0" err="1" smtClean="0"/>
+              <a:rPr lang="en-US" dirty="0" err="1"/>
               <a:t>Mỗi</a:t>
             </a:r>
             <a:r>
-              <a:rPr lang="en-US" dirty="0" smtClean="0"/>
-              <a:t> </a:t>
-            </a:r>
-            <a:r>
-              <a:rPr lang="en-US" dirty="0" err="1" smtClean="0"/>
+              <a:rPr lang="en-US" dirty="0"/>
+              <a:t> </a:t>
+            </a:r>
+            <a:r>
+              <a:rPr lang="en-US" dirty="0" err="1"/>
               <a:t>lần</a:t>
             </a:r>
             <a:r>
-              <a:rPr lang="en-US" dirty="0" smtClean="0"/>
+              <a:rPr lang="en-US" dirty="0"/>
               <a:t> commit, </a:t>
             </a:r>
             <a:r>
-              <a:rPr lang="en-US" dirty="0" err="1" smtClean="0"/>
+              <a:rPr lang="en-US" dirty="0" err="1"/>
               <a:t>git</a:t>
             </a:r>
             <a:r>
-              <a:rPr lang="en-US" dirty="0" smtClean="0"/>
+              <a:rPr lang="en-US" dirty="0"/>
               <a:t> “</a:t>
             </a:r>
             <a:r>
-              <a:rPr lang="en-US" dirty="0" err="1" smtClean="0"/>
+              <a:rPr lang="en-US" dirty="0" err="1"/>
               <a:t>chụp</a:t>
             </a:r>
             <a:r>
-              <a:rPr lang="en-US" dirty="0" smtClean="0"/>
-              <a:t> </a:t>
-            </a:r>
-            <a:r>
-              <a:rPr lang="en-US" dirty="0" err="1" smtClean="0"/>
+              <a:rPr lang="en-US" dirty="0"/>
+              <a:t> </a:t>
+            </a:r>
+            <a:r>
+              <a:rPr lang="en-US" dirty="0" err="1"/>
               <a:t>ảnh</a:t>
             </a:r>
             <a:r>
-              <a:rPr lang="en-US" dirty="0" smtClean="0"/>
+              <a:rPr lang="en-US" dirty="0"/>
               <a:t>” </a:t>
             </a:r>
             <a:r>
-              <a:rPr lang="en-US" dirty="0" err="1" smtClean="0"/>
+              <a:rPr lang="en-US" dirty="0" err="1"/>
               <a:t>ghi</a:t>
             </a:r>
             <a:r>
-              <a:rPr lang="en-US" dirty="0" smtClean="0"/>
-              <a:t> </a:t>
-            </a:r>
-            <a:r>
-              <a:rPr lang="en-US" dirty="0" err="1" smtClean="0"/>
+              <a:rPr lang="en-US" dirty="0"/>
+              <a:t> </a:t>
+            </a:r>
+            <a:r>
+              <a:rPr lang="en-US" dirty="0" err="1"/>
               <a:t>lại</a:t>
             </a:r>
             <a:r>
-              <a:rPr lang="en-US" dirty="0" smtClean="0"/>
-              <a:t> </a:t>
-            </a:r>
-            <a:r>
-              <a:rPr lang="en-US" dirty="0" err="1" smtClean="0"/>
+              <a:rPr lang="en-US" dirty="0"/>
+              <a:t> </a:t>
+            </a:r>
+            <a:r>
+              <a:rPr lang="en-US" dirty="0" err="1"/>
               <a:t>tất</a:t>
             </a:r>
             <a:r>
-              <a:rPr lang="en-US" dirty="0" smtClean="0"/>
-              <a:t> </a:t>
-            </a:r>
-            <a:r>
-              <a:rPr lang="en-US" dirty="0" err="1" smtClean="0"/>
+              <a:rPr lang="en-US" dirty="0"/>
+              <a:t> </a:t>
+            </a:r>
+            <a:r>
+              <a:rPr lang="en-US" dirty="0" err="1"/>
               <a:t>cả</a:t>
             </a:r>
             <a:r>
-              <a:rPr lang="en-US" dirty="0" smtClean="0"/>
-              <a:t> </a:t>
-            </a:r>
-            <a:r>
-              <a:rPr lang="en-US" dirty="0" err="1" smtClean="0"/>
+              <a:rPr lang="en-US" dirty="0"/>
+              <a:t> </a:t>
+            </a:r>
+            <a:r>
+              <a:rPr lang="en-US" dirty="0" err="1"/>
               <a:t>tập</a:t>
             </a:r>
             <a:r>
-              <a:rPr lang="en-US" dirty="0" smtClean="0"/>
+              <a:rPr lang="en-US" dirty="0"/>
               <a:t> tin </a:t>
             </a:r>
             <a:r>
-              <a:rPr lang="en-US" dirty="0" err="1" smtClean="0"/>
+              <a:rPr lang="en-US" dirty="0" err="1"/>
               <a:t>tại</a:t>
             </a:r>
             <a:r>
-              <a:rPr lang="en-US" dirty="0" smtClean="0"/>
-              <a:t> </a:t>
-            </a:r>
-            <a:r>
-              <a:rPr lang="en-US" dirty="0" err="1" smtClean="0"/>
+              <a:rPr lang="en-US" dirty="0"/>
+              <a:t> </a:t>
+            </a:r>
+            <a:r>
+              <a:rPr lang="en-US" dirty="0" err="1"/>
               <a:t>thời</a:t>
             </a:r>
             <a:r>
-              <a:rPr lang="en-US" dirty="0" smtClean="0"/>
-              <a:t> </a:t>
-            </a:r>
-            <a:r>
-              <a:rPr lang="en-US" dirty="0" err="1" smtClean="0"/>
+              <a:rPr lang="en-US" dirty="0"/>
+              <a:t> </a:t>
+            </a:r>
+            <a:r>
+              <a:rPr lang="en-US" dirty="0" err="1"/>
               <a:t>điểm</a:t>
             </a:r>
             <a:r>
-              <a:rPr lang="en-US" dirty="0" smtClean="0"/>
-              <a:t> </a:t>
-            </a:r>
-            <a:r>
-              <a:rPr lang="en-US" dirty="0" err="1" smtClean="0"/>
+              <a:rPr lang="en-US" dirty="0"/>
+              <a:t> </a:t>
+            </a:r>
+            <a:r>
+              <a:rPr lang="en-US" dirty="0" err="1"/>
               <a:t>đó</a:t>
             </a:r>
             <a:r>
-              <a:rPr lang="en-US" dirty="0" smtClean="0"/>
-              <a:t> </a:t>
-            </a:r>
-            <a:r>
-              <a:rPr lang="en-US" dirty="0" err="1" smtClean="0"/>
+              <a:rPr lang="en-US" dirty="0"/>
+              <a:t> </a:t>
+            </a:r>
+            <a:r>
+              <a:rPr lang="en-US" dirty="0" err="1"/>
               <a:t>và</a:t>
             </a:r>
             <a:r>
-              <a:rPr lang="en-US" dirty="0" smtClean="0"/>
-              <a:t> </a:t>
-            </a:r>
-            <a:r>
-              <a:rPr lang="en-US" dirty="0" err="1" smtClean="0"/>
+              <a:rPr lang="en-US" dirty="0"/>
+              <a:t> </a:t>
+            </a:r>
+            <a:r>
+              <a:rPr lang="en-US" dirty="0" err="1"/>
               <a:t>tạo</a:t>
             </a:r>
             <a:r>
-              <a:rPr lang="en-US" dirty="0" smtClean="0"/>
-              <a:t> </a:t>
-            </a:r>
-            <a:r>
-              <a:rPr lang="en-US" dirty="0" err="1" smtClean="0"/>
+              <a:rPr lang="en-US" dirty="0"/>
+              <a:t> </a:t>
+            </a:r>
+            <a:r>
+              <a:rPr lang="en-US" dirty="0" err="1"/>
               <a:t>một</a:t>
             </a:r>
             <a:r>
-              <a:rPr lang="en-US" dirty="0" smtClean="0"/>
+              <a:rPr lang="en-US" dirty="0"/>
               <a:t> THAM CHIẾU </a:t>
             </a:r>
             <a:r>
-              <a:rPr lang="en-US" dirty="0" err="1" smtClean="0"/>
+              <a:rPr lang="en-US" dirty="0" err="1"/>
               <a:t>tới</a:t>
             </a:r>
             <a:r>
-              <a:rPr lang="en-US" dirty="0" smtClean="0"/>
+              <a:rPr lang="en-US" dirty="0"/>
               <a:t> snapshot </a:t>
             </a:r>
             <a:r>
-              <a:rPr lang="en-US" dirty="0" err="1" smtClean="0"/>
+              <a:rPr lang="en-US" dirty="0" err="1"/>
               <a:t>đó</a:t>
             </a:r>
             <a:r>
-              <a:rPr lang="en-US" dirty="0" smtClean="0"/>
+              <a:rPr lang="en-US" dirty="0"/>
               <a:t>.</a:t>
             </a:r>
           </a:p>
           <a:p>
             <a:pPr lvl="1"/>
             <a:r>
-              <a:rPr lang="en-US" dirty="0" err="1" smtClean="0"/>
+              <a:rPr lang="en-US" dirty="0" err="1"/>
               <a:t>Với</a:t>
             </a:r>
             <a:r>
-              <a:rPr lang="en-US" dirty="0" smtClean="0"/>
-              <a:t> </a:t>
-            </a:r>
-            <a:r>
-              <a:rPr lang="en-US" dirty="0" err="1" smtClean="0"/>
+              <a:rPr lang="en-US" dirty="0"/>
+              <a:t> </a:t>
+            </a:r>
+            <a:r>
+              <a:rPr lang="en-US" dirty="0" err="1"/>
               <a:t>tập</a:t>
             </a:r>
             <a:r>
-              <a:rPr lang="en-US" dirty="0" smtClean="0"/>
+              <a:rPr lang="en-US" dirty="0"/>
               <a:t> tin </a:t>
             </a:r>
             <a:r>
-              <a:rPr lang="en-US" dirty="0" err="1" smtClean="0"/>
+              <a:rPr lang="en-US" dirty="0" err="1"/>
               <a:t>ko</a:t>
             </a:r>
             <a:r>
-              <a:rPr lang="en-US" dirty="0" smtClean="0"/>
-              <a:t> </a:t>
-            </a:r>
-            <a:r>
-              <a:rPr lang="en-US" dirty="0" err="1" smtClean="0"/>
+              <a:rPr lang="en-US" dirty="0"/>
+              <a:t> </a:t>
+            </a:r>
+            <a:r>
+              <a:rPr lang="en-US" dirty="0" err="1"/>
               <a:t>có</a:t>
             </a:r>
             <a:r>
-              <a:rPr lang="en-US" dirty="0" smtClean="0"/>
-              <a:t> </a:t>
-            </a:r>
-            <a:r>
-              <a:rPr lang="en-US" dirty="0" err="1" smtClean="0"/>
+              <a:rPr lang="en-US" dirty="0"/>
+              <a:t> </a:t>
+            </a:r>
+            <a:r>
+              <a:rPr lang="en-US" dirty="0" err="1"/>
               <a:t>thay</a:t>
             </a:r>
             <a:r>
-              <a:rPr lang="en-US" dirty="0" smtClean="0"/>
-              <a:t> </a:t>
-            </a:r>
-            <a:r>
-              <a:rPr lang="en-US" dirty="0" err="1" smtClean="0"/>
+              <a:rPr lang="en-US" dirty="0"/>
+              <a:t> </a:t>
+            </a:r>
+            <a:r>
+              <a:rPr lang="en-US" dirty="0" err="1"/>
               <a:t>đổi</a:t>
             </a:r>
             <a:r>
-              <a:rPr lang="en-US" dirty="0" smtClean="0"/>
+              <a:rPr lang="en-US" dirty="0"/>
               <a:t>, </a:t>
             </a:r>
             <a:r>
-              <a:rPr lang="en-US" dirty="0" err="1" smtClean="0"/>
+              <a:rPr lang="en-US" dirty="0" err="1"/>
               <a:t>git</a:t>
             </a:r>
             <a:r>
-              <a:rPr lang="en-US" dirty="0" smtClean="0"/>
-              <a:t> </a:t>
-            </a:r>
-            <a:r>
-              <a:rPr lang="en-US" dirty="0" err="1" smtClean="0"/>
+              <a:rPr lang="en-US" dirty="0"/>
+              <a:t> </a:t>
+            </a:r>
+            <a:r>
+              <a:rPr lang="en-US" dirty="0" err="1"/>
               <a:t>tạo</a:t>
             </a:r>
             <a:r>
-              <a:rPr lang="en-US" dirty="0" smtClean="0"/>
-              <a:t> </a:t>
-            </a:r>
-            <a:r>
-              <a:rPr lang="en-US" dirty="0" err="1" smtClean="0"/>
+              <a:rPr lang="en-US" dirty="0"/>
+              <a:t> </a:t>
+            </a:r>
+            <a:r>
+              <a:rPr lang="en-US" dirty="0" err="1"/>
               <a:t>một</a:t>
             </a:r>
             <a:r>
-              <a:rPr lang="en-US" dirty="0" smtClean="0"/>
-              <a:t> </a:t>
-            </a:r>
-            <a:r>
-              <a:rPr lang="en-US" dirty="0" err="1" smtClean="0"/>
+              <a:rPr lang="en-US" dirty="0"/>
+              <a:t> </a:t>
+            </a:r>
+            <a:r>
+              <a:rPr lang="en-US" dirty="0" err="1"/>
               <a:t>liên</a:t>
             </a:r>
             <a:r>
-              <a:rPr lang="en-US" dirty="0" smtClean="0"/>
-              <a:t> </a:t>
-            </a:r>
-            <a:r>
-              <a:rPr lang="en-US" dirty="0" err="1" smtClean="0"/>
+              <a:rPr lang="en-US" dirty="0"/>
+              <a:t> </a:t>
+            </a:r>
+            <a:r>
+              <a:rPr lang="en-US" dirty="0" err="1"/>
               <a:t>kết</a:t>
             </a:r>
             <a:r>
-              <a:rPr lang="en-US" dirty="0" smtClean="0"/>
-              <a:t> </a:t>
-            </a:r>
-            <a:r>
-              <a:rPr lang="en-US" dirty="0" err="1" smtClean="0"/>
+              <a:rPr lang="en-US" dirty="0"/>
+              <a:t> </a:t>
+            </a:r>
+            <a:r>
+              <a:rPr lang="en-US" dirty="0" err="1"/>
               <a:t>tới</a:t>
             </a:r>
             <a:r>
-              <a:rPr lang="en-US" dirty="0" smtClean="0"/>
-              <a:t> </a:t>
-            </a:r>
-            <a:r>
-              <a:rPr lang="en-US" dirty="0" err="1" smtClean="0"/>
+              <a:rPr lang="en-US" dirty="0"/>
+              <a:t> </a:t>
+            </a:r>
+            <a:r>
+              <a:rPr lang="en-US" dirty="0" err="1"/>
               <a:t>tập</a:t>
             </a:r>
             <a:r>
-              <a:rPr lang="en-US" dirty="0" smtClean="0"/>
+              <a:rPr lang="en-US" dirty="0"/>
               <a:t> tin </a:t>
             </a:r>
             <a:r>
-              <a:rPr lang="en-US" dirty="0" err="1" smtClean="0"/>
+              <a:rPr lang="en-US" dirty="0" err="1"/>
               <a:t>gốc</a:t>
             </a:r>
             <a:r>
-              <a:rPr lang="en-US" dirty="0" smtClean="0"/>
+              <a:rPr lang="en-US" dirty="0"/>
               <a:t>.</a:t>
             </a:r>
           </a:p>
@@ -12110,14 +12060,13 @@
           <a:lstStyle/>
           <a:p>
             <a:r>
-              <a:rPr lang="en-US" dirty="0" err="1" smtClean="0"/>
+              <a:rPr lang="en-US" dirty="0" err="1"/>
               <a:t>Git</a:t>
             </a:r>
             <a:r>
-              <a:rPr lang="en-US" dirty="0" smtClean="0"/>
+              <a:rPr lang="en-US" dirty="0"/>
               <a:t> rebase branch</a:t>
             </a:r>
-            <a:endParaRPr lang="en-US" dirty="0"/>
           </a:p>
         </p:txBody>
       </p:sp>
@@ -12142,19 +12091,19 @@
           <a:lstStyle/>
           <a:p>
             <a:r>
-              <a:rPr lang="en-US" dirty="0" err="1" smtClean="0"/>
+              <a:rPr lang="en-US" dirty="0" err="1"/>
               <a:t>Rủi</a:t>
             </a:r>
             <a:r>
-              <a:rPr lang="en-US" dirty="0" smtClean="0"/>
-              <a:t> </a:t>
-            </a:r>
-            <a:r>
-              <a:rPr lang="en-US" dirty="0" err="1" smtClean="0"/>
+              <a:rPr lang="en-US" dirty="0"/>
+              <a:t> </a:t>
+            </a:r>
+            <a:r>
+              <a:rPr lang="en-US" dirty="0" err="1"/>
               <a:t>ro</a:t>
             </a:r>
             <a:r>
-              <a:rPr lang="en-US" dirty="0" smtClean="0"/>
+              <a:rPr lang="en-US" dirty="0"/>
               <a:t> rebase</a:t>
             </a:r>
           </a:p>
@@ -12235,14 +12184,13 @@
           <a:lstStyle/>
           <a:p>
             <a:r>
-              <a:rPr lang="en-US" dirty="0" err="1" smtClean="0"/>
+              <a:rPr lang="en-US" dirty="0" err="1"/>
               <a:t>Git</a:t>
             </a:r>
             <a:r>
-              <a:rPr lang="en-US" dirty="0" smtClean="0"/>
+              <a:rPr lang="en-US" dirty="0"/>
               <a:t> rebase branch</a:t>
             </a:r>
-            <a:endParaRPr lang="en-US" dirty="0"/>
           </a:p>
         </p:txBody>
       </p:sp>
@@ -12267,19 +12215,19 @@
           <a:lstStyle/>
           <a:p>
             <a:r>
-              <a:rPr lang="en-US" dirty="0" err="1" smtClean="0"/>
+              <a:rPr lang="en-US" dirty="0" err="1"/>
               <a:t>Rủi</a:t>
             </a:r>
             <a:r>
-              <a:rPr lang="en-US" dirty="0" smtClean="0"/>
-              <a:t> </a:t>
-            </a:r>
-            <a:r>
-              <a:rPr lang="en-US" dirty="0" err="1" smtClean="0"/>
+              <a:rPr lang="en-US" dirty="0"/>
+              <a:t> </a:t>
+            </a:r>
+            <a:r>
+              <a:rPr lang="en-US" dirty="0" err="1"/>
               <a:t>ro</a:t>
             </a:r>
             <a:r>
-              <a:rPr lang="en-US" dirty="0" smtClean="0"/>
+              <a:rPr lang="en-US" dirty="0"/>
               <a:t> rebase</a:t>
             </a:r>
           </a:p>
@@ -12377,14 +12325,13 @@
           <a:lstStyle/>
           <a:p>
             <a:r>
-              <a:rPr lang="en-US" dirty="0" err="1" smtClean="0"/>
+              <a:rPr lang="en-US" dirty="0" err="1"/>
               <a:t>Git</a:t>
             </a:r>
             <a:r>
-              <a:rPr lang="en-US" dirty="0" smtClean="0"/>
+              <a:rPr lang="en-US" dirty="0"/>
               <a:t> rebase branch</a:t>
             </a:r>
-            <a:endParaRPr lang="en-US" dirty="0"/>
           </a:p>
         </p:txBody>
       </p:sp>
@@ -12409,19 +12356,19 @@
           <a:lstStyle/>
           <a:p>
             <a:r>
-              <a:rPr lang="en-US" dirty="0" err="1" smtClean="0"/>
+              <a:rPr lang="en-US" dirty="0" err="1"/>
               <a:t>Rủi</a:t>
             </a:r>
             <a:r>
-              <a:rPr lang="en-US" dirty="0" smtClean="0"/>
-              <a:t> </a:t>
-            </a:r>
-            <a:r>
-              <a:rPr lang="en-US" dirty="0" err="1" smtClean="0"/>
+              <a:rPr lang="en-US" dirty="0"/>
+              <a:t> </a:t>
+            </a:r>
+            <a:r>
+              <a:rPr lang="en-US" dirty="0" err="1"/>
               <a:t>ro</a:t>
             </a:r>
             <a:r>
-              <a:rPr lang="en-US" dirty="0" smtClean="0"/>
+              <a:rPr lang="en-US" dirty="0"/>
               <a:t> rebase</a:t>
             </a:r>
           </a:p>
@@ -12519,14 +12466,13 @@
           <a:lstStyle/>
           <a:p>
             <a:r>
-              <a:rPr lang="en-US" dirty="0" err="1" smtClean="0"/>
+              <a:rPr lang="en-US" dirty="0" err="1"/>
               <a:t>Git</a:t>
             </a:r>
             <a:r>
-              <a:rPr lang="en-US" dirty="0" smtClean="0"/>
+              <a:rPr lang="en-US" dirty="0"/>
               <a:t> rebase branch</a:t>
             </a:r>
-            <a:endParaRPr lang="en-US" dirty="0"/>
           </a:p>
         </p:txBody>
       </p:sp>
@@ -12551,19 +12497,19 @@
           <a:lstStyle/>
           <a:p>
             <a:r>
-              <a:rPr lang="en-US" dirty="0" err="1" smtClean="0"/>
+              <a:rPr lang="en-US" dirty="0" err="1"/>
               <a:t>Rủi</a:t>
             </a:r>
             <a:r>
-              <a:rPr lang="en-US" dirty="0" smtClean="0"/>
-              <a:t> </a:t>
-            </a:r>
-            <a:r>
-              <a:rPr lang="en-US" dirty="0" err="1" smtClean="0"/>
+              <a:rPr lang="en-US" dirty="0"/>
+              <a:t> </a:t>
+            </a:r>
+            <a:r>
+              <a:rPr lang="en-US" dirty="0" err="1"/>
               <a:t>ro</a:t>
             </a:r>
             <a:r>
-              <a:rPr lang="en-US" dirty="0" smtClean="0"/>
+              <a:rPr lang="en-US" dirty="0"/>
               <a:t> rebase</a:t>
             </a:r>
           </a:p>
@@ -12661,14 +12607,13 @@
           <a:lstStyle/>
           <a:p>
             <a:r>
-              <a:rPr lang="en-US" dirty="0" err="1" smtClean="0"/>
+              <a:rPr lang="en-US" dirty="0" err="1"/>
               <a:t>Git</a:t>
             </a:r>
             <a:r>
-              <a:rPr lang="en-US" dirty="0" smtClean="0"/>
+              <a:rPr lang="en-US" dirty="0"/>
               <a:t> rebase branch</a:t>
             </a:r>
-            <a:endParaRPr lang="en-US" dirty="0"/>
           </a:p>
         </p:txBody>
       </p:sp>
@@ -12693,19 +12638,19 @@
           <a:lstStyle/>
           <a:p>
             <a:r>
-              <a:rPr lang="en-US" dirty="0" err="1" smtClean="0"/>
+              <a:rPr lang="en-US" dirty="0" err="1"/>
               <a:t>Rủi</a:t>
             </a:r>
             <a:r>
-              <a:rPr lang="en-US" dirty="0" smtClean="0"/>
-              <a:t> </a:t>
-            </a:r>
-            <a:r>
-              <a:rPr lang="en-US" dirty="0" err="1" smtClean="0"/>
+              <a:rPr lang="en-US" dirty="0"/>
+              <a:t> </a:t>
+            </a:r>
+            <a:r>
+              <a:rPr lang="en-US" dirty="0" err="1"/>
               <a:t>ro</a:t>
             </a:r>
             <a:r>
-              <a:rPr lang="en-US" dirty="0" smtClean="0"/>
+              <a:rPr lang="en-US" dirty="0"/>
               <a:t> rebase</a:t>
             </a:r>
           </a:p>
@@ -12901,18 +12846,13 @@
               <a:t> – </a:t>
             </a:r>
             <a:r>
-              <a:rPr lang="en-US" dirty="0" err="1" smtClean="0"/>
+              <a:rPr lang="en-US" dirty="0" err="1"/>
               <a:t>Git</a:t>
             </a:r>
             <a:r>
-              <a:rPr lang="en-US" dirty="0" smtClean="0"/>
-              <a:t> </a:t>
-            </a:r>
-            <a:r>
-              <a:rPr lang="en-US" dirty="0" smtClean="0"/>
-              <a:t>Flow</a:t>
-            </a:r>
-            <a:endParaRPr lang="en-US" dirty="0"/>
+              <a:rPr lang="en-US" dirty="0"/>
+              <a:t> Flow</a:t>
+            </a:r>
           </a:p>
         </p:txBody>
       </p:sp>
@@ -13054,7 +12994,7 @@
           <a:lstStyle/>
           <a:p>
             <a:r>
-              <a:rPr lang="en-US" dirty="0" err="1" smtClean="0">
+              <a:rPr lang="en-US" dirty="0" err="1">
                 <a:solidFill>
                   <a:schemeClr val="tx1"/>
                 </a:solidFill>
@@ -13062,20 +13002,12 @@
               <a:t>Git</a:t>
             </a:r>
             <a:r>
-              <a:rPr lang="en-US" dirty="0" smtClean="0">
-                <a:solidFill>
-                  <a:schemeClr val="tx1"/>
-                </a:solidFill>
-              </a:rPr>
-              <a:t> </a:t>
-            </a:r>
-            <a:r>
               <a:rPr lang="en-US" dirty="0">
                 <a:solidFill>
                   <a:schemeClr val="tx1"/>
                 </a:solidFill>
               </a:rPr>
-              <a:t>Flow</a:t>
+              <a:t> Flow</a:t>
             </a:r>
             <a:endParaRPr lang="en" dirty="0">
               <a:solidFill>
@@ -13206,16 +13138,10 @@
           <a:p>
             <a:pPr algn="ctr"/>
             <a:r>
-              <a:rPr lang="en" sz="2400" b="1" dirty="0" smtClean="0">
-                <a:latin typeface="Arial" panose="020B0604020202020204" pitchFamily="34" charset="0"/>
-              </a:rPr>
-              <a:t>Local </a:t>
-            </a:r>
-            <a:r>
               <a:rPr lang="en" sz="2400" b="1" dirty="0">
                 <a:latin typeface="Arial" panose="020B0604020202020204" pitchFamily="34" charset="0"/>
               </a:rPr>
-              <a:t>repo</a:t>
+              <a:t>Local repo</a:t>
             </a:r>
           </a:p>
         </p:txBody>
@@ -13298,16 +13224,10 @@
           <a:p>
             <a:pPr algn="ctr"/>
             <a:r>
-              <a:rPr lang="en" sz="2400" b="1" dirty="0" smtClean="0">
-                <a:latin typeface="Arial" panose="020B0604020202020204" pitchFamily="34" charset="0"/>
-              </a:rPr>
-              <a:t>nccsoft </a:t>
-            </a:r>
-            <a:r>
               <a:rPr lang="en" sz="2400" b="1" dirty="0">
                 <a:latin typeface="Arial" panose="020B0604020202020204" pitchFamily="34" charset="0"/>
               </a:rPr>
-              <a:t>GitHub repo</a:t>
+              <a:t>nccsoft GitHub repo</a:t>
             </a:r>
           </a:p>
         </p:txBody>
@@ -13666,14 +13586,11 @@
           <a:lstStyle/>
           <a:p>
             <a:r>
-              <a:rPr lang="en" sz="3200" dirty="0" smtClean="0">
+              <a:rPr lang="en" sz="3200" dirty="0">
                 <a:latin typeface="Arial" panose="020B0604020202020204" pitchFamily="34" charset="0"/>
               </a:rPr>
               <a:t>rebase</a:t>
             </a:r>
-            <a:endParaRPr lang="en" sz="3200" dirty="0">
-              <a:latin typeface="Arial" panose="020B0604020202020204" pitchFamily="34" charset="0"/>
-            </a:endParaRPr>
           </a:p>
         </p:txBody>
       </p:sp>
@@ -13703,20 +13620,17 @@
           <a:lstStyle/>
           <a:p>
             <a:r>
-              <a:rPr lang="en-US" sz="3200" dirty="0" smtClean="0">
+              <a:rPr lang="en-US" sz="3200" dirty="0">
                 <a:latin typeface="Arial" panose="020B0604020202020204" pitchFamily="34" charset="0"/>
               </a:rPr>
               <a:t>C</a:t>
             </a:r>
             <a:r>
-              <a:rPr lang="en" sz="3200" dirty="0" smtClean="0">
+              <a:rPr lang="en" sz="3200" dirty="0">
                 <a:latin typeface="Arial" panose="020B0604020202020204" pitchFamily="34" charset="0"/>
               </a:rPr>
               <a:t>heckout -b</a:t>
             </a:r>
-            <a:endParaRPr lang="en" sz="3200" dirty="0">
-              <a:latin typeface="Arial" panose="020B0604020202020204" pitchFamily="34" charset="0"/>
-            </a:endParaRPr>
           </a:p>
         </p:txBody>
       </p:sp>
@@ -14077,13 +13991,8 @@
           <a:p>
             <a:r>
               <a:rPr lang="en" sz="4800" dirty="0"/>
-              <a:t>Git </a:t>
-            </a:r>
-            <a:r>
-              <a:rPr lang="en" sz="4800" dirty="0" smtClean="0"/>
-              <a:t>flow</a:t>
-            </a:r>
-            <a:endParaRPr lang="en" sz="4800" dirty="0"/>
+              <a:t>Git flow</a:t>
+            </a:r>
           </a:p>
         </p:txBody>
       </p:sp>
@@ -14116,7 +14025,7 @@
               <a:buAutoNum type="arabicPeriod"/>
             </a:pPr>
             <a:r>
-              <a:rPr lang="en" sz="4000" dirty="0" smtClean="0">
+              <a:rPr lang="en" sz="4000" dirty="0">
                 <a:solidFill>
                   <a:schemeClr val="tx1"/>
                 </a:solidFill>
@@ -14130,7 +14039,7 @@
               <a:buAutoNum type="arabicPeriod"/>
             </a:pPr>
             <a:r>
-              <a:rPr lang="en-US" sz="4000" dirty="0" smtClean="0">
+              <a:rPr lang="en-US" sz="4000" dirty="0">
                 <a:solidFill>
                   <a:schemeClr val="tx1"/>
                 </a:solidFill>
@@ -14138,7 +14047,7 @@
               <a:t>$ </a:t>
             </a:r>
             <a:r>
-              <a:rPr lang="en-US" sz="4000" dirty="0" err="1" smtClean="0">
+              <a:rPr lang="en-US" sz="4000" dirty="0" err="1">
                 <a:solidFill>
                   <a:schemeClr val="tx1"/>
                 </a:solidFill>
@@ -14146,7 +14055,7 @@
               <a:t>git</a:t>
             </a:r>
             <a:r>
-              <a:rPr lang="en-US" sz="4000" dirty="0" smtClean="0">
+              <a:rPr lang="en-US" sz="4000" dirty="0">
                 <a:solidFill>
                   <a:schemeClr val="tx1"/>
                 </a:solidFill>
@@ -14154,18 +14063,13 @@
               <a:t> c</a:t>
             </a:r>
             <a:r>
-              <a:rPr lang="en" sz="4000" dirty="0" smtClean="0">
+              <a:rPr lang="en" sz="4000" dirty="0">
                 <a:solidFill>
                   <a:schemeClr val="tx1"/>
                 </a:solidFill>
               </a:rPr>
               <a:t>lone [url]</a:t>
             </a:r>
-            <a:endParaRPr lang="en" sz="4000" dirty="0">
-              <a:solidFill>
-                <a:schemeClr val="tx1"/>
-              </a:solidFill>
-            </a:endParaRPr>
           </a:p>
           <a:p>
             <a:pPr marL="914400" indent="-914400">
@@ -14173,7 +14077,7 @@
               <a:buAutoNum type="arabicPeriod"/>
             </a:pPr>
             <a:r>
-              <a:rPr lang="en-US" sz="4000" dirty="0" smtClean="0">
+              <a:rPr lang="en-US" sz="4000" dirty="0">
                 <a:solidFill>
                   <a:schemeClr val="tx1"/>
                 </a:solidFill>
@@ -14181,34 +14085,13 @@
               <a:t>$ g</a:t>
             </a:r>
             <a:r>
-              <a:rPr lang="en" sz="4000" dirty="0" smtClean="0">
-                <a:solidFill>
-                  <a:schemeClr val="tx1"/>
-                </a:solidFill>
-              </a:rPr>
-              <a:t>it remote </a:t>
-            </a:r>
-            <a:r>
               <a:rPr lang="en" sz="4000" dirty="0">
                 <a:solidFill>
                   <a:schemeClr val="tx1"/>
                 </a:solidFill>
               </a:rPr>
-              <a:t>add </a:t>
-            </a:r>
-            <a:r>
-              <a:rPr lang="en" sz="4000" dirty="0" smtClean="0">
-                <a:solidFill>
-                  <a:schemeClr val="tx1"/>
-                </a:solidFill>
-              </a:rPr>
-              <a:t>nccsoft [url]</a:t>
-            </a:r>
-            <a:endParaRPr lang="en" sz="4000" dirty="0">
-              <a:solidFill>
-                <a:schemeClr val="tx1"/>
-              </a:solidFill>
-            </a:endParaRPr>
+              <a:t>it remote add nccsoft [url]</a:t>
+            </a:r>
           </a:p>
           <a:p>
             <a:pPr marL="914400" indent="-914400">
@@ -14224,7 +14107,7 @@
               <a:t>$ </a:t>
             </a:r>
             <a:r>
-              <a:rPr lang="en" sz="4000" dirty="0" smtClean="0">
+              <a:rPr lang="en" sz="4000" dirty="0">
                 <a:solidFill>
                   <a:schemeClr val="tx1"/>
                 </a:solidFill>
@@ -14232,18 +14115,13 @@
               <a:t>git checkout nccsoft/develop</a:t>
             </a:r>
             <a:r>
-              <a:rPr lang="en" sz="4000" dirty="0" smtClean="0">
+              <a:rPr lang="en" sz="4000" dirty="0">
                 <a:solidFill>
                   <a:srgbClr val="FF0000"/>
                 </a:solidFill>
               </a:rPr>
               <a:t> *</a:t>
             </a:r>
-            <a:endParaRPr lang="en" sz="4000" dirty="0">
-              <a:solidFill>
-                <a:srgbClr val="FF0000"/>
-              </a:solidFill>
-            </a:endParaRPr>
           </a:p>
         </p:txBody>
       </p:sp>
@@ -14304,13 +14182,8 @@
           <a:p>
             <a:r>
               <a:rPr lang="en" dirty="0"/>
-              <a:t>Git </a:t>
-            </a:r>
-            <a:r>
-              <a:rPr lang="en" dirty="0" smtClean="0"/>
-              <a:t>flow</a:t>
-            </a:r>
-            <a:endParaRPr lang="en" dirty="0"/>
+              <a:t>Git flow</a:t>
+            </a:r>
           </a:p>
         </p:txBody>
       </p:sp>
@@ -14346,7 +14219,7 @@
               <a:buNone/>
             </a:pPr>
             <a:r>
-              <a:rPr lang="en" sz="4000" dirty="0" smtClean="0">
+              <a:rPr lang="en" sz="4000" dirty="0">
                 <a:solidFill>
                   <a:schemeClr val="tx1"/>
                 </a:solidFill>
@@ -14354,7 +14227,7 @@
               <a:t>4. checkout </a:t>
             </a:r>
             <a:r>
-              <a:rPr lang="en-US" sz="4000" dirty="0" err="1" smtClean="0">
+              <a:rPr lang="en-US" sz="4000" dirty="0" err="1">
                 <a:solidFill>
                   <a:schemeClr val="tx1"/>
                 </a:solidFill>
@@ -14362,7 +14235,7 @@
               <a:t>nccsoft</a:t>
             </a:r>
             <a:r>
-              <a:rPr lang="en" sz="4000" dirty="0" smtClean="0">
+              <a:rPr lang="en" sz="4000" dirty="0">
                 <a:solidFill>
                   <a:schemeClr val="tx1"/>
                 </a:solidFill>
@@ -14378,20 +14251,12 @@
               <a:buNone/>
             </a:pPr>
             <a:r>
-              <a:rPr lang="en" sz="4000" dirty="0" smtClean="0">
+              <a:rPr lang="en" sz="4000" dirty="0">
                 <a:solidFill>
                   <a:schemeClr val="tx1"/>
                 </a:solidFill>
               </a:rPr>
               <a:t>4.1 Cách 1</a:t>
-            </a:r>
-            <a:r>
-              <a:rPr lang="en" sz="4000" dirty="0">
-                <a:solidFill>
-                  <a:schemeClr val="tx1"/>
-                </a:solidFill>
-              </a:rPr>
-              <a:t/>
             </a:r>
             <a:br>
               <a:rPr lang="en" sz="4000" dirty="0">
@@ -14401,7 +14266,7 @@
               </a:rPr>
             </a:br>
             <a:r>
-              <a:rPr lang="en" sz="4000" dirty="0" smtClean="0">
+              <a:rPr lang="en" sz="4000" dirty="0">
                 <a:solidFill>
                   <a:schemeClr val="tx1"/>
                 </a:solidFill>
@@ -14417,20 +14282,12 @@
               <a:t>$ </a:t>
             </a:r>
             <a:r>
-              <a:rPr lang="en" sz="4000" dirty="0" smtClean="0">
-                <a:solidFill>
-                  <a:schemeClr val="tx1"/>
-                </a:solidFill>
-              </a:rPr>
-              <a:t>git </a:t>
-            </a:r>
-            <a:r>
               <a:rPr lang="en" sz="4000" dirty="0">
                 <a:solidFill>
                   <a:schemeClr val="tx1"/>
                 </a:solidFill>
               </a:rPr>
-              <a:t>checkout -b develop</a:t>
+              <a:t>git checkout -b develop</a:t>
             </a:r>
             <a:br>
               <a:rPr lang="en" sz="4000" dirty="0">
@@ -14440,7 +14297,7 @@
               </a:rPr>
             </a:br>
             <a:r>
-              <a:rPr lang="en" sz="4000" dirty="0" smtClean="0">
+              <a:rPr lang="en" sz="4000" dirty="0">
                 <a:solidFill>
                   <a:schemeClr val="tx1"/>
                 </a:solidFill>
@@ -14456,23 +14313,15 @@
               <a:t>$ </a:t>
             </a:r>
             <a:r>
-              <a:rPr lang="en" sz="4000" dirty="0" smtClean="0">
-                <a:solidFill>
-                  <a:schemeClr val="tx1"/>
-                </a:solidFill>
-              </a:rPr>
-              <a:t>git </a:t>
-            </a:r>
-            <a:r>
               <a:rPr lang="en" sz="4000" dirty="0">
                 <a:solidFill>
                   <a:schemeClr val="tx1"/>
                 </a:solidFill>
               </a:rPr>
-              <a:t>pull </a:t>
-            </a:r>
-            <a:r>
-              <a:rPr lang="en-US" sz="4000" dirty="0" err="1" smtClean="0">
+              <a:t>git pull </a:t>
+            </a:r>
+            <a:r>
+              <a:rPr lang="en-US" sz="4000" dirty="0" err="1">
                 <a:solidFill>
                   <a:schemeClr val="tx1"/>
                 </a:solidFill>
@@ -14480,7 +14329,7 @@
               <a:t>nccsoft</a:t>
             </a:r>
             <a:r>
-              <a:rPr lang="en" sz="4000" dirty="0" smtClean="0">
+              <a:rPr lang="en" sz="4000" dirty="0">
                 <a:solidFill>
                   <a:schemeClr val="tx1"/>
                 </a:solidFill>
@@ -14496,7 +14345,7 @@
               <a:buNone/>
             </a:pPr>
             <a:r>
-              <a:rPr lang="en" sz="4000" dirty="0" smtClean="0">
+              <a:rPr lang="en" sz="4000" dirty="0">
                 <a:solidFill>
                   <a:schemeClr val="tx1"/>
                 </a:solidFill>
@@ -14512,7 +14361,7 @@
               <a:buNone/>
             </a:pPr>
             <a:r>
-              <a:rPr lang="en" sz="4000" dirty="0" smtClean="0">
+              <a:rPr lang="en" sz="4000" dirty="0">
                 <a:solidFill>
                   <a:schemeClr val="tx1"/>
                 </a:solidFill>
@@ -14520,7 +14369,7 @@
               <a:t>	4.2.1 $ git fetch </a:t>
             </a:r>
             <a:r>
-              <a:rPr lang="en-US" sz="4000" dirty="0" err="1" smtClean="0">
+              <a:rPr lang="en-US" sz="4000" dirty="0" err="1">
                 <a:solidFill>
                   <a:schemeClr val="tx1"/>
                 </a:solidFill>
@@ -14528,7 +14377,7 @@
               <a:t>nccsoft</a:t>
             </a:r>
             <a:r>
-              <a:rPr lang="en" sz="4000" dirty="0" smtClean="0">
+              <a:rPr lang="en" sz="4000" dirty="0">
                 <a:solidFill>
                   <a:schemeClr val="tx1"/>
                 </a:solidFill>
@@ -14536,14 +14385,14 @@
               <a:t> develop</a:t>
             </a:r>
             <a:br>
-              <a:rPr lang="en" sz="4000" dirty="0" smtClean="0">
+              <a:rPr lang="en" sz="4000" dirty="0">
                 <a:solidFill>
                   <a:schemeClr val="tx1"/>
                 </a:solidFill>
               </a:rPr>
             </a:br>
             <a:r>
-              <a:rPr lang="en" sz="4000" dirty="0" smtClean="0">
+              <a:rPr lang="en" sz="4000" dirty="0">
                 <a:solidFill>
                   <a:schemeClr val="tx1"/>
                 </a:solidFill>
@@ -14551,7 +14400,7 @@
               <a:t>4.2.2 </a:t>
             </a:r>
             <a:r>
-              <a:rPr lang="en-US" sz="4000" dirty="0" smtClean="0">
+              <a:rPr lang="en-US" sz="4000" dirty="0">
                 <a:solidFill>
                   <a:schemeClr val="tx1"/>
                 </a:solidFill>
@@ -14559,7 +14408,7 @@
               <a:t>$ </a:t>
             </a:r>
             <a:r>
-              <a:rPr lang="en" sz="4000" dirty="0" smtClean="0">
+              <a:rPr lang="en" sz="4000" dirty="0">
                 <a:solidFill>
                   <a:schemeClr val="tx1"/>
                 </a:solidFill>
@@ -14567,7 +14416,7 @@
               <a:t>git checkout </a:t>
             </a:r>
             <a:r>
-              <a:rPr lang="en-US" sz="4000" dirty="0" err="1" smtClean="0">
+              <a:rPr lang="en-US" sz="4000" dirty="0" err="1">
                 <a:solidFill>
                   <a:schemeClr val="tx1"/>
                 </a:solidFill>
@@ -14575,7 +14424,7 @@
               <a:t>nccsoft</a:t>
             </a:r>
             <a:r>
-              <a:rPr lang="en" sz="4000" dirty="0" smtClean="0">
+              <a:rPr lang="en" sz="4000" dirty="0">
                 <a:solidFill>
                   <a:schemeClr val="tx1"/>
                 </a:solidFill>
@@ -14583,14 +14432,14 @@
               <a:t>/develop</a:t>
             </a:r>
             <a:br>
-              <a:rPr lang="en" sz="4000" dirty="0" smtClean="0">
+              <a:rPr lang="en" sz="4000" dirty="0">
                 <a:solidFill>
                   <a:schemeClr val="tx1"/>
                 </a:solidFill>
               </a:rPr>
             </a:br>
             <a:r>
-              <a:rPr lang="en" sz="4000" dirty="0" smtClean="0">
+              <a:rPr lang="en" sz="4000" dirty="0">
                 <a:solidFill>
                   <a:schemeClr val="tx1"/>
                 </a:solidFill>
@@ -14598,7 +14447,7 @@
               <a:t>4.2.3 </a:t>
             </a:r>
             <a:r>
-              <a:rPr lang="en-US" sz="4000" dirty="0" smtClean="0">
+              <a:rPr lang="en-US" sz="4000" dirty="0">
                 <a:solidFill>
                   <a:schemeClr val="tx1"/>
                 </a:solidFill>
@@ -14606,18 +14455,13 @@
               <a:t>$ </a:t>
             </a:r>
             <a:r>
-              <a:rPr lang="en" sz="4000" dirty="0" smtClean="0">
+              <a:rPr lang="en" sz="4000" dirty="0">
                 <a:solidFill>
                   <a:schemeClr val="tx1"/>
                 </a:solidFill>
               </a:rPr>
               <a:t>git checkout -b develop</a:t>
             </a:r>
-            <a:endParaRPr lang="en" sz="4000" dirty="0">
-              <a:solidFill>
-                <a:schemeClr val="tx1"/>
-              </a:solidFill>
-            </a:endParaRPr>
           </a:p>
         </p:txBody>
       </p:sp>
@@ -14678,13 +14522,8 @@
           <a:p>
             <a:r>
               <a:rPr lang="en" dirty="0"/>
-              <a:t>Git </a:t>
-            </a:r>
-            <a:r>
-              <a:rPr lang="en" dirty="0" smtClean="0"/>
-              <a:t>flow</a:t>
-            </a:r>
-            <a:endParaRPr lang="en" dirty="0"/>
+              <a:t>Git flow</a:t>
+            </a:r>
           </a:p>
         </p:txBody>
       </p:sp>
@@ -14733,20 +14572,12 @@
               <a:t>$ </a:t>
             </a:r>
             <a:r>
-              <a:rPr lang="en" sz="4000" dirty="0" smtClean="0">
-                <a:solidFill>
-                  <a:schemeClr val="tx1"/>
-                </a:solidFill>
-              </a:rPr>
-              <a:t>git </a:t>
-            </a:r>
-            <a:r>
               <a:rPr lang="en" sz="4000" dirty="0">
                 <a:solidFill>
                   <a:schemeClr val="tx1"/>
                 </a:solidFill>
               </a:rPr>
-              <a:t>checkout -b new_branch</a:t>
+              <a:t>git checkout -b new_branch</a:t>
             </a:r>
             <a:br>
               <a:rPr lang="en" sz="4000" dirty="0">
@@ -14772,20 +14603,12 @@
               <a:t>$ </a:t>
             </a:r>
             <a:r>
-              <a:rPr lang="en" sz="4000" dirty="0" smtClean="0">
-                <a:solidFill>
-                  <a:schemeClr val="tx1"/>
-                </a:solidFill>
-              </a:rPr>
-              <a:t>git </a:t>
-            </a:r>
-            <a:r>
               <a:rPr lang="en" sz="4000" dirty="0">
                 <a:solidFill>
                   <a:schemeClr val="tx1"/>
                 </a:solidFill>
               </a:rPr>
-              <a:t>add/commit</a:t>
+              <a:t>git add/commit</a:t>
             </a:r>
             <a:br>
               <a:rPr lang="en" sz="4000" dirty="0">
@@ -14811,20 +14634,12 @@
               <a:t>$ </a:t>
             </a:r>
             <a:r>
-              <a:rPr lang="en" sz="4000" dirty="0" smtClean="0">
-                <a:solidFill>
-                  <a:schemeClr val="tx1"/>
-                </a:solidFill>
-              </a:rPr>
-              <a:t>git </a:t>
-            </a:r>
-            <a:r>
               <a:rPr lang="en" sz="4000" dirty="0">
                 <a:solidFill>
                   <a:schemeClr val="tx1"/>
                 </a:solidFill>
               </a:rPr>
-              <a:t>rebase develop</a:t>
+              <a:t>git rebase develop</a:t>
             </a:r>
           </a:p>
           <a:p>
@@ -14848,20 +14663,12 @@
               <a:t>$ </a:t>
             </a:r>
             <a:r>
-              <a:rPr lang="en" sz="4000" dirty="0" smtClean="0">
-                <a:solidFill>
-                  <a:schemeClr val="tx1"/>
-                </a:solidFill>
-              </a:rPr>
-              <a:t>git </a:t>
-            </a:r>
-            <a:r>
               <a:rPr lang="en" sz="4000" dirty="0">
                 <a:solidFill>
                   <a:schemeClr val="tx1"/>
                 </a:solidFill>
               </a:rPr>
-              <a:t>push origin new_branch</a:t>
+              <a:t>git push origin new_branch</a:t>
             </a:r>
             <a:br>
               <a:rPr lang="en" sz="4000" dirty="0">
@@ -14932,14 +14739,13 @@
           <a:lstStyle/>
           <a:p>
             <a:r>
-              <a:rPr lang="en-US" dirty="0" err="1" smtClean="0"/>
+              <a:rPr lang="en-US" dirty="0" err="1"/>
               <a:t>Git</a:t>
             </a:r>
             <a:r>
-              <a:rPr lang="en-US" dirty="0" smtClean="0"/>
+              <a:rPr lang="en-US" dirty="0"/>
               <a:t> basics</a:t>
             </a:r>
-            <a:endParaRPr lang="en-US" dirty="0"/>
           </a:p>
         </p:txBody>
       </p:sp>
@@ -14966,175 +14772,175 @@
           <a:lstStyle/>
           <a:p>
             <a:r>
-              <a:rPr lang="en-US" sz="5000" dirty="0" err="1" smtClean="0"/>
+              <a:rPr lang="en-US" sz="5000" dirty="0" err="1"/>
               <a:t>Phần</a:t>
             </a:r>
             <a:r>
-              <a:rPr lang="en-US" sz="5000" dirty="0" smtClean="0"/>
-              <a:t> </a:t>
-            </a:r>
-            <a:r>
-              <a:rPr lang="en-US" sz="5000" dirty="0" err="1" smtClean="0"/>
+              <a:rPr lang="en-US" sz="5000" dirty="0"/>
+              <a:t> </a:t>
+            </a:r>
+            <a:r>
+              <a:rPr lang="en-US" sz="5000" dirty="0" err="1"/>
               <a:t>lớn</a:t>
             </a:r>
             <a:r>
-              <a:rPr lang="en-US" sz="5000" dirty="0" smtClean="0"/>
-              <a:t> </a:t>
-            </a:r>
-            <a:r>
-              <a:rPr lang="en-US" sz="5000" dirty="0" err="1" smtClean="0"/>
+              <a:rPr lang="en-US" sz="5000" dirty="0"/>
+              <a:t> </a:t>
+            </a:r>
+            <a:r>
+              <a:rPr lang="en-US" sz="5000" dirty="0" err="1"/>
               <a:t>thao</a:t>
             </a:r>
             <a:r>
-              <a:rPr lang="en-US" sz="5000" dirty="0" smtClean="0"/>
-              <a:t> </a:t>
-            </a:r>
-            <a:r>
-              <a:rPr lang="en-US" sz="5000" dirty="0" err="1" smtClean="0"/>
+              <a:rPr lang="en-US" sz="5000" dirty="0"/>
+              <a:t> </a:t>
+            </a:r>
+            <a:r>
+              <a:rPr lang="en-US" sz="5000" dirty="0" err="1"/>
               <a:t>tác</a:t>
             </a:r>
             <a:r>
-              <a:rPr lang="en-US" sz="5000" dirty="0" smtClean="0"/>
-              <a:t> </a:t>
-            </a:r>
-            <a:r>
-              <a:rPr lang="en-US" sz="5000" dirty="0" err="1" smtClean="0"/>
+              <a:rPr lang="en-US" sz="5000" dirty="0"/>
+              <a:t> </a:t>
+            </a:r>
+            <a:r>
+              <a:rPr lang="en-US" sz="5000" dirty="0" err="1"/>
               <a:t>diễn</a:t>
             </a:r>
             <a:r>
-              <a:rPr lang="en-US" sz="5000" dirty="0" smtClean="0"/>
-              <a:t> </a:t>
-            </a:r>
-            <a:r>
-              <a:rPr lang="en-US" sz="5000" dirty="0" err="1" smtClean="0"/>
+              <a:rPr lang="en-US" sz="5000" dirty="0"/>
+              <a:t> </a:t>
+            </a:r>
+            <a:r>
+              <a:rPr lang="en-US" sz="5000" dirty="0" err="1"/>
               <a:t>ra</a:t>
             </a:r>
             <a:r>
-              <a:rPr lang="en-US" sz="5000" dirty="0" smtClean="0"/>
-              <a:t> </a:t>
-            </a:r>
-            <a:r>
-              <a:rPr lang="en-US" sz="5000" dirty="0" err="1" smtClean="0"/>
+              <a:rPr lang="en-US" sz="5000" dirty="0"/>
+              <a:t> </a:t>
+            </a:r>
+            <a:r>
+              <a:rPr lang="en-US" sz="5000" dirty="0" err="1"/>
               <a:t>trên</a:t>
             </a:r>
             <a:r>
-              <a:rPr lang="en-US" sz="5000" dirty="0" smtClean="0"/>
+              <a:rPr lang="en-US" sz="5000" dirty="0"/>
               <a:t> local.</a:t>
             </a:r>
           </a:p>
           <a:p>
             <a:r>
-              <a:rPr lang="en-US" sz="5000" dirty="0" err="1" smtClean="0"/>
+              <a:rPr lang="en-US" sz="5000" dirty="0" err="1"/>
               <a:t>Git</a:t>
             </a:r>
             <a:r>
-              <a:rPr lang="en-US" sz="5000" dirty="0" smtClean="0"/>
-              <a:t> </a:t>
-            </a:r>
-            <a:r>
-              <a:rPr lang="en-US" sz="5000" dirty="0" err="1" smtClean="0"/>
+              <a:rPr lang="en-US" sz="5000" dirty="0"/>
+              <a:t> </a:t>
+            </a:r>
+            <a:r>
+              <a:rPr lang="en-US" sz="5000" dirty="0" err="1"/>
               <a:t>chỉ</a:t>
             </a:r>
             <a:r>
-              <a:rPr lang="en-US" sz="5000" dirty="0" smtClean="0"/>
-              <a:t> </a:t>
-            </a:r>
-            <a:r>
-              <a:rPr lang="en-US" sz="5000" dirty="0" err="1" smtClean="0"/>
+              <a:rPr lang="en-US" sz="5000" dirty="0"/>
+              <a:t> </a:t>
+            </a:r>
+            <a:r>
+              <a:rPr lang="en-US" sz="5000" dirty="0" err="1"/>
               <a:t>thêm</a:t>
             </a:r>
             <a:r>
-              <a:rPr lang="en-US" sz="5000" dirty="0" smtClean="0"/>
-              <a:t> </a:t>
-            </a:r>
-            <a:r>
-              <a:rPr lang="en-US" sz="5000" dirty="0" err="1" smtClean="0"/>
+              <a:rPr lang="en-US" sz="5000" dirty="0"/>
+              <a:t> </a:t>
+            </a:r>
+            <a:r>
+              <a:rPr lang="en-US" sz="5000" dirty="0" err="1"/>
               <a:t>mới</a:t>
             </a:r>
             <a:r>
-              <a:rPr lang="en-US" sz="5000" dirty="0" smtClean="0"/>
-              <a:t> </a:t>
-            </a:r>
-            <a:r>
-              <a:rPr lang="en-US" sz="5000" dirty="0" err="1" smtClean="0"/>
+              <a:rPr lang="en-US" sz="5000" dirty="0"/>
+              <a:t> </a:t>
+            </a:r>
+            <a:r>
+              <a:rPr lang="en-US" sz="5000" dirty="0" err="1"/>
               <a:t>dữ</a:t>
             </a:r>
             <a:r>
-              <a:rPr lang="en-US" sz="5000" dirty="0" smtClean="0"/>
-              <a:t> </a:t>
-            </a:r>
-            <a:r>
-              <a:rPr lang="en-US" sz="5000" dirty="0" err="1" smtClean="0"/>
+              <a:rPr lang="en-US" sz="5000" dirty="0"/>
+              <a:t> </a:t>
+            </a:r>
+            <a:r>
+              <a:rPr lang="en-US" sz="5000" dirty="0" err="1"/>
               <a:t>liệu</a:t>
             </a:r>
             <a:r>
-              <a:rPr lang="en-US" sz="5000" dirty="0" smtClean="0"/>
+              <a:rPr lang="en-US" sz="5000" dirty="0"/>
               <a:t>.</a:t>
             </a:r>
           </a:p>
           <a:p>
             <a:r>
-              <a:rPr lang="en-US" sz="5000" dirty="0" smtClean="0"/>
+              <a:rPr lang="en-US" sz="5000" dirty="0"/>
               <a:t>3 </a:t>
             </a:r>
             <a:r>
-              <a:rPr lang="en-US" sz="5000" dirty="0" err="1" smtClean="0"/>
+              <a:rPr lang="en-US" sz="5000" dirty="0" err="1"/>
               <a:t>trạng</a:t>
             </a:r>
             <a:r>
-              <a:rPr lang="en-US" sz="5000" dirty="0" smtClean="0"/>
-              <a:t> </a:t>
-            </a:r>
-            <a:r>
-              <a:rPr lang="en-US" sz="5000" dirty="0" err="1" smtClean="0"/>
+              <a:rPr lang="en-US" sz="5000" dirty="0"/>
+              <a:t> </a:t>
+            </a:r>
+            <a:r>
+              <a:rPr lang="en-US" sz="5000" dirty="0" err="1"/>
               <a:t>thái</a:t>
             </a:r>
             <a:r>
-              <a:rPr lang="en-US" sz="5000" dirty="0" smtClean="0"/>
-              <a:t> </a:t>
-            </a:r>
-            <a:r>
-              <a:rPr lang="en-US" sz="5000" dirty="0" err="1" smtClean="0"/>
+              <a:rPr lang="en-US" sz="5000" dirty="0"/>
+              <a:t> </a:t>
+            </a:r>
+            <a:r>
+              <a:rPr lang="en-US" sz="5000" dirty="0" err="1"/>
               <a:t>trong</a:t>
             </a:r>
             <a:r>
-              <a:rPr lang="en-US" sz="5000" dirty="0" smtClean="0"/>
-              <a:t> </a:t>
-            </a:r>
-            <a:r>
-              <a:rPr lang="en-US" sz="5000" dirty="0" err="1" smtClean="0"/>
+              <a:rPr lang="en-US" sz="5000" dirty="0"/>
+              <a:t> </a:t>
+            </a:r>
+            <a:r>
+              <a:rPr lang="en-US" sz="5000" dirty="0" err="1"/>
               <a:t>Git</a:t>
             </a:r>
             <a:r>
-              <a:rPr lang="en-US" sz="5000" dirty="0" smtClean="0"/>
+              <a:rPr lang="en-US" sz="5000" dirty="0"/>
               <a:t>:</a:t>
             </a:r>
           </a:p>
           <a:p>
             <a:pPr lvl="1"/>
             <a:r>
-              <a:rPr lang="en-US" sz="4500" dirty="0" err="1" smtClean="0"/>
+              <a:rPr lang="en-US" sz="4500" dirty="0" err="1"/>
               <a:t>Commited</a:t>
             </a:r>
-            <a:endParaRPr lang="en-US" sz="4500" dirty="0" smtClean="0"/>
+            <a:endParaRPr lang="en-US" sz="4500" dirty="0"/>
           </a:p>
           <a:p>
             <a:pPr lvl="1"/>
             <a:r>
-              <a:rPr lang="en-US" sz="4500" dirty="0" err="1" smtClean="0"/>
+              <a:rPr lang="en-US" sz="4500" dirty="0" err="1"/>
               <a:t>Stagged</a:t>
             </a:r>
-            <a:endParaRPr lang="en-US" sz="4500" dirty="0" smtClean="0"/>
+            <a:endParaRPr lang="en-US" sz="4500" dirty="0"/>
           </a:p>
           <a:p>
             <a:pPr lvl="1"/>
             <a:r>
-              <a:rPr lang="en-US" sz="4500" dirty="0" smtClean="0"/>
+              <a:rPr lang="en-US" sz="4500" dirty="0"/>
               <a:t>Modified</a:t>
             </a:r>
           </a:p>
           <a:p>
-            <a:endParaRPr lang="en-US" dirty="0" smtClean="0"/>
+            <a:endParaRPr lang="en-US" dirty="0"/>
           </a:p>
         </p:txBody>
       </p:sp>
@@ -15236,13 +15042,8 @@
           <a:p>
             <a:r>
               <a:rPr lang="en" dirty="0"/>
-              <a:t>Git </a:t>
-            </a:r>
-            <a:r>
-              <a:rPr lang="en" dirty="0" smtClean="0"/>
-              <a:t>flow</a:t>
-            </a:r>
-            <a:endParaRPr lang="en" dirty="0"/>
+              <a:t>Git flow</a:t>
+            </a:r>
           </a:p>
         </p:txBody>
       </p:sp>
@@ -15298,23 +15099,7 @@
                   <a:schemeClr val="tx1"/>
                 </a:solidFill>
               </a:rPr>
-              <a:t>    7.1 </a:t>
-            </a:r>
-            <a:r>
-              <a:rPr lang="en" sz="4000" dirty="0" smtClean="0">
-                <a:solidFill>
-                  <a:schemeClr val="tx1"/>
-                </a:solidFill>
-              </a:rPr>
-              <a:t>$ git checkout </a:t>
-            </a:r>
-            <a:r>
-              <a:rPr lang="en" sz="4000" dirty="0">
-                <a:solidFill>
-                  <a:schemeClr val="tx1"/>
-                </a:solidFill>
-              </a:rPr>
-              <a:t>develop</a:t>
+              <a:t>    7.1 $ git checkout develop</a:t>
             </a:r>
             <a:br>
               <a:rPr lang="en" sz="4000" dirty="0">
@@ -15332,7 +15117,7 @@
               <a:t>    7.2 $ git pull </a:t>
             </a:r>
             <a:r>
-              <a:rPr lang="en-US" sz="4000" dirty="0" err="1" smtClean="0">
+              <a:rPr lang="en-US" sz="4000" dirty="0" err="1">
                 <a:solidFill>
                   <a:schemeClr val="tx1"/>
                 </a:solidFill>
@@ -15340,20 +15125,12 @@
               <a:t>nccsoft</a:t>
             </a:r>
             <a:r>
-              <a:rPr lang="en" sz="4000" dirty="0" smtClean="0">
-                <a:solidFill>
-                  <a:schemeClr val="tx1"/>
-                </a:solidFill>
-              </a:rPr>
-              <a:t> </a:t>
-            </a:r>
-            <a:r>
               <a:rPr lang="en" sz="4000" dirty="0">
                 <a:solidFill>
                   <a:schemeClr val="tx1"/>
                 </a:solidFill>
               </a:rPr>
-              <a:t>develop</a:t>
+              <a:t> develop</a:t>
             </a:r>
             <a:br>
               <a:rPr lang="en" sz="4000" dirty="0">
@@ -15445,13 +15222,8 @@
           <a:p>
             <a:r>
               <a:rPr lang="en" dirty="0"/>
-              <a:t>Git </a:t>
-            </a:r>
-            <a:r>
-              <a:rPr lang="en" dirty="0" smtClean="0"/>
-              <a:t>flow</a:t>
-            </a:r>
-            <a:endParaRPr lang="en" dirty="0"/>
+              <a:t>Git flow</a:t>
+            </a:r>
           </a:p>
         </p:txBody>
       </p:sp>
@@ -15487,20 +15259,12 @@
               <a:buNone/>
             </a:pPr>
             <a:r>
-              <a:rPr lang="en" sz="4000" dirty="0" smtClean="0">
-                <a:solidFill>
-                  <a:schemeClr val="tx1"/>
-                </a:solidFill>
-              </a:rPr>
-              <a:t>7.4 </a:t>
-            </a:r>
-            <a:r>
               <a:rPr lang="en" sz="4000" dirty="0">
                 <a:solidFill>
                   <a:schemeClr val="tx1"/>
                 </a:solidFill>
               </a:rPr>
-              <a:t>$ git rebase develop</a:t>
+              <a:t>7.4 $ git rebase develop</a:t>
             </a:r>
           </a:p>
           <a:p>
@@ -15511,20 +15275,12 @@
               <a:buNone/>
             </a:pPr>
             <a:r>
-              <a:rPr lang="en" sz="4000" dirty="0" smtClean="0">
-                <a:solidFill>
-                  <a:schemeClr val="tx1"/>
-                </a:solidFill>
-              </a:rPr>
-              <a:t>If </a:t>
-            </a:r>
-            <a:r>
               <a:rPr lang="en" sz="4000" dirty="0">
                 <a:solidFill>
                   <a:schemeClr val="tx1"/>
                 </a:solidFill>
               </a:rPr>
-              <a:t>conflict:</a:t>
+              <a:t>If conflict:</a:t>
             </a:r>
             <a:br>
               <a:rPr lang="en" sz="4000" dirty="0">
@@ -15534,20 +15290,12 @@
               </a:rPr>
             </a:br>
             <a:r>
-              <a:rPr lang="en" sz="4000" dirty="0" smtClean="0">
-                <a:solidFill>
-                  <a:schemeClr val="tx1"/>
-                </a:solidFill>
-              </a:rPr>
-              <a:t>7.4.1 </a:t>
-            </a:r>
-            <a:r>
               <a:rPr lang="en" sz="4000" dirty="0">
                 <a:solidFill>
                   <a:schemeClr val="tx1"/>
                 </a:solidFill>
               </a:rPr>
-              <a:t>(no branch) </a:t>
+              <a:t>7.4.1 (no branch) </a:t>
             </a:r>
           </a:p>
           <a:p>
@@ -15558,34 +15306,13 @@
               <a:buNone/>
             </a:pPr>
             <a:r>
-              <a:rPr lang="en" sz="4000" dirty="0" smtClean="0">
-                <a:solidFill>
-                  <a:schemeClr val="tx1"/>
-                </a:solidFill>
-              </a:rPr>
-              <a:t>		7.4.2 </a:t>
-            </a:r>
-            <a:r>
               <a:rPr lang="en" sz="4000" dirty="0">
                 <a:solidFill>
                   <a:schemeClr val="tx1"/>
                 </a:solidFill>
               </a:rPr>
-              <a:t>fix </a:t>
-            </a:r>
-            <a:r>
-              <a:rPr lang="en" sz="4000" dirty="0" smtClean="0">
-                <a:solidFill>
-                  <a:schemeClr val="tx1"/>
-                </a:solidFill>
-              </a:rPr>
-              <a:t>conflict</a:t>
-            </a:r>
-            <a:endParaRPr lang="en" sz="4000" dirty="0">
-              <a:solidFill>
-                <a:schemeClr val="tx1"/>
-              </a:solidFill>
-            </a:endParaRPr>
+              <a:t>		7.4.2 fix conflict</a:t>
+            </a:r>
           </a:p>
           <a:p>
             <a:pPr>
@@ -15600,23 +15327,7 @@
                   <a:schemeClr val="tx1"/>
                 </a:solidFill>
               </a:rPr>
-              <a:t>	</a:t>
-            </a:r>
-            <a:r>
-              <a:rPr lang="en" sz="4000" dirty="0" smtClean="0">
-                <a:solidFill>
-                  <a:schemeClr val="tx1"/>
-                </a:solidFill>
-              </a:rPr>
-              <a:t>	7.4.3 </a:t>
-            </a:r>
-            <a:r>
-              <a:rPr lang="en" sz="4000" dirty="0">
-                <a:solidFill>
-                  <a:schemeClr val="tx1"/>
-                </a:solidFill>
-              </a:rPr>
-              <a:t>$ git add</a:t>
+              <a:t>		7.4.3 $ git add</a:t>
             </a:r>
             <a:br>
               <a:rPr lang="en" sz="4000" dirty="0">
@@ -15631,23 +15342,7 @@
                   <a:schemeClr val="tx1"/>
                 </a:solidFill>
               </a:rPr>
-              <a:t>	</a:t>
-            </a:r>
-            <a:r>
-              <a:rPr lang="en" sz="4000" dirty="0" smtClean="0">
-                <a:solidFill>
-                  <a:schemeClr val="tx1"/>
-                </a:solidFill>
-              </a:rPr>
-              <a:t>7.4.4 </a:t>
-            </a:r>
-            <a:r>
-              <a:rPr lang="en" sz="4000" dirty="0">
-                <a:solidFill>
-                  <a:schemeClr val="tx1"/>
-                </a:solidFill>
-              </a:rPr>
-              <a:t>$ git rebase --continue</a:t>
+              <a:t>	7.4.4 $ git rebase --continue</a:t>
             </a:r>
           </a:p>
         </p:txBody>
@@ -15709,13 +15404,8 @@
           <a:p>
             <a:r>
               <a:rPr lang="en" dirty="0"/>
-              <a:t>Git </a:t>
-            </a:r>
-            <a:r>
-              <a:rPr lang="en" dirty="0" smtClean="0"/>
-              <a:t>flow</a:t>
-            </a:r>
-            <a:endParaRPr lang="en" dirty="0"/>
+              <a:t>Git flow</a:t>
+            </a:r>
           </a:p>
         </p:txBody>
       </p:sp>
@@ -16073,18 +15763,17 @@
           <a:lstStyle/>
           <a:p>
             <a:r>
-              <a:rPr lang="en-US" dirty="0" err="1" smtClean="0"/>
+              <a:rPr lang="en-US" dirty="0" err="1"/>
               <a:t>Git</a:t>
             </a:r>
             <a:r>
-              <a:rPr lang="en-US" dirty="0" smtClean="0"/>
+              <a:rPr lang="en-US" dirty="0"/>
               <a:t> basics </a:t>
             </a:r>
             <a:r>
-              <a:rPr lang="en-US" sz="2800" dirty="0" smtClean="0"/>
+              <a:rPr lang="en-US" sz="2800" dirty="0"/>
               <a:t>(bonus)</a:t>
             </a:r>
-            <a:endParaRPr lang="en-US" sz="2800" dirty="0"/>
           </a:p>
         </p:txBody>
       </p:sp>
@@ -16109,34 +15798,34 @@
           <a:lstStyle/>
           <a:p>
             <a:r>
-              <a:rPr lang="en-US" sz="2400" dirty="0" err="1" smtClean="0"/>
+              <a:rPr lang="en-US" sz="2400" dirty="0" err="1"/>
               <a:t>Thiết</a:t>
             </a:r>
             <a:r>
-              <a:rPr lang="en-US" sz="2400" dirty="0" smtClean="0"/>
-              <a:t> </a:t>
-            </a:r>
-            <a:r>
-              <a:rPr lang="en-US" sz="2400" dirty="0" err="1" smtClean="0"/>
+              <a:rPr lang="en-US" sz="2400" dirty="0"/>
+              <a:t> </a:t>
+            </a:r>
+            <a:r>
+              <a:rPr lang="en-US" sz="2400" dirty="0" err="1"/>
               <a:t>lập</a:t>
             </a:r>
             <a:r>
-              <a:rPr lang="en-US" sz="2400" dirty="0" smtClean="0"/>
-              <a:t> </a:t>
-            </a:r>
-            <a:r>
-              <a:rPr lang="en-US" sz="2400" dirty="0" err="1" smtClean="0"/>
+              <a:rPr lang="en-US" sz="2400" dirty="0"/>
+              <a:t> </a:t>
+            </a:r>
+            <a:r>
+              <a:rPr lang="en-US" sz="2400" dirty="0" err="1"/>
               <a:t>danh</a:t>
             </a:r>
             <a:r>
-              <a:rPr lang="en-US" sz="2400" dirty="0" smtClean="0"/>
-              <a:t> </a:t>
-            </a:r>
-            <a:r>
-              <a:rPr lang="en-US" sz="2400" dirty="0" err="1" smtClean="0"/>
+              <a:rPr lang="en-US" sz="2400" dirty="0"/>
+              <a:t> </a:t>
+            </a:r>
+            <a:r>
+              <a:rPr lang="en-US" sz="2400" dirty="0" err="1"/>
               <a:t>tính</a:t>
             </a:r>
-            <a:endParaRPr lang="en-US" sz="2400" dirty="0" smtClean="0"/>
+            <a:endParaRPr lang="en-US" sz="2400" dirty="0"/>
           </a:p>
           <a:p>
             <a:pPr marL="530352" lvl="1" indent="0">
@@ -16180,26 +15869,18 @@
                   <a:srgbClr val="C00000"/>
                 </a:solidFill>
               </a:rPr>
-              <a:t> --global user.name </a:t>
-            </a:r>
-            <a:r>
-              <a:rPr lang="en-US" sz="2400" i="0" dirty="0" smtClean="0">
+              <a:t> --global user.name “</a:t>
+            </a:r>
+            <a:r>
+              <a:rPr lang="en-US" sz="2400" i="0" dirty="0" err="1">
                 <a:solidFill>
                   <a:srgbClr val="C00000"/>
                 </a:solidFill>
               </a:rPr>
-              <a:t>“</a:t>
-            </a:r>
-            <a:r>
-              <a:rPr lang="en-US" sz="2400" i="0" dirty="0" err="1" smtClean="0">
-                <a:solidFill>
-                  <a:srgbClr val="C00000"/>
-                </a:solidFill>
-              </a:rPr>
               <a:t>Thaibm</a:t>
             </a:r>
             <a:r>
-              <a:rPr lang="en-US" sz="2400" i="0" dirty="0" smtClean="0">
+              <a:rPr lang="en-US" sz="2400" i="0" dirty="0">
                 <a:solidFill>
                   <a:srgbClr val="C00000"/>
                 </a:solidFill>
@@ -16212,7 +15893,7 @@
               <a:buNone/>
             </a:pPr>
             <a:r>
-              <a:rPr lang="en-US" sz="2400" i="0" dirty="0" smtClean="0">
+              <a:rPr lang="en-US" sz="2400" i="0" dirty="0">
                 <a:solidFill>
                   <a:srgbClr val="C00000"/>
                 </a:solidFill>
@@ -16265,15 +15946,7 @@
                   <a:srgbClr val="C00000"/>
                 </a:solidFill>
               </a:rPr>
-              <a:t> </a:t>
-            </a:r>
-            <a:r>
-              <a:rPr lang="en-US" sz="2400" i="0" dirty="0" smtClean="0">
-                <a:solidFill>
-                  <a:srgbClr val="C00000"/>
-                </a:solidFill>
-              </a:rPr>
-              <a:t>thai.buiminh@nccsoft.vn</a:t>
+              <a:t> thai.buiminh@nccsoft.vn</a:t>
             </a:r>
           </a:p>
           <a:p>
@@ -16284,19 +15957,19 @@
           </a:p>
           <a:p>
             <a:r>
-              <a:rPr lang="en-US" sz="2400" i="0" dirty="0" err="1" smtClean="0"/>
+              <a:rPr lang="en-US" sz="2400" i="0" dirty="0" err="1"/>
               <a:t>Thiết</a:t>
             </a:r>
             <a:r>
-              <a:rPr lang="en-US" sz="2400" i="0" dirty="0" smtClean="0"/>
-              <a:t> </a:t>
-            </a:r>
-            <a:r>
-              <a:rPr lang="en-US" sz="2400" i="0" dirty="0" err="1" smtClean="0"/>
+              <a:rPr lang="en-US" sz="2400" i="0" dirty="0"/>
+              <a:t> </a:t>
+            </a:r>
+            <a:r>
+              <a:rPr lang="en-US" sz="2400" i="0" dirty="0" err="1"/>
               <a:t>lập</a:t>
             </a:r>
             <a:r>
-              <a:rPr lang="en-US" sz="2400" i="0" dirty="0" smtClean="0"/>
+              <a:rPr lang="en-US" sz="2400" i="0" dirty="0"/>
               <a:t> alias</a:t>
             </a:r>
           </a:p>
@@ -16477,15 +16150,7 @@
                   <a:srgbClr val="C00000"/>
                 </a:solidFill>
               </a:rPr>
-              <a:t> --global alias.st </a:t>
-            </a:r>
-            <a:r>
-              <a:rPr lang="en-US" sz="2400" dirty="0" smtClean="0">
-                <a:solidFill>
-                  <a:srgbClr val="C00000"/>
-                </a:solidFill>
-              </a:rPr>
-              <a:t>status</a:t>
+              <a:t> --global alias.st status</a:t>
             </a:r>
           </a:p>
           <a:p>
@@ -16493,10 +16158,10 @@
           </a:p>
           <a:p>
             <a:pPr lvl="1"/>
-            <a:endParaRPr lang="en-US" i="0" dirty="0" smtClean="0"/>
-          </a:p>
-          <a:p>
-            <a:endParaRPr lang="en-US" i="0" dirty="0" smtClean="0"/>
+            <a:endParaRPr lang="en-US" i="0" dirty="0"/>
+          </a:p>
+          <a:p>
+            <a:endParaRPr lang="en-US" i="0" dirty="0"/>
           </a:p>
         </p:txBody>
       </p:sp>
@@ -16551,14 +16216,13 @@
           <a:lstStyle/>
           <a:p>
             <a:r>
-              <a:rPr lang="en-US" dirty="0" err="1" smtClean="0"/>
+              <a:rPr lang="en-US" dirty="0" err="1"/>
               <a:t>Git</a:t>
             </a:r>
             <a:r>
-              <a:rPr lang="en-US" dirty="0" smtClean="0"/>
+              <a:rPr lang="en-US" dirty="0"/>
               <a:t> basics</a:t>
             </a:r>
-            <a:endParaRPr lang="en-US" dirty="0"/>
           </a:p>
         </p:txBody>
       </p:sp>
@@ -16585,101 +16249,101 @@
           <a:lstStyle/>
           <a:p>
             <a:r>
-              <a:rPr lang="en-US" sz="2800" dirty="0" err="1" smtClean="0"/>
+              <a:rPr lang="en-US" sz="2800" dirty="0" err="1"/>
               <a:t>Các</a:t>
             </a:r>
             <a:r>
-              <a:rPr lang="en-US" sz="2800" dirty="0" smtClean="0"/>
-              <a:t> </a:t>
-            </a:r>
-            <a:r>
-              <a:rPr lang="en-US" sz="2800" dirty="0" err="1" smtClean="0"/>
+              <a:rPr lang="en-US" sz="2800" dirty="0"/>
+              <a:t> </a:t>
+            </a:r>
+            <a:r>
+              <a:rPr lang="en-US" sz="2800" dirty="0" err="1"/>
               <a:t>câu</a:t>
             </a:r>
             <a:r>
-              <a:rPr lang="en-US" sz="2800" dirty="0" smtClean="0"/>
-              <a:t> </a:t>
-            </a:r>
-            <a:r>
-              <a:rPr lang="en-US" sz="2800" dirty="0" err="1" smtClean="0"/>
+              <a:rPr lang="en-US" sz="2800" dirty="0"/>
+              <a:t> </a:t>
+            </a:r>
+            <a:r>
+              <a:rPr lang="en-US" sz="2800" dirty="0" err="1"/>
               <a:t>lệnh</a:t>
             </a:r>
             <a:r>
-              <a:rPr lang="en-US" sz="2800" dirty="0" smtClean="0"/>
-              <a:t> </a:t>
-            </a:r>
-            <a:r>
-              <a:rPr lang="en-US" sz="2800" dirty="0" err="1" smtClean="0"/>
+              <a:rPr lang="en-US" sz="2800" dirty="0"/>
+              <a:t> </a:t>
+            </a:r>
+            <a:r>
+              <a:rPr lang="en-US" sz="2800" dirty="0" err="1"/>
               <a:t>cơ</a:t>
             </a:r>
             <a:r>
-              <a:rPr lang="en-US" sz="2800" dirty="0" smtClean="0"/>
-              <a:t> </a:t>
-            </a:r>
-            <a:r>
-              <a:rPr lang="en-US" sz="2800" dirty="0" err="1" smtClean="0"/>
+              <a:rPr lang="en-US" sz="2800" dirty="0"/>
+              <a:t> </a:t>
+            </a:r>
+            <a:r>
+              <a:rPr lang="en-US" sz="2800" dirty="0" err="1"/>
               <a:t>bản</a:t>
             </a:r>
             <a:r>
-              <a:rPr lang="en-US" sz="2800" dirty="0" smtClean="0"/>
+              <a:rPr lang="en-US" sz="2800" dirty="0"/>
               <a:t>:</a:t>
             </a:r>
           </a:p>
           <a:p>
             <a:pPr lvl="1"/>
             <a:r>
-              <a:rPr lang="en-US" sz="2800" dirty="0" err="1" smtClean="0"/>
+              <a:rPr lang="en-US" sz="2800" dirty="0" err="1"/>
               <a:t>Khởi</a:t>
             </a:r>
             <a:r>
-              <a:rPr lang="en-US" sz="2800" dirty="0" smtClean="0"/>
-              <a:t> </a:t>
-            </a:r>
-            <a:r>
-              <a:rPr lang="en-US" sz="2800" dirty="0" err="1" smtClean="0"/>
+              <a:rPr lang="en-US" sz="2800" dirty="0"/>
+              <a:t> </a:t>
+            </a:r>
+            <a:r>
+              <a:rPr lang="en-US" sz="2800" dirty="0" err="1"/>
               <a:t>tạo</a:t>
             </a:r>
             <a:r>
-              <a:rPr lang="en-US" sz="2800" dirty="0" smtClean="0"/>
+              <a:rPr lang="en-US" sz="2800" dirty="0"/>
               <a:t> repo </a:t>
             </a:r>
             <a:r>
-              <a:rPr lang="en-US" sz="2800" dirty="0" err="1" smtClean="0"/>
+              <a:rPr lang="en-US" sz="2800" dirty="0" err="1"/>
               <a:t>từ</a:t>
             </a:r>
             <a:r>
-              <a:rPr lang="en-US" sz="2800" dirty="0" smtClean="0"/>
-              <a:t> </a:t>
-            </a:r>
-            <a:r>
-              <a:rPr lang="en-US" sz="2800" dirty="0" err="1" smtClean="0"/>
+              <a:rPr lang="en-US" sz="2800" dirty="0"/>
+              <a:t> </a:t>
+            </a:r>
+            <a:r>
+              <a:rPr lang="en-US" sz="2800" dirty="0" err="1"/>
               <a:t>thư</a:t>
             </a:r>
             <a:r>
-              <a:rPr lang="en-US" sz="2800" dirty="0" smtClean="0"/>
-              <a:t> </a:t>
-            </a:r>
-            <a:r>
-              <a:rPr lang="en-US" sz="2800" dirty="0" err="1" smtClean="0"/>
+              <a:rPr lang="en-US" sz="2800" dirty="0"/>
+              <a:t> </a:t>
+            </a:r>
+            <a:r>
+              <a:rPr lang="en-US" sz="2800" dirty="0" err="1"/>
               <a:t>mục</a:t>
             </a:r>
             <a:r>
-              <a:rPr lang="en-US" sz="2800" dirty="0" smtClean="0"/>
-              <a:t> </a:t>
-            </a:r>
-            <a:r>
-              <a:rPr lang="en-US" sz="2800" dirty="0" err="1" smtClean="0"/>
+              <a:rPr lang="en-US" sz="2800" dirty="0"/>
+              <a:t> </a:t>
+            </a:r>
+            <a:r>
+              <a:rPr lang="en-US" sz="2800" dirty="0" err="1"/>
               <a:t>cũ</a:t>
             </a:r>
             <a:r>
-              <a:rPr lang="en-US" sz="2800" dirty="0" smtClean="0"/>
+              <a:rPr lang="en-US" sz="2800" dirty="0"/>
               <a:t>:</a:t>
             </a:r>
             <a:br>
-              <a:rPr lang="en-US" sz="2800" dirty="0" smtClean="0"/>
+              <a:rPr lang="en-US" sz="2800" dirty="0"/>
             </a:br>
             <a:r>
-              <a:rPr lang="en-US" sz="2400" i="0" dirty="0" smtClean="0">
+              <a:rPr lang="en-US" sz="2400" i="0" dirty="0">
                 <a:solidFill>
                   <a:srgbClr val="C00000"/>
                 </a:solidFill>
@@ -16687,7 +16351,7 @@
               <a:t>$ </a:t>
             </a:r>
             <a:r>
-              <a:rPr lang="en-US" sz="2400" i="0" dirty="0" err="1" smtClean="0">
+              <a:rPr lang="en-US" sz="2400" i="0" dirty="0" err="1">
                 <a:solidFill>
                   <a:srgbClr val="C00000"/>
                 </a:solidFill>
@@ -16695,7 +16359,7 @@
               <a:t>git</a:t>
             </a:r>
             <a:r>
-              <a:rPr lang="en-US" sz="2400" i="0" dirty="0" smtClean="0">
+              <a:rPr lang="en-US" sz="2400" i="0" dirty="0">
                 <a:solidFill>
                   <a:srgbClr val="C00000"/>
                 </a:solidFill>
@@ -16703,14 +16367,14 @@
               <a:t> </a:t>
             </a:r>
             <a:r>
-              <a:rPr lang="en-US" sz="2400" i="0" dirty="0" err="1" smtClean="0">
+              <a:rPr lang="en-US" sz="2400" i="0" dirty="0" err="1">
                 <a:solidFill>
                   <a:srgbClr val="C00000"/>
                 </a:solidFill>
               </a:rPr>
               <a:t>init</a:t>
             </a:r>
-            <a:endParaRPr lang="en-US" sz="2400" i="0" dirty="0" smtClean="0">
+            <a:endParaRPr lang="en-US" sz="2400" i="0" dirty="0">
               <a:solidFill>
                 <a:srgbClr val="C00000"/>
               </a:solidFill>
@@ -16719,27 +16383,27 @@
           <a:p>
             <a:pPr lvl="1"/>
             <a:r>
-              <a:rPr lang="en-US" sz="2800" dirty="0" err="1" smtClean="0"/>
+              <a:rPr lang="en-US" sz="2800" dirty="0" err="1"/>
               <a:t>Thêm</a:t>
             </a:r>
             <a:r>
-              <a:rPr lang="en-US" sz="2800" dirty="0" smtClean="0"/>
-              <a:t> </a:t>
-            </a:r>
-            <a:r>
-              <a:rPr lang="en-US" sz="2800" dirty="0" err="1" smtClean="0"/>
+              <a:rPr lang="en-US" sz="2800" dirty="0"/>
+              <a:t> </a:t>
+            </a:r>
+            <a:r>
+              <a:rPr lang="en-US" sz="2800" dirty="0" err="1"/>
               <a:t>vào</a:t>
             </a:r>
             <a:r>
-              <a:rPr lang="en-US" sz="2800" dirty="0" smtClean="0"/>
-              <a:t> </a:t>
-            </a:r>
-            <a:r>
-              <a:rPr lang="en-US" sz="2800" dirty="0" err="1" smtClean="0"/>
+              <a:rPr lang="en-US" sz="2800" dirty="0"/>
+              <a:t> </a:t>
+            </a:r>
+            <a:r>
+              <a:rPr lang="en-US" sz="2800" dirty="0" err="1"/>
               <a:t>vùng</a:t>
             </a:r>
             <a:r>
-              <a:rPr lang="en-US" sz="2800" dirty="0" smtClean="0"/>
+              <a:rPr lang="en-US" sz="2800" dirty="0"/>
               <a:t> Stage</a:t>
             </a:r>
           </a:p>
@@ -16748,7 +16412,7 @@
               <a:buNone/>
             </a:pPr>
             <a:r>
-              <a:rPr lang="en-US" sz="2400" dirty="0" smtClean="0">
+              <a:rPr lang="en-US" sz="2400" dirty="0">
                 <a:solidFill>
                   <a:srgbClr val="C00000"/>
                 </a:solidFill>
@@ -16756,7 +16420,7 @@
               <a:t>$ </a:t>
             </a:r>
             <a:r>
-              <a:rPr lang="en-US" sz="2400" dirty="0" err="1" smtClean="0">
+              <a:rPr lang="en-US" sz="2400" dirty="0" err="1">
                 <a:solidFill>
                   <a:srgbClr val="C00000"/>
                 </a:solidFill>
@@ -16764,7 +16428,7 @@
               <a:t>git</a:t>
             </a:r>
             <a:r>
-              <a:rPr lang="en-US" sz="2400" dirty="0" smtClean="0">
+              <a:rPr lang="en-US" sz="2400" dirty="0">
                 <a:solidFill>
                   <a:srgbClr val="C00000"/>
                 </a:solidFill>
@@ -16772,7 +16436,7 @@
               <a:t> add &lt;</a:t>
             </a:r>
             <a:r>
-              <a:rPr lang="en-US" sz="2400" dirty="0" err="1" smtClean="0">
+              <a:rPr lang="en-US" sz="2400" dirty="0" err="1">
                 <a:solidFill>
                   <a:srgbClr val="C00000"/>
                 </a:solidFill>
@@ -16780,7 +16444,7 @@
               <a:t>file_name</a:t>
             </a:r>
             <a:r>
-              <a:rPr lang="en-US" sz="2400" dirty="0" smtClean="0">
+              <a:rPr lang="en-US" sz="2400" dirty="0">
                 <a:solidFill>
                   <a:srgbClr val="C00000"/>
                 </a:solidFill>
@@ -16793,7 +16457,7 @@
               <a:buNone/>
             </a:pPr>
             <a:r>
-              <a:rPr lang="en-US" sz="2400" dirty="0" smtClean="0">
+              <a:rPr lang="en-US" sz="2400" dirty="0">
                 <a:solidFill>
                   <a:srgbClr val="C00000"/>
                 </a:solidFill>
@@ -16801,7 +16465,7 @@
               <a:t>$ </a:t>
             </a:r>
             <a:r>
-              <a:rPr lang="en-US" sz="2400" dirty="0" err="1" smtClean="0">
+              <a:rPr lang="en-US" sz="2400" dirty="0" err="1">
                 <a:solidFill>
                   <a:srgbClr val="C00000"/>
                 </a:solidFill>
@@ -16809,23 +16473,18 @@
               <a:t>git</a:t>
             </a:r>
             <a:r>
-              <a:rPr lang="en-US" sz="2400" dirty="0" smtClean="0">
+              <a:rPr lang="en-US" sz="2400" dirty="0">
                 <a:solidFill>
                   <a:srgbClr val="C00000"/>
                 </a:solidFill>
               </a:rPr>
               <a:t> add .</a:t>
             </a:r>
-            <a:endParaRPr lang="en-US" sz="2400" dirty="0">
-              <a:solidFill>
-                <a:srgbClr val="C00000"/>
-              </a:solidFill>
-            </a:endParaRPr>
           </a:p>
           <a:p>
             <a:pPr lvl="1"/>
             <a:r>
-              <a:rPr lang="en-US" sz="2800" dirty="0" smtClean="0"/>
+              <a:rPr lang="en-US" sz="2800" dirty="0"/>
               <a:t>Commit</a:t>
             </a:r>
           </a:p>
@@ -16834,7 +16493,7 @@
               <a:buNone/>
             </a:pPr>
             <a:r>
-              <a:rPr lang="en-US" sz="2400" dirty="0" smtClean="0">
+              <a:rPr lang="en-US" sz="2400" dirty="0">
                 <a:solidFill>
                   <a:srgbClr val="C00000"/>
                 </a:solidFill>
@@ -16842,7 +16501,7 @@
               <a:t>$ </a:t>
             </a:r>
             <a:r>
-              <a:rPr lang="en-US" sz="2400" dirty="0" err="1" smtClean="0">
+              <a:rPr lang="en-US" sz="2400" dirty="0" err="1">
                 <a:solidFill>
                   <a:srgbClr val="C00000"/>
                 </a:solidFill>
@@ -16850,7 +16509,7 @@
               <a:t>git</a:t>
             </a:r>
             <a:r>
-              <a:rPr lang="en-US" sz="2400" dirty="0" smtClean="0">
+              <a:rPr lang="en-US" sz="2400" dirty="0">
                 <a:solidFill>
                   <a:srgbClr val="C00000"/>
                 </a:solidFill>
@@ -16863,7 +16522,7 @@
               <a:buNone/>
             </a:pPr>
             <a:r>
-              <a:rPr lang="en-US" sz="2400" dirty="0" smtClean="0">
+              <a:rPr lang="en-US" sz="2400" dirty="0">
                 <a:solidFill>
                   <a:srgbClr val="C00000"/>
                 </a:solidFill>
@@ -16871,7 +16530,7 @@
               <a:t>$ </a:t>
             </a:r>
             <a:r>
-              <a:rPr lang="en-US" sz="2400" dirty="0" err="1" smtClean="0">
+              <a:rPr lang="en-US" sz="2400" dirty="0" err="1">
                 <a:solidFill>
                   <a:srgbClr val="C00000"/>
                 </a:solidFill>
@@ -16879,65 +16538,60 @@
               <a:t>git</a:t>
             </a:r>
             <a:r>
-              <a:rPr lang="en-US" sz="2400" dirty="0" smtClean="0">
+              <a:rPr lang="en-US" sz="2400" dirty="0">
                 <a:solidFill>
                   <a:srgbClr val="C00000"/>
                 </a:solidFill>
               </a:rPr>
               <a:t> commit –a –m “Description…”</a:t>
             </a:r>
-            <a:endParaRPr lang="en-US" sz="2400" dirty="0">
-              <a:solidFill>
-                <a:srgbClr val="C00000"/>
-              </a:solidFill>
-            </a:endParaRPr>
           </a:p>
           <a:p>
             <a:pPr lvl="1"/>
             <a:r>
-              <a:rPr lang="en-US" sz="2800" dirty="0" smtClean="0"/>
+              <a:rPr lang="en-US" sz="2800" dirty="0"/>
               <a:t>Sao </a:t>
             </a:r>
             <a:r>
-              <a:rPr lang="en-US" sz="2800" dirty="0" err="1" smtClean="0"/>
+              <a:rPr lang="en-US" sz="2800" dirty="0" err="1"/>
               <a:t>chép</a:t>
             </a:r>
             <a:r>
-              <a:rPr lang="en-US" sz="2800" dirty="0" smtClean="0"/>
-              <a:t> </a:t>
-            </a:r>
-            <a:r>
-              <a:rPr lang="en-US" sz="2800" dirty="0" err="1" smtClean="0"/>
+              <a:rPr lang="en-US" sz="2800" dirty="0"/>
+              <a:t> </a:t>
+            </a:r>
+            <a:r>
+              <a:rPr lang="en-US" sz="2800" dirty="0" err="1"/>
               <a:t>một</a:t>
             </a:r>
             <a:r>
-              <a:rPr lang="en-US" sz="2800" dirty="0" smtClean="0"/>
-              <a:t> </a:t>
-            </a:r>
-            <a:r>
-              <a:rPr lang="en-US" sz="2800" dirty="0" err="1" smtClean="0"/>
+              <a:rPr lang="en-US" sz="2800" dirty="0"/>
+              <a:t> </a:t>
+            </a:r>
+            <a:r>
+              <a:rPr lang="en-US" sz="2800" dirty="0" err="1"/>
               <a:t>kho</a:t>
             </a:r>
             <a:r>
-              <a:rPr lang="en-US" sz="2800" dirty="0" smtClean="0"/>
-              <a:t> </a:t>
-            </a:r>
-            <a:r>
-              <a:rPr lang="en-US" sz="2800" dirty="0" err="1" smtClean="0"/>
+              <a:rPr lang="en-US" sz="2800" dirty="0"/>
+              <a:t> </a:t>
+            </a:r>
+            <a:r>
+              <a:rPr lang="en-US" sz="2800" dirty="0" err="1"/>
               <a:t>chứa</a:t>
             </a:r>
-            <a:endParaRPr lang="en-US" sz="2800" dirty="0" smtClean="0"/>
+            <a:endParaRPr lang="en-US" sz="2800" dirty="0"/>
           </a:p>
           <a:p>
             <a:pPr marL="530352" lvl="1" indent="0">
               <a:buNone/>
             </a:pPr>
             <a:r>
-              <a:rPr lang="en-US" sz="2800" dirty="0" smtClean="0"/>
+              <a:rPr lang="en-US" sz="2800" dirty="0"/>
               <a:t>	</a:t>
             </a:r>
             <a:r>
-              <a:rPr lang="en-US" sz="2400" i="0" dirty="0" smtClean="0">
+              <a:rPr lang="en-US" sz="2400" i="0" dirty="0">
                 <a:solidFill>
                   <a:srgbClr val="C00000"/>
                 </a:solidFill>
@@ -16945,7 +16599,7 @@
               <a:t>$ </a:t>
             </a:r>
             <a:r>
-              <a:rPr lang="en-US" sz="2400" i="0" dirty="0" err="1" smtClean="0">
+              <a:rPr lang="en-US" sz="2400" i="0" dirty="0" err="1">
                 <a:solidFill>
                   <a:srgbClr val="C00000"/>
                 </a:solidFill>
@@ -16953,7 +16607,7 @@
               <a:t>git</a:t>
             </a:r>
             <a:r>
-              <a:rPr lang="en-US" sz="2400" i="0" dirty="0" smtClean="0">
+              <a:rPr lang="en-US" sz="2400" i="0" dirty="0">
                 <a:solidFill>
                   <a:srgbClr val="C00000"/>
                 </a:solidFill>
@@ -16961,7 +16615,7 @@
               <a:t> clone &lt;</a:t>
             </a:r>
             <a:r>
-              <a:rPr lang="en-US" sz="2400" i="0" dirty="0" err="1" smtClean="0">
+              <a:rPr lang="en-US" sz="2400" i="0" dirty="0" err="1">
                 <a:solidFill>
                   <a:srgbClr val="C00000"/>
                 </a:solidFill>
@@ -16969,7 +16623,7 @@
               <a:t>url</a:t>
             </a:r>
             <a:r>
-              <a:rPr lang="en-US" sz="2400" i="0" dirty="0" smtClean="0">
+              <a:rPr lang="en-US" sz="2400" i="0" dirty="0">
                 <a:solidFill>
                   <a:srgbClr val="C00000"/>
                 </a:solidFill>
@@ -17030,14 +16684,13 @@
           <a:lstStyle/>
           <a:p>
             <a:r>
-              <a:rPr lang="en-US" dirty="0" err="1" smtClean="0"/>
+              <a:rPr lang="en-US" dirty="0" err="1"/>
               <a:t>Git</a:t>
             </a:r>
             <a:r>
-              <a:rPr lang="en-US" dirty="0" smtClean="0"/>
+              <a:rPr lang="en-US" dirty="0"/>
               <a:t> basics</a:t>
             </a:r>
-            <a:endParaRPr lang="en-US" dirty="0"/>
           </a:p>
         </p:txBody>
       </p:sp>
@@ -17064,35 +16717,35 @@
           <a:lstStyle/>
           <a:p>
             <a:r>
-              <a:rPr lang="en-US" dirty="0" err="1" smtClean="0"/>
+              <a:rPr lang="en-US" dirty="0" err="1"/>
               <a:t>Kiểm</a:t>
             </a:r>
             <a:r>
-              <a:rPr lang="en-US" dirty="0" smtClean="0"/>
-              <a:t> </a:t>
-            </a:r>
-            <a:r>
-              <a:rPr lang="en-US" dirty="0" err="1" smtClean="0"/>
+              <a:rPr lang="en-US" dirty="0"/>
+              <a:t> </a:t>
+            </a:r>
+            <a:r>
+              <a:rPr lang="en-US" dirty="0" err="1"/>
               <a:t>tra</a:t>
             </a:r>
             <a:r>
-              <a:rPr lang="en-US" dirty="0" smtClean="0"/>
-              <a:t> </a:t>
-            </a:r>
-            <a:r>
-              <a:rPr lang="en-US" dirty="0" err="1" smtClean="0"/>
+              <a:rPr lang="en-US" dirty="0"/>
+              <a:t> </a:t>
+            </a:r>
+            <a:r>
+              <a:rPr lang="en-US" dirty="0" err="1"/>
               <a:t>trạng</a:t>
             </a:r>
             <a:r>
-              <a:rPr lang="en-US" dirty="0" smtClean="0"/>
-              <a:t> </a:t>
-            </a:r>
-            <a:r>
-              <a:rPr lang="en-US" dirty="0" err="1" smtClean="0"/>
+              <a:rPr lang="en-US" dirty="0"/>
+              <a:t> </a:t>
+            </a:r>
+            <a:r>
+              <a:rPr lang="en-US" dirty="0" err="1"/>
               <a:t>thái</a:t>
             </a:r>
             <a:r>
-              <a:rPr lang="en-US" dirty="0" smtClean="0"/>
+              <a:rPr lang="en-US" dirty="0"/>
               <a:t>:</a:t>
             </a:r>
           </a:p>
@@ -17101,7 +16754,7 @@
               <a:buNone/>
             </a:pPr>
             <a:r>
-              <a:rPr lang="en-US" sz="2400" dirty="0" smtClean="0">
+              <a:rPr lang="en-US" sz="2400" dirty="0">
                 <a:solidFill>
                   <a:srgbClr val="C00000"/>
                 </a:solidFill>
@@ -17109,7 +16762,7 @@
               <a:t>$ </a:t>
             </a:r>
             <a:r>
-              <a:rPr lang="en-US" sz="2400" dirty="0" err="1" smtClean="0">
+              <a:rPr lang="en-US" sz="2400" dirty="0" err="1">
                 <a:solidFill>
                   <a:srgbClr val="C00000"/>
                 </a:solidFill>
@@ -17117,62 +16770,57 @@
               <a:t>git</a:t>
             </a:r>
             <a:r>
-              <a:rPr lang="en-US" sz="2400" dirty="0" smtClean="0">
+              <a:rPr lang="en-US" sz="2400" dirty="0">
                 <a:solidFill>
                   <a:srgbClr val="C00000"/>
                 </a:solidFill>
               </a:rPr>
               <a:t> status</a:t>
             </a:r>
-            <a:endParaRPr lang="en-US" sz="2400" dirty="0">
-              <a:solidFill>
-                <a:srgbClr val="C00000"/>
-              </a:solidFill>
-            </a:endParaRPr>
-          </a:p>
-          <a:p>
-            <a:r>
-              <a:rPr lang="en-US" dirty="0" err="1" smtClean="0"/>
+          </a:p>
+          <a:p>
+            <a:r>
+              <a:rPr lang="en-US" dirty="0" err="1"/>
               <a:t>Bỏ</a:t>
             </a:r>
             <a:r>
-              <a:rPr lang="en-US" dirty="0" smtClean="0"/>
+              <a:rPr lang="en-US" dirty="0"/>
               <a:t> qua </a:t>
             </a:r>
             <a:r>
-              <a:rPr lang="en-US" dirty="0" err="1" smtClean="0"/>
+              <a:rPr lang="en-US" dirty="0" err="1"/>
               <a:t>theo</a:t>
             </a:r>
             <a:r>
-              <a:rPr lang="en-US" dirty="0" smtClean="0"/>
-              <a:t> </a:t>
-            </a:r>
-            <a:r>
-              <a:rPr lang="en-US" dirty="0" err="1" smtClean="0"/>
+              <a:rPr lang="en-US" dirty="0"/>
+              <a:t> </a:t>
+            </a:r>
+            <a:r>
+              <a:rPr lang="en-US" dirty="0" err="1"/>
               <a:t>dõi</a:t>
             </a:r>
             <a:r>
-              <a:rPr lang="en-US" dirty="0" smtClean="0"/>
-              <a:t> </a:t>
-            </a:r>
-            <a:r>
-              <a:rPr lang="en-US" dirty="0" err="1" smtClean="0"/>
+              <a:rPr lang="en-US" dirty="0"/>
+              <a:t> </a:t>
+            </a:r>
+            <a:r>
+              <a:rPr lang="en-US" dirty="0" err="1"/>
               <a:t>sử</a:t>
             </a:r>
             <a:r>
-              <a:rPr lang="en-US" dirty="0" smtClean="0"/>
-              <a:t> </a:t>
-            </a:r>
-            <a:r>
-              <a:rPr lang="en-US" dirty="0" err="1" smtClean="0"/>
+              <a:rPr lang="en-US" dirty="0"/>
+              <a:t> </a:t>
+            </a:r>
+            <a:r>
+              <a:rPr lang="en-US" dirty="0" err="1"/>
               <a:t>dụng</a:t>
             </a:r>
             <a:r>
-              <a:rPr lang="en-US" dirty="0" smtClean="0"/>
+              <a:rPr lang="en-US" dirty="0"/>
               <a:t> file </a:t>
             </a:r>
             <a:r>
-              <a:rPr lang="en-US" i="1" dirty="0" smtClean="0">
+              <a:rPr lang="en-US" i="1" dirty="0">
                 <a:solidFill>
                   <a:schemeClr val="tx1"/>
                 </a:solidFill>
@@ -17180,14 +16828,14 @@
               <a:t>.</a:t>
             </a:r>
             <a:r>
-              <a:rPr lang="en-US" sz="2400" i="1" dirty="0" err="1" smtClean="0">
+              <a:rPr lang="en-US" sz="2400" i="1" dirty="0" err="1">
                 <a:solidFill>
                   <a:schemeClr val="tx1"/>
                 </a:solidFill>
               </a:rPr>
               <a:t>gitignore</a:t>
             </a:r>
-            <a:endParaRPr lang="en-US" sz="2400" i="1" dirty="0" smtClean="0">
+            <a:endParaRPr lang="en-US" sz="2400" i="1" dirty="0">
               <a:solidFill>
                 <a:schemeClr val="tx1"/>
               </a:solidFill>
@@ -17195,7 +16843,7 @@
           </a:p>
           <a:p>
             <a:r>
-              <a:rPr lang="en-US" dirty="0" err="1" smtClean="0">
+              <a:rPr lang="en-US" dirty="0" err="1">
                 <a:solidFill>
                   <a:schemeClr val="tx1"/>
                 </a:solidFill>
@@ -17203,15 +16851,15 @@
               <a:t>Xem</a:t>
             </a:r>
             <a:r>
-              <a:rPr lang="en-US" dirty="0" smtClean="0">
-                <a:solidFill>
-                  <a:schemeClr val="tx1"/>
-                </a:solidFill>
-              </a:rPr>
-              <a:t> </a:t>
-            </a:r>
-            <a:r>
-              <a:rPr lang="en-US" dirty="0" err="1" smtClean="0">
+              <a:rPr lang="en-US" dirty="0">
+                <a:solidFill>
+                  <a:schemeClr val="tx1"/>
+                </a:solidFill>
+              </a:rPr>
+              <a:t> </a:t>
+            </a:r>
+            <a:r>
+              <a:rPr lang="en-US" dirty="0" err="1">
                 <a:solidFill>
                   <a:schemeClr val="tx1"/>
                 </a:solidFill>
@@ -17219,15 +16867,15 @@
               <a:t>thay</a:t>
             </a:r>
             <a:r>
-              <a:rPr lang="en-US" dirty="0" smtClean="0">
-                <a:solidFill>
-                  <a:schemeClr val="tx1"/>
-                </a:solidFill>
-              </a:rPr>
-              <a:t> </a:t>
-            </a:r>
-            <a:r>
-              <a:rPr lang="en-US" dirty="0" err="1" smtClean="0">
+              <a:rPr lang="en-US" dirty="0">
+                <a:solidFill>
+                  <a:schemeClr val="tx1"/>
+                </a:solidFill>
+              </a:rPr>
+              <a:t> </a:t>
+            </a:r>
+            <a:r>
+              <a:rPr lang="en-US" dirty="0" err="1">
                 <a:solidFill>
                   <a:schemeClr val="tx1"/>
                 </a:solidFill>
@@ -17235,7 +16883,7 @@
               <a:t>đổi</a:t>
             </a:r>
             <a:r>
-              <a:rPr lang="en-US" dirty="0" smtClean="0">
+              <a:rPr lang="en-US" dirty="0">
                 <a:solidFill>
                   <a:schemeClr val="tx1"/>
                 </a:solidFill>
@@ -17246,7 +16894,7 @@
           <a:p>
             <a:pPr lvl="1"/>
             <a:r>
-              <a:rPr lang="en-US" dirty="0" err="1" smtClean="0">
+              <a:rPr lang="en-US" dirty="0" err="1">
                 <a:solidFill>
                   <a:schemeClr val="tx1"/>
                 </a:solidFill>
@@ -17254,20 +16902,12 @@
               <a:t>Chưa</a:t>
             </a:r>
             <a:r>
-              <a:rPr lang="en-US" dirty="0" smtClean="0">
-                <a:solidFill>
-                  <a:schemeClr val="tx1"/>
-                </a:solidFill>
-              </a:rPr>
-              <a:t> </a:t>
-            </a:r>
-            <a:r>
               <a:rPr lang="en-US" dirty="0">
                 <a:solidFill>
                   <a:schemeClr val="tx1"/>
                 </a:solidFill>
               </a:rPr>
-              <a:t>stage:</a:t>
+              <a:t> stage:</a:t>
             </a:r>
           </a:p>
           <a:p>
@@ -17275,7 +16915,7 @@
               <a:buNone/>
             </a:pPr>
             <a:r>
-              <a:rPr lang="en-US" sz="2400" dirty="0" smtClean="0">
+              <a:rPr lang="en-US" sz="2400" dirty="0">
                 <a:solidFill>
                   <a:srgbClr val="C00000"/>
                 </a:solidFill>
@@ -17283,7 +16923,7 @@
               <a:t>$ </a:t>
             </a:r>
             <a:r>
-              <a:rPr lang="en-US" sz="2400" dirty="0" err="1" smtClean="0">
+              <a:rPr lang="en-US" sz="2400" dirty="0" err="1">
                 <a:solidFill>
                   <a:srgbClr val="C00000"/>
                 </a:solidFill>
@@ -17291,7 +16931,7 @@
               <a:t>git</a:t>
             </a:r>
             <a:r>
-              <a:rPr lang="en-US" sz="2400" dirty="0" smtClean="0">
+              <a:rPr lang="en-US" sz="2400" dirty="0">
                 <a:solidFill>
                   <a:srgbClr val="C00000"/>
                 </a:solidFill>
@@ -17302,7 +16942,7 @@
           <a:p>
             <a:pPr lvl="1"/>
             <a:r>
-              <a:rPr lang="en-US" dirty="0" err="1" smtClean="0">
+              <a:rPr lang="en-US" dirty="0" err="1">
                 <a:solidFill>
                   <a:schemeClr val="tx1"/>
                 </a:solidFill>
@@ -17310,7 +16950,7 @@
               <a:t>Đã</a:t>
             </a:r>
             <a:r>
-              <a:rPr lang="en-US" dirty="0" smtClean="0">
+              <a:rPr lang="en-US" dirty="0">
                 <a:solidFill>
                   <a:schemeClr val="tx1"/>
                 </a:solidFill>
@@ -17323,7 +16963,7 @@
               <a:buNone/>
             </a:pPr>
             <a:r>
-              <a:rPr lang="en-US" sz="2400" dirty="0" smtClean="0">
+              <a:rPr lang="en-US" sz="2400" dirty="0">
                 <a:solidFill>
                   <a:srgbClr val="C00000"/>
                 </a:solidFill>
@@ -17331,7 +16971,7 @@
               <a:t>$ </a:t>
             </a:r>
             <a:r>
-              <a:rPr lang="en-US" sz="2400" dirty="0" err="1" smtClean="0">
+              <a:rPr lang="en-US" sz="2400" dirty="0" err="1">
                 <a:solidFill>
                   <a:srgbClr val="C00000"/>
                 </a:solidFill>
@@ -17339,7 +16979,7 @@
               <a:t>git</a:t>
             </a:r>
             <a:r>
-              <a:rPr lang="en-US" sz="2400" dirty="0" smtClean="0">
+              <a:rPr lang="en-US" sz="2400" dirty="0">
                 <a:solidFill>
                   <a:srgbClr val="C00000"/>
                 </a:solidFill>
@@ -17349,14 +16989,14 @@
           </a:p>
           <a:p>
             <a:r>
-              <a:rPr lang="en-US" dirty="0" err="1" smtClean="0">
+              <a:rPr lang="en-US" dirty="0" err="1">
                 <a:solidFill>
                   <a:schemeClr val="tx1"/>
                 </a:solidFill>
               </a:rPr>
               <a:t>Xoá</a:t>
             </a:r>
-            <a:endParaRPr lang="en-US" dirty="0" smtClean="0">
+            <a:endParaRPr lang="en-US" dirty="0">
               <a:solidFill>
                 <a:schemeClr val="tx1"/>
               </a:solidFill>
@@ -17367,7 +17007,7 @@
               <a:buNone/>
             </a:pPr>
             <a:r>
-              <a:rPr lang="en-US" sz="2400" dirty="0" smtClean="0">
+              <a:rPr lang="en-US" sz="2400" dirty="0">
                 <a:solidFill>
                   <a:srgbClr val="C00000"/>
                 </a:solidFill>
@@ -17375,7 +17015,7 @@
               <a:t>$ </a:t>
             </a:r>
             <a:r>
-              <a:rPr lang="en-US" sz="2400" dirty="0" err="1" smtClean="0">
+              <a:rPr lang="en-US" sz="2400" dirty="0" err="1">
                 <a:solidFill>
                   <a:srgbClr val="C00000"/>
                 </a:solidFill>
@@ -17383,7 +17023,7 @@
               <a:t>git</a:t>
             </a:r>
             <a:r>
-              <a:rPr lang="en-US" sz="2400" dirty="0" smtClean="0">
+              <a:rPr lang="en-US" sz="2400" dirty="0">
                 <a:solidFill>
                   <a:srgbClr val="C00000"/>
                 </a:solidFill>
@@ -17391,7 +17031,7 @@
               <a:t> </a:t>
             </a:r>
             <a:r>
-              <a:rPr lang="en-US" sz="2400" dirty="0" err="1" smtClean="0">
+              <a:rPr lang="en-US" sz="2400" dirty="0" err="1">
                 <a:solidFill>
                   <a:srgbClr val="C00000"/>
                 </a:solidFill>
@@ -17399,7 +17039,7 @@
               <a:t>rm</a:t>
             </a:r>
             <a:r>
-              <a:rPr lang="en-US" sz="2400" dirty="0" smtClean="0">
+              <a:rPr lang="en-US" sz="2400" dirty="0">
                 <a:solidFill>
                   <a:srgbClr val="C00000"/>
                 </a:solidFill>
@@ -17407,7 +17047,7 @@
               <a:t> &lt;</a:t>
             </a:r>
             <a:r>
-              <a:rPr lang="en-US" sz="2400" dirty="0" err="1" smtClean="0">
+              <a:rPr lang="en-US" sz="2400" dirty="0" err="1">
                 <a:solidFill>
                   <a:srgbClr val="C00000"/>
                 </a:solidFill>
@@ -17415,7 +17055,7 @@
               <a:t>file_name</a:t>
             </a:r>
             <a:r>
-              <a:rPr lang="en-US" sz="2400" dirty="0" smtClean="0">
+              <a:rPr lang="en-US" sz="2400" dirty="0">
                 <a:solidFill>
                   <a:srgbClr val="C00000"/>
                 </a:solidFill>
@@ -17428,7 +17068,7 @@
               <a:buNone/>
             </a:pPr>
             <a:r>
-              <a:rPr lang="en-US" sz="2400" dirty="0" smtClean="0">
+              <a:rPr lang="en-US" sz="2400" dirty="0">
                 <a:solidFill>
                   <a:srgbClr val="C00000"/>
                 </a:solidFill>
@@ -17436,7 +17076,7 @@
               <a:t>$ </a:t>
             </a:r>
             <a:r>
-              <a:rPr lang="en-US" sz="2400" dirty="0" err="1" smtClean="0">
+              <a:rPr lang="en-US" sz="2400" dirty="0" err="1">
                 <a:solidFill>
                   <a:srgbClr val="C00000"/>
                 </a:solidFill>
@@ -17444,7 +17084,7 @@
               <a:t>git</a:t>
             </a:r>
             <a:r>
-              <a:rPr lang="en-US" sz="2400" dirty="0" smtClean="0">
+              <a:rPr lang="en-US" sz="2400" dirty="0">
                 <a:solidFill>
                   <a:srgbClr val="C00000"/>
                 </a:solidFill>
@@ -17452,7 +17092,7 @@
               <a:t> </a:t>
             </a:r>
             <a:r>
-              <a:rPr lang="en-US" sz="2400" dirty="0" err="1" smtClean="0">
+              <a:rPr lang="en-US" sz="2400" dirty="0" err="1">
                 <a:solidFill>
                   <a:srgbClr val="C00000"/>
                 </a:solidFill>
@@ -17460,7 +17100,7 @@
               <a:t>rm</a:t>
             </a:r>
             <a:r>
-              <a:rPr lang="en-US" sz="2400" dirty="0" smtClean="0">
+              <a:rPr lang="en-US" sz="2400" dirty="0">
                 <a:solidFill>
                   <a:srgbClr val="C00000"/>
                 </a:solidFill>
@@ -17468,7 +17108,7 @@
               <a:t> --cached &lt;</a:t>
             </a:r>
             <a:r>
-              <a:rPr lang="en-US" sz="2400" dirty="0" err="1" smtClean="0">
+              <a:rPr lang="en-US" sz="2400" dirty="0" err="1">
                 <a:solidFill>
                   <a:srgbClr val="C00000"/>
                 </a:solidFill>
@@ -17476,7 +17116,7 @@
               <a:t>file_name</a:t>
             </a:r>
             <a:r>
-              <a:rPr lang="en-US" sz="2400" dirty="0" smtClean="0">
+              <a:rPr lang="en-US" sz="2400" dirty="0">
                 <a:solidFill>
                   <a:srgbClr val="C00000"/>
                 </a:solidFill>
@@ -17486,7 +17126,7 @@
           </a:p>
           <a:p>
             <a:r>
-              <a:rPr lang="en-US" dirty="0" smtClean="0">
+              <a:rPr lang="en-US" dirty="0">
                 <a:solidFill>
                   <a:schemeClr val="tx1"/>
                 </a:solidFill>
@@ -17494,14 +17134,14 @@
               <a:t>Di </a:t>
             </a:r>
             <a:r>
-              <a:rPr lang="en-US" dirty="0" err="1" smtClean="0">
+              <a:rPr lang="en-US" dirty="0" err="1">
                 <a:solidFill>
                   <a:schemeClr val="tx1"/>
                 </a:solidFill>
               </a:rPr>
               <a:t>chuyển</a:t>
             </a:r>
-            <a:endParaRPr lang="en-US" dirty="0" smtClean="0">
+            <a:endParaRPr lang="en-US" dirty="0">
               <a:solidFill>
                 <a:schemeClr val="tx1"/>
               </a:solidFill>
@@ -17512,7 +17152,7 @@
               <a:buNone/>
             </a:pPr>
             <a:r>
-              <a:rPr lang="en-US" sz="2400" dirty="0" smtClean="0">
+              <a:rPr lang="en-US" sz="2400" dirty="0">
                 <a:solidFill>
                   <a:srgbClr val="C00000"/>
                 </a:solidFill>
@@ -17520,7 +17160,7 @@
               <a:t>$ </a:t>
             </a:r>
             <a:r>
-              <a:rPr lang="en-US" sz="2400" dirty="0" err="1" smtClean="0">
+              <a:rPr lang="en-US" sz="2400" dirty="0" err="1">
                 <a:solidFill>
                   <a:srgbClr val="C00000"/>
                 </a:solidFill>
@@ -17528,7 +17168,7 @@
               <a:t>git</a:t>
             </a:r>
             <a:r>
-              <a:rPr lang="en-US" sz="2400" dirty="0" smtClean="0">
+              <a:rPr lang="en-US" sz="2400" dirty="0">
                 <a:solidFill>
                   <a:srgbClr val="C00000"/>
                 </a:solidFill>
@@ -17536,7 +17176,7 @@
               <a:t> mv </a:t>
             </a:r>
             <a:r>
-              <a:rPr lang="en-US" sz="2400" dirty="0" err="1" smtClean="0">
+              <a:rPr lang="en-US" sz="2400" dirty="0" err="1">
                 <a:solidFill>
                   <a:srgbClr val="C00000"/>
                 </a:solidFill>
@@ -17544,7 +17184,7 @@
               <a:t>file_from</a:t>
             </a:r>
             <a:r>
-              <a:rPr lang="en-US" sz="2400" dirty="0" smtClean="0">
+              <a:rPr lang="en-US" sz="2400" dirty="0">
                 <a:solidFill>
                   <a:srgbClr val="C00000"/>
                 </a:solidFill>
@@ -17552,7 +17192,7 @@
               <a:t> </a:t>
             </a:r>
             <a:r>
-              <a:rPr lang="en-US" sz="2400" dirty="0" err="1" smtClean="0">
+              <a:rPr lang="en-US" sz="2400" dirty="0" err="1">
                 <a:solidFill>
                   <a:srgbClr val="C00000"/>
                 </a:solidFill>
@@ -17659,14 +17299,13 @@
           <a:lstStyle/>
           <a:p>
             <a:r>
-              <a:rPr lang="en-US" dirty="0" err="1" smtClean="0"/>
+              <a:rPr lang="en-US" dirty="0" err="1"/>
               <a:t>Git</a:t>
             </a:r>
             <a:r>
-              <a:rPr lang="en-US" dirty="0" smtClean="0"/>
+              <a:rPr lang="en-US" dirty="0"/>
               <a:t> basics</a:t>
             </a:r>
-            <a:endParaRPr lang="en-US" dirty="0"/>
           </a:p>
         </p:txBody>
       </p:sp>
@@ -17688,81 +17327,60 @@
         </p:spPr>
         <p:txBody>
           <a:bodyPr>
-            <a:normAutofit/>
+            <a:normAutofit lnSpcReduction="10000"/>
           </a:bodyPr>
           <a:lstStyle/>
           <a:p>
             <a:r>
-              <a:rPr lang="en-US" dirty="0" err="1" smtClean="0"/>
+              <a:rPr lang="en-US" dirty="0" err="1"/>
               <a:t>Xem</a:t>
             </a:r>
             <a:r>
-              <a:rPr lang="en-US" dirty="0" smtClean="0"/>
-              <a:t> </a:t>
-            </a:r>
-            <a:r>
-              <a:rPr lang="en-US" dirty="0" err="1" smtClean="0"/>
+              <a:rPr lang="en-US" dirty="0"/>
+              <a:t> </a:t>
+            </a:r>
+            <a:r>
+              <a:rPr lang="en-US" dirty="0" err="1"/>
               <a:t>lịch</a:t>
             </a:r>
             <a:r>
-              <a:rPr lang="en-US" dirty="0" smtClean="0"/>
-              <a:t> </a:t>
-            </a:r>
-            <a:r>
-              <a:rPr lang="en-US" dirty="0" err="1" smtClean="0"/>
+              <a:rPr lang="en-US" dirty="0"/>
+              <a:t> </a:t>
+            </a:r>
+            <a:r>
+              <a:rPr lang="en-US" dirty="0" err="1"/>
               <a:t>sử</a:t>
             </a:r>
             <a:r>
-              <a:rPr lang="en-US" dirty="0" smtClean="0"/>
+              <a:rPr lang="en-US" dirty="0"/>
               <a:t> commit</a:t>
             </a:r>
-            <a:endParaRPr lang="en-US" dirty="0"/>
           </a:p>
           <a:p>
             <a:pPr marL="530352" lvl="1" indent="0">
               <a:buNone/>
             </a:pPr>
             <a:r>
-              <a:rPr lang="en-US" dirty="0" smtClean="0">
+              <a:rPr lang="en-US" dirty="0">
                 <a:solidFill>
                   <a:srgbClr val="C00000"/>
                 </a:solidFill>
                 <a:latin typeface="Arial" panose="020B0604020202020204" pitchFamily="34" charset="0"/>
                 <a:cs typeface="Arial" panose="020B0604020202020204" pitchFamily="34" charset="0"/>
               </a:rPr>
-              <a:t>$ </a:t>
-            </a:r>
-            <a:r>
-              <a:rPr lang="en-US" dirty="0" err="1" smtClean="0">
+              <a:t>	$ git log --</a:t>
+            </a:r>
+            <a:r>
+              <a:rPr lang="en-US" dirty="0" err="1">
                 <a:solidFill>
                   <a:srgbClr val="C00000"/>
                 </a:solidFill>
                 <a:latin typeface="Arial" panose="020B0604020202020204" pitchFamily="34" charset="0"/>
                 <a:cs typeface="Arial" panose="020B0604020202020204" pitchFamily="34" charset="0"/>
               </a:rPr>
-              <a:t>git</a:t>
-            </a:r>
-            <a:r>
-              <a:rPr lang="en-US" dirty="0" smtClean="0">
-                <a:solidFill>
-                  <a:srgbClr val="C00000"/>
-                </a:solidFill>
-                <a:latin typeface="Arial" panose="020B0604020202020204" pitchFamily="34" charset="0"/>
-                <a:cs typeface="Arial" panose="020B0604020202020204" pitchFamily="34" charset="0"/>
-              </a:rPr>
-              <a:t> log --</a:t>
-            </a:r>
-            <a:r>
-              <a:rPr lang="en-US" dirty="0" err="1" smtClean="0">
-                <a:solidFill>
-                  <a:srgbClr val="C00000"/>
-                </a:solidFill>
-                <a:latin typeface="Arial" panose="020B0604020202020204" pitchFamily="34" charset="0"/>
-                <a:cs typeface="Arial" panose="020B0604020202020204" pitchFamily="34" charset="0"/>
-              </a:rPr>
               <a:t>oneline</a:t>
             </a:r>
-            <a:endParaRPr lang="en-US" dirty="0" smtClean="0">
+            <a:endParaRPr lang="en-US" dirty="0">
               <a:solidFill>
                 <a:srgbClr val="C00000"/>
               </a:solidFill>
@@ -17772,35 +17390,35 @@
           </a:p>
           <a:p>
             <a:r>
-              <a:rPr lang="en-US" dirty="0" err="1" smtClean="0"/>
+              <a:rPr lang="en-US" dirty="0" err="1"/>
               <a:t>Hiển</a:t>
             </a:r>
             <a:r>
-              <a:rPr lang="en-US" dirty="0" smtClean="0"/>
-              <a:t> </a:t>
-            </a:r>
-            <a:r>
-              <a:rPr lang="en-US" dirty="0" err="1" smtClean="0"/>
+              <a:rPr lang="en-US" dirty="0"/>
+              <a:t> </a:t>
+            </a:r>
+            <a:r>
+              <a:rPr lang="en-US" dirty="0" err="1"/>
               <a:t>thị</a:t>
             </a:r>
             <a:r>
-              <a:rPr lang="en-US" dirty="0" smtClean="0"/>
+              <a:rPr lang="en-US" dirty="0"/>
               <a:t> diff </a:t>
             </a:r>
             <a:r>
-              <a:rPr lang="en-US" dirty="0" err="1" smtClean="0"/>
+              <a:rPr lang="en-US" dirty="0" err="1"/>
               <a:t>của</a:t>
             </a:r>
             <a:r>
-              <a:rPr lang="en-US" dirty="0" smtClean="0"/>
-              <a:t> </a:t>
-            </a:r>
-            <a:r>
-              <a:rPr lang="en-US" dirty="0" err="1" smtClean="0"/>
+              <a:rPr lang="en-US" dirty="0"/>
+              <a:t> </a:t>
+            </a:r>
+            <a:r>
+              <a:rPr lang="en-US" dirty="0" err="1"/>
               <a:t>từng</a:t>
             </a:r>
             <a:r>
-              <a:rPr lang="en-US" dirty="0" smtClean="0"/>
+              <a:rPr lang="en-US" dirty="0"/>
               <a:t> commit:</a:t>
             </a:r>
           </a:p>
@@ -17809,34 +17427,14 @@
               <a:buNone/>
             </a:pPr>
             <a:r>
-              <a:rPr lang="en-US" dirty="0" smtClean="0">
+              <a:rPr lang="en-US" dirty="0">
                 <a:solidFill>
                   <a:srgbClr val="C00000"/>
                 </a:solidFill>
                 <a:latin typeface="Arial" panose="020B0604020202020204" pitchFamily="34" charset="0"/>
                 <a:cs typeface="Arial" panose="020B0604020202020204" pitchFamily="34" charset="0"/>
               </a:rPr>
-              <a:t>$ </a:t>
-            </a:r>
-            <a:r>
-              <a:rPr lang="en-US" dirty="0" err="1" smtClean="0">
-                <a:solidFill>
-                  <a:srgbClr val="C00000"/>
-                </a:solidFill>
-                <a:latin typeface="Arial" panose="020B0604020202020204" pitchFamily="34" charset="0"/>
-                <a:cs typeface="Arial" panose="020B0604020202020204" pitchFamily="34" charset="0"/>
-              </a:rPr>
-              <a:t>git</a:t>
-            </a:r>
-            <a:r>
-              <a:rPr lang="en-US" dirty="0" smtClean="0">
-                <a:solidFill>
-                  <a:srgbClr val="C00000"/>
-                </a:solidFill>
-                <a:latin typeface="Arial" panose="020B0604020202020204" pitchFamily="34" charset="0"/>
-                <a:cs typeface="Arial" panose="020B0604020202020204" pitchFamily="34" charset="0"/>
-              </a:rPr>
-              <a:t> log -p</a:t>
+              <a:t>	$ git log -p</a:t>
             </a:r>
           </a:p>
           <a:p>
@@ -17844,87 +17442,67 @@
               <a:buNone/>
             </a:pPr>
             <a:r>
-              <a:rPr lang="en-US" dirty="0" smtClean="0">
+              <a:rPr lang="en-US" dirty="0">
                 <a:solidFill>
                   <a:srgbClr val="C00000"/>
                 </a:solidFill>
                 <a:latin typeface="Arial" panose="020B0604020202020204" pitchFamily="34" charset="0"/>
                 <a:cs typeface="Arial" panose="020B0604020202020204" pitchFamily="34" charset="0"/>
               </a:rPr>
-              <a:t>$ </a:t>
-            </a:r>
-            <a:r>
-              <a:rPr lang="en-US" dirty="0" err="1" smtClean="0">
+              <a:t>	$ git log --graph --</a:t>
+            </a:r>
+            <a:r>
+              <a:rPr lang="en-US" dirty="0" err="1">
                 <a:solidFill>
                   <a:srgbClr val="C00000"/>
                 </a:solidFill>
                 <a:latin typeface="Arial" panose="020B0604020202020204" pitchFamily="34" charset="0"/>
                 <a:cs typeface="Arial" panose="020B0604020202020204" pitchFamily="34" charset="0"/>
               </a:rPr>
-              <a:t>git</a:t>
-            </a:r>
-            <a:r>
-              <a:rPr lang="en-US" dirty="0" smtClean="0">
+              <a:t>oneline</a:t>
+            </a:r>
+            <a:r>
+              <a:rPr lang="en-US" dirty="0">
                 <a:solidFill>
                   <a:srgbClr val="C00000"/>
                 </a:solidFill>
                 <a:latin typeface="Arial" panose="020B0604020202020204" pitchFamily="34" charset="0"/>
                 <a:cs typeface="Arial" panose="020B0604020202020204" pitchFamily="34" charset="0"/>
               </a:rPr>
-              <a:t> log --graph --</a:t>
-            </a:r>
-            <a:r>
-              <a:rPr lang="en-US" dirty="0" err="1" smtClean="0">
-                <a:solidFill>
-                  <a:srgbClr val="C00000"/>
-                </a:solidFill>
-                <a:latin typeface="Arial" panose="020B0604020202020204" pitchFamily="34" charset="0"/>
-                <a:cs typeface="Arial" panose="020B0604020202020204" pitchFamily="34" charset="0"/>
-              </a:rPr>
-              <a:t>oneline</a:t>
-            </a:r>
-            <a:r>
-              <a:rPr lang="en-US" dirty="0" smtClean="0">
-                <a:solidFill>
-                  <a:srgbClr val="C00000"/>
-                </a:solidFill>
-                <a:latin typeface="Arial" panose="020B0604020202020204" pitchFamily="34" charset="0"/>
-                <a:cs typeface="Arial" panose="020B0604020202020204" pitchFamily="34" charset="0"/>
-              </a:rPr>
               <a:t> --all</a:t>
             </a:r>
           </a:p>
           <a:p>
             <a:r>
-              <a:rPr lang="en-US" dirty="0" err="1" smtClean="0"/>
+              <a:rPr lang="en-US" dirty="0" err="1"/>
               <a:t>Thay</a:t>
             </a:r>
             <a:r>
-              <a:rPr lang="en-US" dirty="0" smtClean="0"/>
-              <a:t> </a:t>
-            </a:r>
-            <a:r>
-              <a:rPr lang="en-US" dirty="0" err="1" smtClean="0"/>
+              <a:rPr lang="en-US" dirty="0"/>
+              <a:t> </a:t>
+            </a:r>
+            <a:r>
+              <a:rPr lang="en-US" dirty="0" err="1"/>
               <a:t>đổi</a:t>
             </a:r>
             <a:r>
-              <a:rPr lang="en-US" dirty="0" smtClean="0"/>
+              <a:rPr lang="en-US" dirty="0"/>
               <a:t> commit </a:t>
             </a:r>
             <a:r>
-              <a:rPr lang="en-US" dirty="0" err="1" smtClean="0"/>
+              <a:rPr lang="en-US" dirty="0" err="1"/>
               <a:t>cuối</a:t>
             </a:r>
             <a:r>
-              <a:rPr lang="en-US" dirty="0" smtClean="0"/>
-              <a:t> </a:t>
-            </a:r>
-            <a:r>
-              <a:rPr lang="en-US" dirty="0" err="1" smtClean="0"/>
+              <a:rPr lang="en-US" dirty="0"/>
+              <a:t> </a:t>
+            </a:r>
+            <a:r>
+              <a:rPr lang="en-US" dirty="0" err="1"/>
               <a:t>cùng</a:t>
             </a:r>
             <a:r>
-              <a:rPr lang="en-US" dirty="0" smtClean="0"/>
+              <a:rPr lang="en-US" dirty="0"/>
               <a:t>:</a:t>
             </a:r>
           </a:p>
@@ -17933,104 +17511,111 @@
               <a:buNone/>
             </a:pPr>
             <a:r>
-              <a:rPr lang="en-US" dirty="0" smtClean="0">
+              <a:rPr lang="en-US" dirty="0">
                 <a:solidFill>
                   <a:srgbClr val="C00000"/>
                 </a:solidFill>
                 <a:latin typeface="Arial" panose="020B0604020202020204" pitchFamily="34" charset="0"/>
                 <a:cs typeface="Arial" panose="020B0604020202020204" pitchFamily="34" charset="0"/>
               </a:rPr>
-              <a:t>$</a:t>
-            </a:r>
-            <a:r>
-              <a:rPr lang="en-US" dirty="0" err="1" smtClean="0">
+              <a:t>	$ git commit --amend</a:t>
+            </a:r>
+          </a:p>
+          <a:p>
+            <a:r>
+              <a:rPr lang="en-US" dirty="0" err="1"/>
+              <a:t>Loại</a:t>
+            </a:r>
+            <a:r>
+              <a:rPr lang="en-US" dirty="0"/>
+              <a:t> </a:t>
+            </a:r>
+            <a:r>
+              <a:rPr lang="en-US" dirty="0" err="1"/>
+              <a:t>bỏ</a:t>
+            </a:r>
+            <a:r>
+              <a:rPr lang="en-US" dirty="0"/>
+              <a:t> </a:t>
+            </a:r>
+            <a:r>
+              <a:rPr lang="en-US" dirty="0" err="1"/>
+              <a:t>tập</a:t>
+            </a:r>
+            <a:r>
+              <a:rPr lang="en-US" dirty="0"/>
+              <a:t> tin </a:t>
+            </a:r>
+            <a:r>
+              <a:rPr lang="en-US" dirty="0" err="1"/>
+              <a:t>đã</a:t>
+            </a:r>
+            <a:r>
+              <a:rPr lang="en-US" dirty="0"/>
+              <a:t> </a:t>
+            </a:r>
+            <a:r>
+              <a:rPr lang="en-US" dirty="0" err="1"/>
+              <a:t>tổ</a:t>
+            </a:r>
+            <a:r>
+              <a:rPr lang="en-US" dirty="0"/>
+              <a:t> </a:t>
+            </a:r>
+            <a:r>
+              <a:rPr lang="en-US" dirty="0" err="1"/>
+              <a:t>chức</a:t>
+            </a:r>
+            <a:r>
+              <a:rPr lang="en-US" dirty="0"/>
+              <a:t> (</a:t>
+            </a:r>
+            <a:r>
+              <a:rPr lang="en-US" dirty="0" err="1"/>
+              <a:t>đã</a:t>
+            </a:r>
+            <a:r>
+              <a:rPr lang="en-US" dirty="0"/>
+              <a:t> $git add):</a:t>
+            </a:r>
+          </a:p>
+          <a:p>
+            <a:pPr marL="0" indent="0">
+              <a:buNone/>
+            </a:pPr>
+            <a:r>
+              <a:rPr lang="en-US" dirty="0">
                 <a:solidFill>
                   <a:srgbClr val="C00000"/>
                 </a:solidFill>
-                <a:latin typeface="Arial" panose="020B0604020202020204" pitchFamily="34" charset="0"/>
                 <a:cs typeface="Arial" panose="020B0604020202020204" pitchFamily="34" charset="0"/>
               </a:rPr>
-              <a:t>git</a:t>
-            </a:r>
-            <a:r>
-              <a:rPr lang="en-US" dirty="0" smtClean="0">
+              <a:t>	$ git reset HEAD &lt;</a:t>
+            </a:r>
+            <a:r>
+              <a:rPr lang="en-US" dirty="0" err="1">
                 <a:solidFill>
                   <a:srgbClr val="C00000"/>
                 </a:solidFill>
-                <a:latin typeface="Arial" panose="020B0604020202020204" pitchFamily="34" charset="0"/>
                 <a:cs typeface="Arial" panose="020B0604020202020204" pitchFamily="34" charset="0"/>
               </a:rPr>
-              <a:t> commit --amend</a:t>
-            </a:r>
-          </a:p>
-          <a:p>
-            <a:r>
-              <a:rPr lang="en-US" dirty="0" err="1" smtClean="0"/>
-              <a:t>Loại</a:t>
-            </a:r>
-            <a:r>
-              <a:rPr lang="en-US" dirty="0" smtClean="0"/>
-              <a:t> </a:t>
-            </a:r>
-            <a:r>
-              <a:rPr lang="en-US" dirty="0" err="1" smtClean="0"/>
-              <a:t>bỏ</a:t>
-            </a:r>
-            <a:r>
-              <a:rPr lang="en-US" dirty="0" smtClean="0"/>
-              <a:t> </a:t>
-            </a:r>
-            <a:r>
-              <a:rPr lang="en-US" dirty="0" err="1" smtClean="0"/>
-              <a:t>tập</a:t>
-            </a:r>
-            <a:r>
-              <a:rPr lang="en-US" dirty="0" smtClean="0"/>
-              <a:t> tin </a:t>
-            </a:r>
-            <a:r>
-              <a:rPr lang="en-US" dirty="0" err="1" smtClean="0"/>
-              <a:t>đã</a:t>
-            </a:r>
-            <a:r>
-              <a:rPr lang="en-US" dirty="0" smtClean="0"/>
-              <a:t> </a:t>
-            </a:r>
-            <a:r>
-              <a:rPr lang="en-US" dirty="0" err="1" smtClean="0"/>
-              <a:t>tổ</a:t>
-            </a:r>
-            <a:r>
-              <a:rPr lang="en-US" dirty="0" smtClean="0"/>
-              <a:t> </a:t>
-            </a:r>
-            <a:r>
-              <a:rPr lang="en-US" dirty="0" err="1" smtClean="0"/>
-              <a:t>chức</a:t>
-            </a:r>
-            <a:r>
-              <a:rPr lang="en-US" dirty="0"/>
-              <a:t> </a:t>
-            </a:r>
-            <a:r>
-              <a:rPr lang="en-US" dirty="0" smtClean="0"/>
-              <a:t>(</a:t>
-            </a:r>
-            <a:r>
-              <a:rPr lang="en-US" dirty="0" err="1" smtClean="0"/>
-              <a:t>đã</a:t>
-            </a:r>
-            <a:r>
-              <a:rPr lang="en-US" dirty="0" smtClean="0"/>
-              <a:t> $</a:t>
-            </a:r>
-            <a:r>
-              <a:rPr lang="en-US" dirty="0" err="1" smtClean="0"/>
-              <a:t>git</a:t>
-            </a:r>
-            <a:r>
-              <a:rPr lang="en-US" dirty="0" smtClean="0"/>
-              <a:t> add):</a:t>
+              <a:t>file_name</a:t>
+            </a:r>
+            <a:r>
+              <a:rPr lang="en-US" dirty="0">
+                <a:solidFill>
+                  <a:srgbClr val="C00000"/>
+                </a:solidFill>
+                <a:cs typeface="Arial" panose="020B0604020202020204" pitchFamily="34" charset="0"/>
+              </a:rPr>
+              <a:t>&gt;</a:t>
+            </a:r>
+            <a:endParaRPr lang="en-US" dirty="0"/>
+          </a:p>
+          <a:p>
+            <a:r>
+              <a:rPr lang="en-US" dirty="0"/>
+              <a:t>Remove the last commit</a:t>
             </a:r>
           </a:p>
           <a:p>
@@ -18038,160 +17623,144 @@
               <a:buNone/>
             </a:pPr>
             <a:r>
-              <a:rPr lang="en-US" dirty="0" smtClean="0">
-                <a:solidFill>
-                  <a:srgbClr val="C00000"/>
-                </a:solidFill>
-                <a:latin typeface="Arial" panose="020B0604020202020204" pitchFamily="34" charset="0"/>
-                <a:cs typeface="Arial" panose="020B0604020202020204" pitchFamily="34" charset="0"/>
-              </a:rPr>
-              <a:t>$</a:t>
-            </a:r>
-            <a:r>
-              <a:rPr lang="en-US" dirty="0" err="1" smtClean="0">
-                <a:solidFill>
-                  <a:srgbClr val="C00000"/>
-                </a:solidFill>
-                <a:latin typeface="Arial" panose="020B0604020202020204" pitchFamily="34" charset="0"/>
-                <a:cs typeface="Arial" panose="020B0604020202020204" pitchFamily="34" charset="0"/>
-              </a:rPr>
-              <a:t>git</a:t>
-            </a:r>
-            <a:r>
-              <a:rPr lang="en-US" dirty="0" smtClean="0">
-                <a:solidFill>
-                  <a:srgbClr val="C00000"/>
-                </a:solidFill>
-                <a:latin typeface="Arial" panose="020B0604020202020204" pitchFamily="34" charset="0"/>
-                <a:cs typeface="Arial" panose="020B0604020202020204" pitchFamily="34" charset="0"/>
-              </a:rPr>
-              <a:t> reset HEAD &lt;</a:t>
-            </a:r>
-            <a:r>
-              <a:rPr lang="en-US" dirty="0" err="1" smtClean="0">
-                <a:solidFill>
-                  <a:srgbClr val="C00000"/>
-                </a:solidFill>
-                <a:latin typeface="Arial" panose="020B0604020202020204" pitchFamily="34" charset="0"/>
-                <a:cs typeface="Arial" panose="020B0604020202020204" pitchFamily="34" charset="0"/>
-              </a:rPr>
-              <a:t>file_name</a:t>
-            </a:r>
-            <a:r>
-              <a:rPr lang="en-US" dirty="0" smtClean="0">
-                <a:solidFill>
-                  <a:srgbClr val="C00000"/>
-                </a:solidFill>
-                <a:latin typeface="Arial" panose="020B0604020202020204" pitchFamily="34" charset="0"/>
-                <a:cs typeface="Arial" panose="020B0604020202020204" pitchFamily="34" charset="0"/>
-              </a:rPr>
-              <a:t>&gt;</a:t>
-            </a:r>
-          </a:p>
-          <a:p>
-            <a:r>
-              <a:rPr lang="en-US" dirty="0" err="1" smtClean="0"/>
+              <a:rPr lang="en-US" dirty="0">
+                <a:solidFill>
+                  <a:srgbClr val="FF0000"/>
+                </a:solidFill>
+              </a:rPr>
+              <a:t>	$ git reset --soft HEAD~1 </a:t>
+            </a:r>
+            <a:r>
+              <a:rPr lang="en-US" dirty="0">
+                <a:solidFill>
+                  <a:schemeClr val="tx1"/>
+                </a:solidFill>
+              </a:rPr>
+              <a:t>(1 – </a:t>
+            </a:r>
+            <a:r>
+              <a:rPr lang="en-US" dirty="0" err="1">
+                <a:solidFill>
+                  <a:schemeClr val="tx1"/>
+                </a:solidFill>
+              </a:rPr>
+              <a:t>số</a:t>
+            </a:r>
+            <a:r>
+              <a:rPr lang="en-US" dirty="0">
+                <a:solidFill>
+                  <a:schemeClr val="tx1"/>
+                </a:solidFill>
+              </a:rPr>
+              <a:t> commit </a:t>
+            </a:r>
+            <a:r>
+              <a:rPr lang="en-US" dirty="0" err="1">
+                <a:solidFill>
+                  <a:schemeClr val="tx1"/>
+                </a:solidFill>
+              </a:rPr>
+              <a:t>muốn</a:t>
+            </a:r>
+            <a:r>
+              <a:rPr lang="en-US">
+                <a:solidFill>
+                  <a:schemeClr val="tx1"/>
+                </a:solidFill>
+              </a:rPr>
+              <a:t> reset)</a:t>
+            </a:r>
+            <a:endParaRPr lang="en-US" dirty="0">
+              <a:solidFill>
+                <a:schemeClr val="tx1"/>
+              </a:solidFill>
+              <a:cs typeface="Arial" panose="020B0604020202020204" pitchFamily="34" charset="0"/>
+            </a:endParaRPr>
+          </a:p>
+          <a:p>
+            <a:r>
+              <a:rPr lang="en-US" dirty="0" err="1"/>
               <a:t>Phục</a:t>
             </a:r>
             <a:r>
-              <a:rPr lang="en-US" dirty="0" smtClean="0"/>
-              <a:t> </a:t>
-            </a:r>
-            <a:r>
-              <a:rPr lang="en-US" dirty="0" err="1" smtClean="0"/>
+              <a:rPr lang="en-US" dirty="0"/>
+              <a:t> </a:t>
+            </a:r>
+            <a:r>
+              <a:rPr lang="en-US" dirty="0" err="1"/>
               <a:t>hồi</a:t>
             </a:r>
             <a:r>
-              <a:rPr lang="en-US" dirty="0" smtClean="0"/>
-              <a:t> </a:t>
-            </a:r>
-            <a:r>
-              <a:rPr lang="en-US" dirty="0" err="1" smtClean="0"/>
+              <a:rPr lang="en-US" dirty="0"/>
+              <a:t> </a:t>
+            </a:r>
+            <a:r>
+              <a:rPr lang="en-US" dirty="0" err="1"/>
               <a:t>tập</a:t>
             </a:r>
             <a:r>
-              <a:rPr lang="en-US" dirty="0" smtClean="0"/>
+              <a:rPr lang="en-US" dirty="0"/>
               <a:t> tin </a:t>
             </a:r>
             <a:r>
-              <a:rPr lang="en-US" dirty="0" err="1" smtClean="0"/>
+              <a:rPr lang="en-US" dirty="0" err="1"/>
               <a:t>đã</a:t>
             </a:r>
             <a:r>
-              <a:rPr lang="en-US" dirty="0" smtClean="0"/>
-              <a:t> </a:t>
-            </a:r>
-            <a:r>
-              <a:rPr lang="en-US" dirty="0" err="1" smtClean="0"/>
+              <a:rPr lang="en-US" dirty="0"/>
+              <a:t> </a:t>
+            </a:r>
+            <a:r>
+              <a:rPr lang="en-US" dirty="0" err="1"/>
               <a:t>thay</a:t>
             </a:r>
             <a:r>
-              <a:rPr lang="en-US" dirty="0" smtClean="0"/>
-              <a:t> </a:t>
-            </a:r>
-            <a:r>
-              <a:rPr lang="en-US" dirty="0" err="1" smtClean="0"/>
+              <a:rPr lang="en-US" dirty="0"/>
+              <a:t> </a:t>
+            </a:r>
+            <a:r>
+              <a:rPr lang="en-US" dirty="0" err="1"/>
               <a:t>đổi</a:t>
             </a:r>
-            <a:endParaRPr lang="en-US" dirty="0" smtClean="0"/>
+            <a:endParaRPr lang="en-US" dirty="0"/>
           </a:p>
           <a:p>
             <a:pPr marL="530352" lvl="1" indent="0">
               <a:buNone/>
             </a:pPr>
             <a:r>
-              <a:rPr lang="en-US" dirty="0" smtClean="0">
+              <a:rPr lang="en-US" dirty="0">
                 <a:solidFill>
                   <a:srgbClr val="C00000"/>
                 </a:solidFill>
                 <a:latin typeface="Arial" panose="020B0604020202020204" pitchFamily="34" charset="0"/>
                 <a:cs typeface="Arial" panose="020B0604020202020204" pitchFamily="34" charset="0"/>
               </a:rPr>
-              <a:t>$ </a:t>
-            </a:r>
-            <a:r>
-              <a:rPr lang="en-US" dirty="0" err="1" smtClean="0">
+              <a:t>	$ git checkout -- &lt;</a:t>
+            </a:r>
+            <a:r>
+              <a:rPr lang="en-US" dirty="0" err="1">
                 <a:solidFill>
                   <a:srgbClr val="C00000"/>
                 </a:solidFill>
                 <a:latin typeface="Arial" panose="020B0604020202020204" pitchFamily="34" charset="0"/>
                 <a:cs typeface="Arial" panose="020B0604020202020204" pitchFamily="34" charset="0"/>
               </a:rPr>
-              <a:t>git</a:t>
-            </a:r>
-            <a:r>
-              <a:rPr lang="en-US" dirty="0" smtClean="0">
+              <a:t>file_name</a:t>
+            </a:r>
+            <a:r>
+              <a:rPr lang="en-US" dirty="0">
                 <a:solidFill>
                   <a:srgbClr val="C00000"/>
                 </a:solidFill>
                 <a:latin typeface="Arial" panose="020B0604020202020204" pitchFamily="34" charset="0"/>
                 <a:cs typeface="Arial" panose="020B0604020202020204" pitchFamily="34" charset="0"/>
               </a:rPr>
-              <a:t> checkout -- &lt;</a:t>
-            </a:r>
-            <a:r>
-              <a:rPr lang="en-US" dirty="0" err="1" smtClean="0">
-                <a:solidFill>
-                  <a:srgbClr val="C00000"/>
-                </a:solidFill>
-                <a:latin typeface="Arial" panose="020B0604020202020204" pitchFamily="34" charset="0"/>
-                <a:cs typeface="Arial" panose="020B0604020202020204" pitchFamily="34" charset="0"/>
-              </a:rPr>
-              <a:t>file_name</a:t>
-            </a:r>
-            <a:r>
-              <a:rPr lang="en-US" dirty="0" smtClean="0">
-                <a:solidFill>
-                  <a:srgbClr val="C00000"/>
-                </a:solidFill>
-                <a:latin typeface="Arial" panose="020B0604020202020204" pitchFamily="34" charset="0"/>
-                <a:cs typeface="Arial" panose="020B0604020202020204" pitchFamily="34" charset="0"/>
-              </a:rPr>
               <a:t>&gt;</a:t>
             </a:r>
           </a:p>
           <a:p>
-            <a:endParaRPr lang="en-US" dirty="0" smtClean="0"/>
+            <a:endParaRPr lang="en-US" dirty="0"/>
           </a:p>
         </p:txBody>
       </p:sp>
@@ -18246,14 +17815,13 @@
           <a:lstStyle/>
           <a:p>
             <a:r>
-              <a:rPr lang="en-US" dirty="0" err="1" smtClean="0"/>
+              <a:rPr lang="en-US" dirty="0" err="1"/>
               <a:t>Git</a:t>
             </a:r>
             <a:r>
-              <a:rPr lang="en-US" dirty="0" smtClean="0"/>
+              <a:rPr lang="en-US" dirty="0"/>
               <a:t> basics</a:t>
             </a:r>
-            <a:endParaRPr lang="en-US" dirty="0"/>
           </a:p>
         </p:txBody>
       </p:sp>
@@ -18280,19 +17848,19 @@
           <a:lstStyle/>
           <a:p>
             <a:r>
-              <a:rPr lang="en-US" dirty="0" err="1" smtClean="0"/>
+              <a:rPr lang="en-US" dirty="0" err="1"/>
               <a:t>Hiển</a:t>
             </a:r>
             <a:r>
-              <a:rPr lang="en-US" dirty="0" smtClean="0"/>
-              <a:t> </a:t>
-            </a:r>
-            <a:r>
-              <a:rPr lang="en-US" dirty="0" err="1" smtClean="0"/>
+              <a:rPr lang="en-US" dirty="0"/>
+              <a:t> </a:t>
+            </a:r>
+            <a:r>
+              <a:rPr lang="en-US" dirty="0" err="1"/>
               <a:t>thị</a:t>
             </a:r>
             <a:r>
-              <a:rPr lang="en-US" dirty="0" smtClean="0"/>
+              <a:rPr lang="en-US" dirty="0"/>
               <a:t> remote:</a:t>
             </a:r>
           </a:p>
@@ -18301,7 +17869,7 @@
               <a:buNone/>
             </a:pPr>
             <a:r>
-              <a:rPr lang="en-US" dirty="0" smtClean="0">
+              <a:rPr lang="en-US" dirty="0">
                 <a:solidFill>
                   <a:srgbClr val="C00000"/>
                 </a:solidFill>
@@ -18309,7 +17877,7 @@
               <a:t>$ </a:t>
             </a:r>
             <a:r>
-              <a:rPr lang="en-US" dirty="0" err="1" smtClean="0">
+              <a:rPr lang="en-US" dirty="0" err="1">
                 <a:solidFill>
                   <a:srgbClr val="C00000"/>
                 </a:solidFill>
@@ -18317,7 +17885,7 @@
               <a:t>git</a:t>
             </a:r>
             <a:r>
-              <a:rPr lang="en-US" dirty="0" smtClean="0">
+              <a:rPr lang="en-US" dirty="0">
                 <a:solidFill>
                   <a:srgbClr val="C00000"/>
                 </a:solidFill>
@@ -18412,29 +17980,16 @@
                   <a:srgbClr val="C00000"/>
                 </a:solidFill>
               </a:rPr>
-              <a:t> (push</a:t>
-            </a:r>
-            <a:r>
-              <a:rPr lang="en-US" dirty="0" smtClean="0">
-                <a:solidFill>
-                  <a:srgbClr val="C00000"/>
-                </a:solidFill>
-              </a:rPr>
-              <a:t>)</a:t>
-            </a:r>
-            <a:endParaRPr lang="en-US" dirty="0">
-              <a:solidFill>
-                <a:srgbClr val="C00000"/>
-              </a:solidFill>
-            </a:endParaRPr>
-          </a:p>
-          <a:p>
-            <a:r>
-              <a:rPr lang="en-US" dirty="0" err="1" smtClean="0"/>
+              <a:t> (push)</a:t>
+            </a:r>
+          </a:p>
+          <a:p>
+            <a:r>
+              <a:rPr lang="en-US" dirty="0" err="1"/>
               <a:t>Thêm</a:t>
             </a:r>
             <a:r>
-              <a:rPr lang="en-US" dirty="0" smtClean="0"/>
+              <a:rPr lang="en-US" dirty="0"/>
               <a:t> remote: </a:t>
             </a:r>
           </a:p>
@@ -18443,7 +17998,7 @@
               <a:buNone/>
             </a:pPr>
             <a:r>
-              <a:rPr lang="en-US" dirty="0" smtClean="0">
+              <a:rPr lang="en-US" dirty="0">
                 <a:solidFill>
                   <a:srgbClr val="C00000"/>
                 </a:solidFill>
@@ -18451,7 +18006,7 @@
               <a:t>$ </a:t>
             </a:r>
             <a:r>
-              <a:rPr lang="en-US" dirty="0" err="1" smtClean="0">
+              <a:rPr lang="en-US" dirty="0" err="1">
                 <a:solidFill>
                   <a:srgbClr val="C00000"/>
                 </a:solidFill>
@@ -18459,7 +18014,7 @@
               <a:t>git</a:t>
             </a:r>
             <a:r>
-              <a:rPr lang="en-US" dirty="0" smtClean="0">
+              <a:rPr lang="en-US" dirty="0">
                 <a:solidFill>
                   <a:srgbClr val="C00000"/>
                 </a:solidFill>
@@ -18467,7 +18022,7 @@
               <a:t> remote add &lt;</a:t>
             </a:r>
             <a:r>
-              <a:rPr lang="en-US" dirty="0" err="1" smtClean="0">
+              <a:rPr lang="en-US" dirty="0" err="1">
                 <a:solidFill>
                   <a:srgbClr val="C00000"/>
                 </a:solidFill>
@@ -18475,7 +18030,7 @@
               <a:t>short_name</a:t>
             </a:r>
             <a:r>
-              <a:rPr lang="en-US" dirty="0" smtClean="0">
+              <a:rPr lang="en-US" dirty="0">
                 <a:solidFill>
                   <a:srgbClr val="C00000"/>
                 </a:solidFill>
@@ -18483,7 +18038,7 @@
               <a:t>&gt; &lt;</a:t>
             </a:r>
             <a:r>
-              <a:rPr lang="en-US" dirty="0" err="1" smtClean="0">
+              <a:rPr lang="en-US" dirty="0" err="1">
                 <a:solidFill>
                   <a:srgbClr val="C00000"/>
                 </a:solidFill>
@@ -18491,7 +18046,7 @@
               <a:t>url</a:t>
             </a:r>
             <a:r>
-              <a:rPr lang="en-US" dirty="0" smtClean="0">
+              <a:rPr lang="en-US" dirty="0">
                 <a:solidFill>
                   <a:srgbClr val="C00000"/>
                 </a:solidFill>
@@ -18501,35 +18056,35 @@
           </a:p>
           <a:p>
             <a:r>
-              <a:rPr lang="en-US" dirty="0" err="1" smtClean="0"/>
+              <a:rPr lang="en-US" dirty="0" err="1"/>
               <a:t>Đẩy</a:t>
             </a:r>
             <a:r>
-              <a:rPr lang="en-US" dirty="0" smtClean="0"/>
-              <a:t> </a:t>
-            </a:r>
-            <a:r>
-              <a:rPr lang="en-US" dirty="0" err="1" smtClean="0"/>
+              <a:rPr lang="en-US" dirty="0"/>
+              <a:t> </a:t>
+            </a:r>
+            <a:r>
+              <a:rPr lang="en-US" dirty="0" err="1"/>
               <a:t>lên</a:t>
             </a:r>
             <a:r>
-              <a:rPr lang="en-US" dirty="0" smtClean="0"/>
-              <a:t> </a:t>
-            </a:r>
-            <a:r>
-              <a:rPr lang="en-US" dirty="0" err="1" smtClean="0"/>
+              <a:rPr lang="en-US" dirty="0"/>
+              <a:t> </a:t>
+            </a:r>
+            <a:r>
+              <a:rPr lang="en-US" dirty="0" err="1"/>
               <a:t>máy</a:t>
             </a:r>
             <a:r>
-              <a:rPr lang="en-US" dirty="0" smtClean="0"/>
-              <a:t> </a:t>
-            </a:r>
-            <a:r>
-              <a:rPr lang="en-US" dirty="0" err="1" smtClean="0"/>
+              <a:rPr lang="en-US" dirty="0"/>
+              <a:t> </a:t>
+            </a:r>
+            <a:r>
+              <a:rPr lang="en-US" dirty="0" err="1"/>
               <a:t>chủ</a:t>
             </a:r>
             <a:r>
-              <a:rPr lang="en-US" dirty="0" smtClean="0"/>
+              <a:rPr lang="en-US" dirty="0"/>
               <a:t>:</a:t>
             </a:r>
           </a:p>
@@ -18538,7 +18093,7 @@
               <a:buNone/>
             </a:pPr>
             <a:r>
-              <a:rPr lang="en-US" dirty="0" smtClean="0">
+              <a:rPr lang="en-US" dirty="0">
                 <a:solidFill>
                   <a:srgbClr val="C00000"/>
                 </a:solidFill>
@@ -18546,7 +18101,7 @@
               <a:t>$ </a:t>
             </a:r>
             <a:r>
-              <a:rPr lang="en-US" dirty="0" err="1" smtClean="0">
+              <a:rPr lang="en-US" dirty="0" err="1">
                 <a:solidFill>
                   <a:srgbClr val="C00000"/>
                 </a:solidFill>
@@ -18554,7 +18109,7 @@
               <a:t>git</a:t>
             </a:r>
             <a:r>
-              <a:rPr lang="en-US" dirty="0" smtClean="0">
+              <a:rPr lang="en-US" dirty="0">
                 <a:solidFill>
                   <a:srgbClr val="C00000"/>
                 </a:solidFill>
@@ -18562,7 +18117,7 @@
               <a:t> push &lt;</a:t>
             </a:r>
             <a:r>
-              <a:rPr lang="en-US" dirty="0" err="1" smtClean="0">
+              <a:rPr lang="en-US" dirty="0" err="1">
                 <a:solidFill>
                   <a:srgbClr val="C00000"/>
                 </a:solidFill>
@@ -18570,7 +18125,7 @@
               <a:t>remote_name</a:t>
             </a:r>
             <a:r>
-              <a:rPr lang="en-US" dirty="0" smtClean="0">
+              <a:rPr lang="en-US" dirty="0">
                 <a:solidFill>
                   <a:srgbClr val="C00000"/>
                 </a:solidFill>
@@ -18578,7 +18133,7 @@
               <a:t>&gt; &lt;</a:t>
             </a:r>
             <a:r>
-              <a:rPr lang="en-US" dirty="0" err="1" smtClean="0">
+              <a:rPr lang="en-US" dirty="0" err="1">
                 <a:solidFill>
                   <a:srgbClr val="C00000"/>
                 </a:solidFill>
@@ -18586,7 +18141,7 @@
               <a:t>branch_name</a:t>
             </a:r>
             <a:r>
-              <a:rPr lang="en-US" dirty="0" smtClean="0">
+              <a:rPr lang="en-US" dirty="0">
                 <a:solidFill>
                   <a:srgbClr val="C00000"/>
                 </a:solidFill>
@@ -18596,11 +18151,11 @@
           </a:p>
           <a:p>
             <a:r>
-              <a:rPr lang="en-US" dirty="0" err="1" smtClean="0"/>
+              <a:rPr lang="en-US" dirty="0" err="1"/>
               <a:t>Xóa</a:t>
             </a:r>
             <a:r>
-              <a:rPr lang="en-US" dirty="0" smtClean="0"/>
+              <a:rPr lang="en-US" dirty="0"/>
               <a:t> remote:</a:t>
             </a:r>
           </a:p>
@@ -18609,7 +18164,7 @@
               <a:buNone/>
             </a:pPr>
             <a:r>
-              <a:rPr lang="en-US" dirty="0" smtClean="0">
+              <a:rPr lang="en-US" dirty="0">
                 <a:solidFill>
                   <a:srgbClr val="C00000"/>
                 </a:solidFill>
@@ -18617,7 +18172,7 @@
               <a:t>$ </a:t>
             </a:r>
             <a:r>
-              <a:rPr lang="en-US" dirty="0" err="1" smtClean="0">
+              <a:rPr lang="en-US" dirty="0" err="1">
                 <a:solidFill>
                   <a:srgbClr val="C00000"/>
                 </a:solidFill>
@@ -18625,7 +18180,7 @@
               <a:t>git</a:t>
             </a:r>
             <a:r>
-              <a:rPr lang="en-US" dirty="0" smtClean="0">
+              <a:rPr lang="en-US" dirty="0">
                 <a:solidFill>
                   <a:srgbClr val="C00000"/>
                 </a:solidFill>
@@ -18633,7 +18188,7 @@
               <a:t> remote </a:t>
             </a:r>
             <a:r>
-              <a:rPr lang="en-US" dirty="0" err="1" smtClean="0">
+              <a:rPr lang="en-US" dirty="0" err="1">
                 <a:solidFill>
                   <a:srgbClr val="C00000"/>
                 </a:solidFill>
@@ -18641,7 +18196,7 @@
               <a:t>rm</a:t>
             </a:r>
             <a:r>
-              <a:rPr lang="en-US" dirty="0" smtClean="0">
+              <a:rPr lang="en-US" dirty="0">
                 <a:solidFill>
                   <a:srgbClr val="C00000"/>
                 </a:solidFill>
@@ -18649,7 +18204,7 @@
               <a:t> &lt;</a:t>
             </a:r>
             <a:r>
-              <a:rPr lang="en-US" dirty="0" err="1" smtClean="0">
+              <a:rPr lang="en-US" dirty="0" err="1">
                 <a:solidFill>
                   <a:srgbClr val="C00000"/>
                 </a:solidFill>
@@ -18657,7 +18212,7 @@
               <a:t>remote_name</a:t>
             </a:r>
             <a:r>
-              <a:rPr lang="en-US" dirty="0" smtClean="0">
+              <a:rPr lang="en-US" dirty="0">
                 <a:solidFill>
                   <a:srgbClr val="C00000"/>
                 </a:solidFill>
@@ -18718,14 +18273,13 @@
           <a:lstStyle/>
           <a:p>
             <a:r>
-              <a:rPr lang="en-US" dirty="0" err="1" smtClean="0"/>
+              <a:rPr lang="en-US" dirty="0" err="1"/>
               <a:t>Git</a:t>
             </a:r>
             <a:r>
-              <a:rPr lang="en-US" dirty="0" smtClean="0"/>
+              <a:rPr lang="en-US" dirty="0"/>
               <a:t> branch</a:t>
             </a:r>
-            <a:endParaRPr lang="en-US" dirty="0"/>
           </a:p>
         </p:txBody>
       </p:sp>
@@ -18767,19 +18321,15 @@
             </a:r>
             <a:r>
               <a:rPr lang="vi-VN" dirty="0"/>
-              <a:t> có khả năng di chuyển được, trỏ đến một trong những </a:t>
-            </a:r>
-            <a:r>
-              <a:rPr lang="vi-VN" dirty="0" smtClean="0"/>
-              <a:t>commit</a:t>
-            </a:r>
-            <a:r>
-              <a:rPr lang="en-US" dirty="0" smtClean="0"/>
+              <a:t> có khả năng di chuyển được, trỏ đến một trong những commit</a:t>
+            </a:r>
+            <a:r>
+              <a:rPr lang="en-US" dirty="0"/>
               <a:t>.</a:t>
             </a:r>
           </a:p>
           <a:p>
-            <a:endParaRPr lang="en-US" dirty="0" smtClean="0"/>
+            <a:endParaRPr lang="en-US" dirty="0"/>
           </a:p>
         </p:txBody>
       </p:sp>
